--- a/lectures/E13-Behind-the-Wild/E13 - Behind the Wild.pptx
+++ b/lectures/E13-Behind-the-Wild/E13 - Behind the Wild.pptx
@@ -5,52 +5,51 @@
     <p:sldMasterId id="2147483648" r:id="rId1"/>
   </p:sldMasterIdLst>
   <p:notesMasterIdLst>
-    <p:notesMasterId r:id="rId23"/>
+    <p:notesMasterId r:id="rId38"/>
   </p:notesMasterIdLst>
   <p:handoutMasterIdLst>
-    <p:handoutMasterId r:id="rId24"/>
+    <p:handoutMasterId r:id="rId39"/>
   </p:handoutMasterIdLst>
   <p:sldIdLst>
     <p:sldId id="301" r:id="rId2"/>
     <p:sldId id="268" r:id="rId3"/>
     <p:sldId id="281" r:id="rId4"/>
-    <p:sldId id="296" r:id="rId5"/>
-    <p:sldId id="297" r:id="rId6"/>
-    <p:sldId id="284" r:id="rId7"/>
-    <p:sldId id="285" r:id="rId8"/>
-    <p:sldId id="286" r:id="rId9"/>
-    <p:sldId id="287" r:id="rId10"/>
-    <p:sldId id="288" r:id="rId11"/>
-    <p:sldId id="289" r:id="rId12"/>
-    <p:sldId id="290" r:id="rId13"/>
-    <p:sldId id="291" r:id="rId14"/>
-    <p:sldId id="292" r:id="rId15"/>
-    <p:sldId id="293" r:id="rId16"/>
-    <p:sldId id="294" r:id="rId17"/>
-    <p:sldId id="295" r:id="rId18"/>
-    <p:sldId id="299" r:id="rId19"/>
-    <p:sldId id="300" r:id="rId20"/>
-    <p:sldId id="298" r:id="rId21"/>
-    <p:sldId id="280" r:id="rId22"/>
+    <p:sldId id="321" r:id="rId5"/>
+    <p:sldId id="322" r:id="rId6"/>
+    <p:sldId id="323" r:id="rId7"/>
+    <p:sldId id="296" r:id="rId8"/>
+    <p:sldId id="297" r:id="rId9"/>
+    <p:sldId id="284" r:id="rId10"/>
+    <p:sldId id="285" r:id="rId11"/>
+    <p:sldId id="286" r:id="rId12"/>
+    <p:sldId id="287" r:id="rId13"/>
+    <p:sldId id="288" r:id="rId14"/>
+    <p:sldId id="289" r:id="rId15"/>
+    <p:sldId id="290" r:id="rId16"/>
+    <p:sldId id="291" r:id="rId17"/>
+    <p:sldId id="324" r:id="rId18"/>
+    <p:sldId id="308" r:id="rId19"/>
+    <p:sldId id="309" r:id="rId20"/>
+    <p:sldId id="310" r:id="rId21"/>
+    <p:sldId id="311" r:id="rId22"/>
+    <p:sldId id="313" r:id="rId23"/>
+    <p:sldId id="312" r:id="rId24"/>
+    <p:sldId id="314" r:id="rId25"/>
+    <p:sldId id="315" r:id="rId26"/>
+    <p:sldId id="316" r:id="rId27"/>
+    <p:sldId id="317" r:id="rId28"/>
+    <p:sldId id="318" r:id="rId29"/>
+    <p:sldId id="319" r:id="rId30"/>
+    <p:sldId id="320" r:id="rId31"/>
+    <p:sldId id="305" r:id="rId32"/>
+    <p:sldId id="306" r:id="rId33"/>
+    <p:sldId id="302" r:id="rId34"/>
+    <p:sldId id="303" r:id="rId35"/>
+    <p:sldId id="304" r:id="rId36"/>
+    <p:sldId id="280" r:id="rId37"/>
   </p:sldIdLst>
   <p:sldSz cx="9144000" cy="5715000" type="screen16x10"/>
   <p:notesSz cx="7099300" cy="10234613"/>
-  <p:embeddedFontLst>
-    <p:embeddedFont>
-      <p:font typeface="Calibri" pitchFamily="34" charset="0"/>
-      <p:regular r:id="rId25"/>
-      <p:bold r:id="rId26"/>
-      <p:italic r:id="rId27"/>
-      <p:boldItalic r:id="rId28"/>
-    </p:embeddedFont>
-    <p:embeddedFont>
-      <p:font typeface="Minya Nouvelle" charset="0"/>
-      <p:regular r:id="rId29"/>
-      <p:bold r:id="rId30"/>
-      <p:italic r:id="rId31"/>
-      <p:boldItalic r:id="rId32"/>
-    </p:embeddedFont>
-  </p:embeddedFontLst>
   <p:defaultTextStyle>
     <a:defPPr>
       <a:defRPr lang="sv-SE"/>
@@ -232,7 +231,7 @@
             <a:fld id="{D591C14E-198E-48A7-ABEC-7FB80E868E55}" type="datetimeFigureOut">
               <a:rPr lang="sv-SE" smtClean="0"/>
               <a:pPr/>
-              <a:t>2011-12-14</a:t>
+              <a:t>14-12-08</a:t>
             </a:fld>
             <a:endParaRPr lang="sv-SE"/>
           </a:p>
@@ -399,7 +398,7 @@
             <a:fld id="{188BB863-C913-48B5-BD1A-638D82A0C76B}" type="datetimeFigureOut">
               <a:rPr lang="sv-SE" smtClean="0"/>
               <a:pPr/>
-              <a:t>2011-12-14</a:t>
+              <a:t>14-12-08</a:t>
             </a:fld>
             <a:endParaRPr lang="sv-SE"/>
           </a:p>
@@ -850,7 +849,7 @@
             <a:fld id="{87A2DC32-3504-46EA-A4CB-95ED6A325EDF}" type="slidenum">
               <a:rPr lang="sv-SE" smtClean="0"/>
               <a:pPr/>
-              <a:t>7</a:t>
+              <a:t>10</a:t>
             </a:fld>
             <a:endParaRPr lang="sv-SE"/>
           </a:p>
@@ -935,7 +934,7 @@
             <a:fld id="{87A2DC32-3504-46EA-A4CB-95ED6A325EDF}" type="slidenum">
               <a:rPr lang="sv-SE" smtClean="0"/>
               <a:pPr/>
-              <a:t>9</a:t>
+              <a:t>12</a:t>
             </a:fld>
             <a:endParaRPr lang="sv-SE"/>
           </a:p>
@@ -1223,7 +1222,7 @@
             <a:fld id="{87A2DC32-3504-46EA-A4CB-95ED6A325EDF}" type="slidenum">
               <a:rPr lang="sv-SE" smtClean="0"/>
               <a:pPr/>
-              <a:t>11</a:t>
+              <a:t>14</a:t>
             </a:fld>
             <a:endParaRPr lang="sv-SE"/>
           </a:p>
@@ -1233,6 +1232,107 @@
     <p:extLst>
       <p:ext uri="{BB962C8B-B14F-4D97-AF65-F5344CB8AC3E}">
         <p14:creationId xmlns:p14="http://schemas.microsoft.com/office/powerpoint/2010/main" val="1918091863"/>
+      </p:ext>
+    </p:extLst>
+  </p:cSld>
+  <p:clrMapOvr>
+    <a:masterClrMapping/>
+  </p:clrMapOvr>
+</p:notes>
+</file>
+
+<file path=ppt/notesSlides/notesSlide5.xml><?xml version="1.0" encoding="utf-8"?>
+<p:notes xmlns:a="http://schemas.openxmlformats.org/drawingml/2006/main" xmlns:r="http://schemas.openxmlformats.org/officeDocument/2006/relationships" xmlns:p="http://schemas.openxmlformats.org/presentationml/2006/main">
+  <p:cSld>
+    <p:spTree>
+      <p:nvGrpSpPr>
+        <p:cNvPr id="1" name=""/>
+        <p:cNvGrpSpPr/>
+        <p:nvPr/>
+      </p:nvGrpSpPr>
+      <p:grpSpPr>
+        <a:xfrm>
+          <a:off x="0" y="0"/>
+          <a:ext cx="0" cy="0"/>
+          <a:chOff x="0" y="0"/>
+          <a:chExt cx="0" cy="0"/>
+        </a:xfrm>
+      </p:grpSpPr>
+      <p:sp>
+        <p:nvSpPr>
+          <p:cNvPr id="2" name="Slide Image Placeholder 1"/>
+          <p:cNvSpPr>
+            <a:spLocks noGrp="1" noRot="1" noChangeAspect="1"/>
+          </p:cNvSpPr>
+          <p:nvPr>
+            <p:ph type="sldImg"/>
+          </p:nvPr>
+        </p:nvSpPr>
+        <p:spPr/>
+      </p:sp>
+      <p:sp>
+        <p:nvSpPr>
+          <p:cNvPr id="3" name="Notes Placeholder 2"/>
+          <p:cNvSpPr>
+            <a:spLocks noGrp="1"/>
+          </p:cNvSpPr>
+          <p:nvPr>
+            <p:ph type="body" idx="1"/>
+          </p:nvPr>
+        </p:nvSpPr>
+        <p:spPr/>
+        <p:txBody>
+          <a:bodyPr/>
+          <a:lstStyle/>
+          <a:p>
+            <a:r>
+              <a:rPr lang="en-US" dirty="0" smtClean="0"/>
+              <a:t>http://</a:t>
+            </a:r>
+            <a:r>
+              <a:rPr lang="en-US" dirty="0" err="1" smtClean="0"/>
+              <a:t>requirejs.org</a:t>
+            </a:r>
+            <a:r>
+              <a:rPr lang="en-US" dirty="0" smtClean="0"/>
+              <a:t>/docs/</a:t>
+            </a:r>
+            <a:r>
+              <a:rPr lang="en-US" dirty="0" err="1" smtClean="0"/>
+              <a:t>api.html</a:t>
+            </a:r>
+            <a:endParaRPr lang="en-US" dirty="0"/>
+          </a:p>
+        </p:txBody>
+      </p:sp>
+      <p:sp>
+        <p:nvSpPr>
+          <p:cNvPr id="4" name="Slide Number Placeholder 3"/>
+          <p:cNvSpPr>
+            <a:spLocks noGrp="1"/>
+          </p:cNvSpPr>
+          <p:nvPr>
+            <p:ph type="sldNum" sz="quarter" idx="10"/>
+          </p:nvPr>
+        </p:nvSpPr>
+        <p:spPr/>
+        <p:txBody>
+          <a:bodyPr/>
+          <a:lstStyle/>
+          <a:p>
+            <a:fld id="{87A2DC32-3504-46EA-A4CB-95ED6A325EDF}" type="slidenum">
+              <a:rPr lang="sv-SE" smtClean="0"/>
+              <a:pPr/>
+              <a:t>27</a:t>
+            </a:fld>
+            <a:endParaRPr lang="sv-SE"/>
+          </a:p>
+        </p:txBody>
+      </p:sp>
+    </p:spTree>
+    <p:extLst>
+      <p:ext uri="{BB962C8B-B14F-4D97-AF65-F5344CB8AC3E}">
+        <p14:creationId xmlns:p14="http://schemas.microsoft.com/office/powerpoint/2010/main" val="3657953219"/>
       </p:ext>
     </p:extLst>
   </p:cSld>
@@ -1388,7 +1488,7 @@
   <p:timing>
     <p:tnLst>
       <p:par>
-        <p:cTn id="1" dur="indefinite" restart="never" nodeType="tmRoot"/>
+        <p:cTn xmlns:p14="http://schemas.microsoft.com/office/powerpoint/2010/main" id="1" dur="indefinite" restart="never" nodeType="tmRoot"/>
       </p:par>
     </p:tnLst>
   </p:timing>
@@ -1613,7 +1713,7 @@
   <p:timing>
     <p:tnLst>
       <p:par>
-        <p:cTn id="1" dur="indefinite" restart="never" nodeType="tmRoot"/>
+        <p:cTn xmlns:p14="http://schemas.microsoft.com/office/powerpoint/2010/main" id="1" dur="indefinite" restart="never" nodeType="tmRoot"/>
       </p:par>
     </p:tnLst>
   </p:timing>
@@ -7686,16 +7786,28 @@
               <a:rPr lang="sv-SE" sz="2800" b="1" dirty="0" smtClean="0">
                 <a:latin typeface="Minya Nouvelle" pitchFamily="2" charset="0"/>
               </a:rPr>
-              <a:t>Föreläsning 13, HT2011</a:t>
-            </a:r>
+              <a:t>Föreläsning 13, </a:t>
+            </a:r>
+            <a:r>
+              <a:rPr lang="sv-SE" sz="2800" b="1" dirty="0" smtClean="0">
+                <a:latin typeface="Minya Nouvelle" pitchFamily="2" charset="0"/>
+              </a:rPr>
+              <a:t>HT2014</a:t>
+            </a:r>
+            <a:endParaRPr lang="sv-SE" sz="2800" b="1" dirty="0" smtClean="0">
+              <a:latin typeface="Minya Nouvelle" pitchFamily="2" charset="0"/>
+            </a:endParaRPr>
           </a:p>
           <a:p>
             <a:r>
               <a:rPr lang="sv-SE" sz="2800" dirty="0" smtClean="0">
                 <a:latin typeface="Minya Nouvelle" pitchFamily="2" charset="0"/>
               </a:rPr>
-              <a:t>Mer avancerad JavaScript</a:t>
-            </a:r>
+              <a:t>Det vi missat och lite till…</a:t>
+            </a:r>
+            <a:endParaRPr lang="sv-SE" sz="2800" dirty="0" smtClean="0">
+              <a:latin typeface="Minya Nouvelle" pitchFamily="2" charset="0"/>
+            </a:endParaRPr>
           </a:p>
         </p:txBody>
       </p:sp>
@@ -7743,47 +7855,6 @@
           </a:p>
         </p:txBody>
       </p:sp>
-      <p:pic>
-        <p:nvPicPr>
-          <p:cNvPr id="115714" name="Picture 2" descr="C:\Dropbox\Avatar\Avatar228x228.jpg"/>
-          <p:cNvPicPr>
-            <a:picLocks noChangeAspect="1" noChangeArrowheads="1"/>
-          </p:cNvPicPr>
-          <p:nvPr/>
-        </p:nvPicPr>
-        <p:blipFill>
-          <a:blip r:embed="rId2">
-            <a:extLst>
-              <a:ext uri="{28A0092B-C50C-407E-A947-70E740481C1C}">
-                <a14:useLocalDpi xmlns:a14="http://schemas.microsoft.com/office/drawing/2010/main" val="0"/>
-              </a:ext>
-            </a:extLst>
-          </a:blip>
-          <a:srcRect/>
-          <a:stretch>
-            <a:fillRect/>
-          </a:stretch>
-        </p:blipFill>
-        <p:spPr bwMode="auto">
-          <a:xfrm>
-            <a:off x="5508104" y="2137420"/>
-            <a:ext cx="2736304" cy="2736304"/>
-          </a:xfrm>
-          <a:prstGeom prst="rect">
-            <a:avLst/>
-          </a:prstGeom>
-          <a:noFill/>
-          <a:extLst>
-            <a:ext uri="{909E8E84-426E-40DD-AFC4-6F175D3DCCD1}">
-              <a14:hiddenFill xmlns:a14="http://schemas.microsoft.com/office/drawing/2010/main">
-                <a:solidFill>
-                  <a:srgbClr val="FFFFFF"/>
-                </a:solidFill>
-              </a14:hiddenFill>
-            </a:ext>
-          </a:extLst>
-        </p:spPr>
-      </p:pic>
       <p:sp>
         <p:nvSpPr>
           <p:cNvPr id="4" name="TextBox 3"/>
@@ -7816,6 +7887,36 @@
           </a:p>
         </p:txBody>
       </p:sp>
+      <p:pic>
+        <p:nvPicPr>
+          <p:cNvPr id="7" name="Picture 6" descr="square.jpg"/>
+          <p:cNvPicPr>
+            <a:picLocks noChangeAspect="1"/>
+          </p:cNvPicPr>
+          <p:nvPr/>
+        </p:nvPicPr>
+        <p:blipFill>
+          <a:blip r:embed="rId2" cstate="print">
+            <a:extLst>
+              <a:ext uri="{28A0092B-C50C-407E-A947-70E740481C1C}">
+                <a14:useLocalDpi xmlns:a14="http://schemas.microsoft.com/office/drawing/2010/main" val="0"/>
+              </a:ext>
+            </a:extLst>
+          </a:blip>
+          <a:stretch>
+            <a:fillRect/>
+          </a:stretch>
+        </p:blipFill>
+        <p:spPr>
+          <a:xfrm>
+            <a:off x="5580112" y="2137420"/>
+            <a:ext cx="2641476" cy="2641476"/>
+          </a:xfrm>
+          <a:prstGeom prst="rect">
+            <a:avLst/>
+          </a:prstGeom>
+        </p:spPr>
+      </p:pic>
     </p:spTree>
     <p:extLst>
       <p:ext uri="{BB962C8B-B14F-4D97-AF65-F5344CB8AC3E}">
@@ -7829,7 +7930,7 @@
   <p:timing>
     <p:tnLst>
       <p:par>
-        <p:cTn id="1" dur="indefinite" restart="never" nodeType="tmRoot"/>
+        <p:cTn xmlns:p14="http://schemas.microsoft.com/office/powerpoint/2010/main" id="1" dur="indefinite" restart="never" nodeType="tmRoot"/>
       </p:par>
     </p:tnLst>
   </p:timing>
@@ -7837,6 +7938,1154 @@
 </file>
 
 <file path=ppt/slides/slide10.xml><?xml version="1.0" encoding="utf-8"?>
+<p:sld xmlns:a="http://schemas.openxmlformats.org/drawingml/2006/main" xmlns:r="http://schemas.openxmlformats.org/officeDocument/2006/relationships" xmlns:p="http://schemas.openxmlformats.org/presentationml/2006/main">
+  <p:cSld>
+    <p:spTree>
+      <p:nvGrpSpPr>
+        <p:cNvPr id="1" name=""/>
+        <p:cNvGrpSpPr/>
+        <p:nvPr/>
+      </p:nvGrpSpPr>
+      <p:grpSpPr>
+        <a:xfrm>
+          <a:off x="0" y="0"/>
+          <a:ext cx="0" cy="0"/>
+          <a:chOff x="0" y="0"/>
+          <a:chExt cx="0" cy="0"/>
+        </a:xfrm>
+      </p:grpSpPr>
+      <p:sp>
+        <p:nvSpPr>
+          <p:cNvPr id="2" name="Title 1"/>
+          <p:cNvSpPr>
+            <a:spLocks noGrp="1"/>
+          </p:cNvSpPr>
+          <p:nvPr>
+            <p:ph type="ctrTitle"/>
+          </p:nvPr>
+        </p:nvSpPr>
+        <p:spPr/>
+        <p:txBody>
+          <a:bodyPr/>
+          <a:lstStyle/>
+          <a:p>
+            <a:r>
+              <a:rPr lang="sv-SE" dirty="0" err="1" smtClean="0"/>
+              <a:t>Augmentation</a:t>
+            </a:r>
+            <a:endParaRPr lang="sv-SE" dirty="0"/>
+          </a:p>
+        </p:txBody>
+      </p:sp>
+      <p:sp>
+        <p:nvSpPr>
+          <p:cNvPr id="3" name="Subtitle 2"/>
+          <p:cNvSpPr>
+            <a:spLocks noGrp="1"/>
+          </p:cNvSpPr>
+          <p:nvPr>
+            <p:ph type="subTitle" idx="1"/>
+          </p:nvPr>
+        </p:nvSpPr>
+        <p:spPr>
+          <a:xfrm>
+            <a:off x="395536" y="1273324"/>
+            <a:ext cx="7344816" cy="3888432"/>
+          </a:xfrm>
+        </p:spPr>
+        <p:txBody>
+          <a:bodyPr/>
+          <a:lstStyle/>
+          <a:p>
+            <a:r>
+              <a:rPr lang="sv-SE" dirty="0"/>
+              <a:t>Vi kan till och med </a:t>
+            </a:r>
+            <a:r>
+              <a:rPr lang="sv-SE" dirty="0" smtClean="0"/>
+              <a:t>förstärka, bygga ut </a:t>
+            </a:r>
+            <a:r>
+              <a:rPr lang="sv-SE" dirty="0"/>
+              <a:t>alla inbyggda </a:t>
+            </a:r>
+            <a:r>
+              <a:rPr lang="sv-SE" dirty="0" smtClean="0"/>
+              <a:t>objekt!</a:t>
+            </a:r>
+            <a:endParaRPr lang="sv-SE" dirty="0"/>
+          </a:p>
+          <a:p>
+            <a:endParaRPr lang="sv-SE" dirty="0"/>
+          </a:p>
+          <a:p>
+            <a:r>
+              <a:rPr lang="sv-SE" dirty="0" smtClean="0"/>
+              <a:t>Låna </a:t>
+            </a:r>
+            <a:r>
+              <a:rPr lang="sv-SE" b="1" dirty="0" err="1" smtClean="0"/>
+              <a:t>forEach</a:t>
+            </a:r>
+            <a:r>
+              <a:rPr lang="sv-SE" dirty="0" smtClean="0"/>
+              <a:t> från Array till </a:t>
+            </a:r>
+            <a:r>
+              <a:rPr lang="sv-SE" dirty="0" err="1" smtClean="0"/>
+              <a:t>NodeList</a:t>
+            </a:r>
+            <a:r>
+              <a:rPr lang="sv-SE" dirty="0" smtClean="0"/>
+              <a:t>?</a:t>
+            </a:r>
+            <a:endParaRPr lang="sv-SE" dirty="0"/>
+          </a:p>
+          <a:p>
+            <a:endParaRPr lang="sv-SE" dirty="0"/>
+          </a:p>
+          <a:p>
+            <a:r>
+              <a:rPr lang="sv-SE" dirty="0" smtClean="0"/>
+              <a:t>Var dock väldigt försiktig med att lägga till funktionalitet på de inbyggda objekten. </a:t>
+            </a:r>
+            <a:endParaRPr lang="sv-SE" dirty="0"/>
+          </a:p>
+          <a:p>
+            <a:endParaRPr lang="sv-SE" dirty="0"/>
+          </a:p>
+        </p:txBody>
+      </p:sp>
+      <p:pic>
+        <p:nvPicPr>
+          <p:cNvPr id="4" name="Picture 3" descr="P:\Icons\48x48\shadow\cube_yellow_add.png"/>
+          <p:cNvPicPr>
+            <a:picLocks noChangeAspect="1" noChangeArrowheads="1"/>
+          </p:cNvPicPr>
+          <p:nvPr/>
+        </p:nvPicPr>
+        <p:blipFill>
+          <a:blip r:embed="rId3">
+            <a:extLst>
+              <a:ext uri="{28A0092B-C50C-407E-A947-70E740481C1C}">
+                <a14:useLocalDpi xmlns:a14="http://schemas.microsoft.com/office/drawing/2010/main" val="0"/>
+              </a:ext>
+            </a:extLst>
+          </a:blip>
+          <a:srcRect/>
+          <a:stretch>
+            <a:fillRect/>
+          </a:stretch>
+        </p:blipFill>
+        <p:spPr bwMode="auto">
+          <a:xfrm>
+            <a:off x="8272544" y="267610"/>
+            <a:ext cx="617537" cy="617538"/>
+          </a:xfrm>
+          <a:prstGeom prst="rect">
+            <a:avLst/>
+          </a:prstGeom>
+          <a:noFill/>
+          <a:extLst>
+            <a:ext uri="{909E8E84-426E-40dd-AFC4-6F175D3DCCD1}">
+              <a14:hiddenFill xmlns:a14="http://schemas.microsoft.com/office/drawing/2010/main">
+                <a:solidFill>
+                  <a:srgbClr val="FFFFFF"/>
+                </a:solidFill>
+              </a14:hiddenFill>
+            </a:ext>
+          </a:extLst>
+        </p:spPr>
+      </p:pic>
+    </p:spTree>
+    <p:extLst>
+      <p:ext uri="{BB962C8B-B14F-4D97-AF65-F5344CB8AC3E}">
+        <p14:creationId xmlns:p14="http://schemas.microsoft.com/office/powerpoint/2010/main" val="1767731382"/>
+      </p:ext>
+    </p:extLst>
+  </p:cSld>
+  <p:clrMapOvr>
+    <a:masterClrMapping/>
+  </p:clrMapOvr>
+  <p:timing>
+    <p:tnLst>
+      <p:par>
+        <p:cTn xmlns:p14="http://schemas.microsoft.com/office/powerpoint/2010/main" id="1" dur="indefinite" restart="never" nodeType="tmRoot"/>
+      </p:par>
+    </p:tnLst>
+  </p:timing>
+</p:sld>
+</file>
+
+<file path=ppt/slides/slide11.xml><?xml version="1.0" encoding="utf-8"?>
+<p:sld xmlns:a="http://schemas.openxmlformats.org/drawingml/2006/main" xmlns:r="http://schemas.openxmlformats.org/officeDocument/2006/relationships" xmlns:p="http://schemas.openxmlformats.org/presentationml/2006/main">
+  <p:cSld>
+    <p:spTree>
+      <p:nvGrpSpPr>
+        <p:cNvPr id="1" name=""/>
+        <p:cNvGrpSpPr/>
+        <p:nvPr/>
+      </p:nvGrpSpPr>
+      <p:grpSpPr>
+        <a:xfrm>
+          <a:off x="0" y="0"/>
+          <a:ext cx="0" cy="0"/>
+          <a:chOff x="0" y="0"/>
+          <a:chExt cx="0" cy="0"/>
+        </a:xfrm>
+      </p:grpSpPr>
+      <p:sp>
+        <p:nvSpPr>
+          <p:cNvPr id="2" name="Title 1"/>
+          <p:cNvSpPr>
+            <a:spLocks noGrp="1"/>
+          </p:cNvSpPr>
+          <p:nvPr>
+            <p:ph type="ctrTitle"/>
+          </p:nvPr>
+        </p:nvSpPr>
+        <p:spPr/>
+        <p:txBody>
+          <a:bodyPr/>
+          <a:lstStyle/>
+          <a:p>
+            <a:r>
+              <a:rPr lang="sv-SE" b="1" dirty="0" smtClean="0"/>
+              <a:t>Klass</a:t>
+            </a:r>
+            <a:r>
+              <a:rPr lang="sv-SE" dirty="0" smtClean="0"/>
+              <a:t>iskt arv</a:t>
+            </a:r>
+            <a:endParaRPr lang="sv-SE" dirty="0"/>
+          </a:p>
+        </p:txBody>
+      </p:sp>
+      <p:pic>
+        <p:nvPicPr>
+          <p:cNvPr id="4" name="Picture 3" descr="PPT41E.png"/>
+          <p:cNvPicPr>
+            <a:picLocks noChangeAspect="1"/>
+          </p:cNvPicPr>
+          <p:nvPr/>
+        </p:nvPicPr>
+        <p:blipFill>
+          <a:blip r:embed="rId2" cstate="print"/>
+          <a:stretch>
+            <a:fillRect/>
+          </a:stretch>
+        </p:blipFill>
+        <p:spPr>
+          <a:xfrm>
+            <a:off x="6334944" y="3683124"/>
+            <a:ext cx="1063376" cy="1292333"/>
+          </a:xfrm>
+          <a:prstGeom prst="rect">
+            <a:avLst/>
+          </a:prstGeom>
+        </p:spPr>
+      </p:pic>
+      <p:pic>
+        <p:nvPicPr>
+          <p:cNvPr id="5" name="Picture 4" descr="PPT875D.png"/>
+          <p:cNvPicPr>
+            <a:picLocks noChangeAspect="1"/>
+          </p:cNvPicPr>
+          <p:nvPr/>
+        </p:nvPicPr>
+        <p:blipFill>
+          <a:blip r:embed="rId3" cstate="print"/>
+          <a:stretch>
+            <a:fillRect/>
+          </a:stretch>
+        </p:blipFill>
+        <p:spPr>
+          <a:xfrm>
+            <a:off x="467544" y="3073524"/>
+            <a:ext cx="1853862" cy="1429562"/>
+          </a:xfrm>
+          <a:prstGeom prst="rect">
+            <a:avLst/>
+          </a:prstGeom>
+        </p:spPr>
+      </p:pic>
+      <p:pic>
+        <p:nvPicPr>
+          <p:cNvPr id="6" name="Picture 5" descr="PPTAC8A.png"/>
+          <p:cNvPicPr>
+            <a:picLocks noChangeAspect="1"/>
+          </p:cNvPicPr>
+          <p:nvPr/>
+        </p:nvPicPr>
+        <p:blipFill>
+          <a:blip r:embed="rId4" cstate="print"/>
+          <a:stretch>
+            <a:fillRect/>
+          </a:stretch>
+        </p:blipFill>
+        <p:spPr>
+          <a:xfrm>
+            <a:off x="2601144" y="3454524"/>
+            <a:ext cx="2029106" cy="1206219"/>
+          </a:xfrm>
+          <a:prstGeom prst="rect">
+            <a:avLst/>
+          </a:prstGeom>
+        </p:spPr>
+      </p:pic>
+      <p:pic>
+        <p:nvPicPr>
+          <p:cNvPr id="7" name="Picture 6" descr="PPT80F9.png"/>
+          <p:cNvPicPr>
+            <a:picLocks noChangeAspect="1"/>
+          </p:cNvPicPr>
+          <p:nvPr/>
+        </p:nvPicPr>
+        <p:blipFill>
+          <a:blip r:embed="rId5" cstate="print"/>
+          <a:stretch>
+            <a:fillRect/>
+          </a:stretch>
+        </p:blipFill>
+        <p:spPr>
+          <a:xfrm>
+            <a:off x="4658544" y="3378324"/>
+            <a:ext cx="671838" cy="787010"/>
+          </a:xfrm>
+          <a:prstGeom prst="rect">
+            <a:avLst/>
+          </a:prstGeom>
+        </p:spPr>
+      </p:pic>
+      <p:pic>
+        <p:nvPicPr>
+          <p:cNvPr id="8" name="Picture 7" descr="PPT3D94.png"/>
+          <p:cNvPicPr>
+            <a:picLocks noChangeAspect="1"/>
+          </p:cNvPicPr>
+          <p:nvPr/>
+        </p:nvPicPr>
+        <p:blipFill>
+          <a:blip r:embed="rId6" cstate="print"/>
+          <a:stretch>
+            <a:fillRect/>
+          </a:stretch>
+        </p:blipFill>
+        <p:spPr>
+          <a:xfrm>
+            <a:off x="5649144" y="3302124"/>
+            <a:ext cx="1021448" cy="720457"/>
+          </a:xfrm>
+          <a:prstGeom prst="rect">
+            <a:avLst/>
+          </a:prstGeom>
+        </p:spPr>
+      </p:pic>
+      <p:pic>
+        <p:nvPicPr>
+          <p:cNvPr id="9" name="Picture 8" descr="PPTD4E5.png"/>
+          <p:cNvPicPr>
+            <a:picLocks noChangeAspect="1"/>
+          </p:cNvPicPr>
+          <p:nvPr/>
+        </p:nvPicPr>
+        <p:blipFill>
+          <a:blip r:embed="rId7" cstate="print"/>
+          <a:stretch>
+            <a:fillRect/>
+          </a:stretch>
+        </p:blipFill>
+        <p:spPr>
+          <a:xfrm>
+            <a:off x="7630344" y="3606924"/>
+            <a:ext cx="969788" cy="844286"/>
+          </a:xfrm>
+          <a:prstGeom prst="rect">
+            <a:avLst/>
+          </a:prstGeom>
+        </p:spPr>
+      </p:pic>
+      <p:sp>
+        <p:nvSpPr>
+          <p:cNvPr id="10" name="TextBox 9"/>
+          <p:cNvSpPr txBox="1"/>
+          <p:nvPr/>
+        </p:nvSpPr>
+        <p:spPr>
+          <a:xfrm>
+            <a:off x="3419872" y="1201316"/>
+            <a:ext cx="1728192" cy="923330"/>
+          </a:xfrm>
+          <a:prstGeom prst="rect">
+            <a:avLst/>
+          </a:prstGeom>
+        </p:spPr>
+        <p:style>
+          <a:lnRef idx="2">
+            <a:schemeClr val="dk1"/>
+          </a:lnRef>
+          <a:fillRef idx="1">
+            <a:schemeClr val="lt1"/>
+          </a:fillRef>
+          <a:effectRef idx="0">
+            <a:schemeClr val="dk1"/>
+          </a:effectRef>
+          <a:fontRef idx="minor">
+            <a:schemeClr val="dk1"/>
+          </a:fontRef>
+        </p:style>
+        <p:txBody>
+          <a:bodyPr wrap="square" rtlCol="0">
+            <a:spAutoFit/>
+          </a:bodyPr>
+          <a:lstStyle/>
+          <a:p>
+            <a:endParaRPr lang="sv-SE" dirty="0" smtClean="0">
+              <a:latin typeface="Minya Nouvelle" pitchFamily="2" charset="0"/>
+            </a:endParaRPr>
+          </a:p>
+          <a:p>
+            <a:pPr algn="ctr"/>
+            <a:r>
+              <a:rPr lang="sv-SE" dirty="0" smtClean="0">
+                <a:latin typeface="Minya Nouvelle" pitchFamily="2" charset="0"/>
+              </a:rPr>
+              <a:t>Djur</a:t>
+            </a:r>
+          </a:p>
+          <a:p>
+            <a:endParaRPr lang="sv-SE" dirty="0">
+              <a:latin typeface="Minya Nouvelle" pitchFamily="2" charset="0"/>
+            </a:endParaRPr>
+          </a:p>
+        </p:txBody>
+      </p:sp>
+      <p:cxnSp>
+        <p:nvCxnSpPr>
+          <p:cNvPr id="12" name="Straight Connector 11"/>
+          <p:cNvCxnSpPr/>
+          <p:nvPr/>
+        </p:nvCxnSpPr>
+        <p:spPr>
+          <a:xfrm flipV="1">
+            <a:off x="1259632" y="2124646"/>
+            <a:ext cx="2356065" cy="948878"/>
+          </a:xfrm>
+          <a:prstGeom prst="line">
+            <a:avLst/>
+          </a:prstGeom>
+          <a:ln w="19050">
+            <a:solidFill>
+              <a:schemeClr val="tx1"/>
+            </a:solidFill>
+            <a:tailEnd type="arrow"/>
+          </a:ln>
+        </p:spPr>
+        <p:style>
+          <a:lnRef idx="1">
+            <a:schemeClr val="accent1"/>
+          </a:lnRef>
+          <a:fillRef idx="0">
+            <a:schemeClr val="accent1"/>
+          </a:fillRef>
+          <a:effectRef idx="0">
+            <a:schemeClr val="accent1"/>
+          </a:effectRef>
+          <a:fontRef idx="minor">
+            <a:schemeClr val="tx1"/>
+          </a:fontRef>
+        </p:style>
+      </p:cxnSp>
+      <p:cxnSp>
+        <p:nvCxnSpPr>
+          <p:cNvPr id="14" name="Straight Connector 13"/>
+          <p:cNvCxnSpPr>
+            <a:stCxn id="6" idx="0"/>
+          </p:cNvCxnSpPr>
+          <p:nvPr/>
+        </p:nvCxnSpPr>
+        <p:spPr>
+          <a:xfrm flipV="1">
+            <a:off x="3615697" y="2124646"/>
+            <a:ext cx="164215" cy="1329878"/>
+          </a:xfrm>
+          <a:prstGeom prst="line">
+            <a:avLst/>
+          </a:prstGeom>
+          <a:ln w="19050">
+            <a:solidFill>
+              <a:schemeClr val="tx1"/>
+            </a:solidFill>
+            <a:tailEnd type="arrow"/>
+          </a:ln>
+        </p:spPr>
+        <p:style>
+          <a:lnRef idx="1">
+            <a:schemeClr val="accent1"/>
+          </a:lnRef>
+          <a:fillRef idx="0">
+            <a:schemeClr val="accent1"/>
+          </a:fillRef>
+          <a:effectRef idx="0">
+            <a:schemeClr val="accent1"/>
+          </a:effectRef>
+          <a:fontRef idx="minor">
+            <a:schemeClr val="tx1"/>
+          </a:fontRef>
+        </p:style>
+      </p:cxnSp>
+      <p:cxnSp>
+        <p:nvCxnSpPr>
+          <p:cNvPr id="16" name="Straight Connector 15"/>
+          <p:cNvCxnSpPr>
+            <a:stCxn id="7" idx="0"/>
+          </p:cNvCxnSpPr>
+          <p:nvPr/>
+        </p:nvCxnSpPr>
+        <p:spPr>
+          <a:xfrm flipH="1" flipV="1">
+            <a:off x="4139952" y="2124646"/>
+            <a:ext cx="854511" cy="1253678"/>
+          </a:xfrm>
+          <a:prstGeom prst="line">
+            <a:avLst/>
+          </a:prstGeom>
+          <a:ln w="19050">
+            <a:solidFill>
+              <a:schemeClr val="tx1"/>
+            </a:solidFill>
+            <a:tailEnd type="arrow"/>
+          </a:ln>
+        </p:spPr>
+        <p:style>
+          <a:lnRef idx="1">
+            <a:schemeClr val="accent1"/>
+          </a:lnRef>
+          <a:fillRef idx="0">
+            <a:schemeClr val="accent1"/>
+          </a:fillRef>
+          <a:effectRef idx="0">
+            <a:schemeClr val="accent1"/>
+          </a:effectRef>
+          <a:fontRef idx="minor">
+            <a:schemeClr val="tx1"/>
+          </a:fontRef>
+        </p:style>
+      </p:cxnSp>
+      <p:cxnSp>
+        <p:nvCxnSpPr>
+          <p:cNvPr id="18" name="Straight Connector 17"/>
+          <p:cNvCxnSpPr>
+            <a:stCxn id="8" idx="0"/>
+          </p:cNvCxnSpPr>
+          <p:nvPr/>
+        </p:nvCxnSpPr>
+        <p:spPr>
+          <a:xfrm flipH="1" flipV="1">
+            <a:off x="4499992" y="2124646"/>
+            <a:ext cx="1659876" cy="1177478"/>
+          </a:xfrm>
+          <a:prstGeom prst="line">
+            <a:avLst/>
+          </a:prstGeom>
+          <a:ln w="19050">
+            <a:solidFill>
+              <a:schemeClr val="tx1"/>
+            </a:solidFill>
+            <a:tailEnd type="arrow"/>
+          </a:ln>
+        </p:spPr>
+        <p:style>
+          <a:lnRef idx="1">
+            <a:schemeClr val="accent1"/>
+          </a:lnRef>
+          <a:fillRef idx="0">
+            <a:schemeClr val="accent1"/>
+          </a:fillRef>
+          <a:effectRef idx="0">
+            <a:schemeClr val="accent1"/>
+          </a:effectRef>
+          <a:fontRef idx="minor">
+            <a:schemeClr val="tx1"/>
+          </a:fontRef>
+        </p:style>
+      </p:cxnSp>
+      <p:cxnSp>
+        <p:nvCxnSpPr>
+          <p:cNvPr id="20" name="Straight Connector 19"/>
+          <p:cNvCxnSpPr/>
+          <p:nvPr/>
+        </p:nvCxnSpPr>
+        <p:spPr>
+          <a:xfrm flipH="1" flipV="1">
+            <a:off x="4994463" y="2124646"/>
+            <a:ext cx="2241833" cy="1558478"/>
+          </a:xfrm>
+          <a:prstGeom prst="line">
+            <a:avLst/>
+          </a:prstGeom>
+          <a:ln w="19050">
+            <a:solidFill>
+              <a:schemeClr val="tx1"/>
+            </a:solidFill>
+            <a:tailEnd type="arrow"/>
+          </a:ln>
+        </p:spPr>
+        <p:style>
+          <a:lnRef idx="1">
+            <a:schemeClr val="accent1"/>
+          </a:lnRef>
+          <a:fillRef idx="0">
+            <a:schemeClr val="accent1"/>
+          </a:fillRef>
+          <a:effectRef idx="0">
+            <a:schemeClr val="accent1"/>
+          </a:effectRef>
+          <a:fontRef idx="minor">
+            <a:schemeClr val="tx1"/>
+          </a:fontRef>
+        </p:style>
+      </p:cxnSp>
+      <p:cxnSp>
+        <p:nvCxnSpPr>
+          <p:cNvPr id="22" name="Straight Connector 21"/>
+          <p:cNvCxnSpPr>
+            <a:stCxn id="9" idx="0"/>
+          </p:cNvCxnSpPr>
+          <p:nvPr/>
+        </p:nvCxnSpPr>
+        <p:spPr>
+          <a:xfrm flipH="1" flipV="1">
+            <a:off x="5148064" y="2124646"/>
+            <a:ext cx="2967174" cy="1482278"/>
+          </a:xfrm>
+          <a:prstGeom prst="line">
+            <a:avLst/>
+          </a:prstGeom>
+          <a:ln w="19050">
+            <a:solidFill>
+              <a:schemeClr val="tx1"/>
+            </a:solidFill>
+            <a:tailEnd type="arrow"/>
+          </a:ln>
+        </p:spPr>
+        <p:style>
+          <a:lnRef idx="1">
+            <a:schemeClr val="accent1"/>
+          </a:lnRef>
+          <a:fillRef idx="0">
+            <a:schemeClr val="accent1"/>
+          </a:fillRef>
+          <a:effectRef idx="0">
+            <a:schemeClr val="accent1"/>
+          </a:effectRef>
+          <a:fontRef idx="minor">
+            <a:schemeClr val="tx1"/>
+          </a:fontRef>
+        </p:style>
+      </p:cxnSp>
+      <p:pic>
+        <p:nvPicPr>
+          <p:cNvPr id="23" name="Picture 3" descr="P:\Icons\48x48\shadow\graph_edge_directed.png"/>
+          <p:cNvPicPr>
+            <a:picLocks noChangeAspect="1" noChangeArrowheads="1"/>
+          </p:cNvPicPr>
+          <p:nvPr/>
+        </p:nvPicPr>
+        <p:blipFill>
+          <a:blip r:embed="rId8">
+            <a:extLst>
+              <a:ext uri="{28A0092B-C50C-407E-A947-70E740481C1C}">
+                <a14:useLocalDpi xmlns:a14="http://schemas.microsoft.com/office/drawing/2010/main" val="0"/>
+              </a:ext>
+            </a:extLst>
+          </a:blip>
+          <a:srcRect/>
+          <a:stretch>
+            <a:fillRect/>
+          </a:stretch>
+        </p:blipFill>
+        <p:spPr bwMode="auto">
+          <a:xfrm>
+            <a:off x="8244408" y="260163"/>
+            <a:ext cx="617538" cy="617538"/>
+          </a:xfrm>
+          <a:prstGeom prst="rect">
+            <a:avLst/>
+          </a:prstGeom>
+          <a:noFill/>
+          <a:extLst>
+            <a:ext uri="{909E8E84-426E-40dd-AFC4-6F175D3DCCD1}">
+              <a14:hiddenFill xmlns:a14="http://schemas.microsoft.com/office/drawing/2010/main">
+                <a:solidFill>
+                  <a:srgbClr val="FFFFFF"/>
+                </a:solidFill>
+              </a14:hiddenFill>
+            </a:ext>
+          </a:extLst>
+        </p:spPr>
+      </p:pic>
+    </p:spTree>
+    <p:extLst>
+      <p:ext uri="{BB962C8B-B14F-4D97-AF65-F5344CB8AC3E}">
+        <p14:creationId xmlns:p14="http://schemas.microsoft.com/office/powerpoint/2010/main" val="1422692460"/>
+      </p:ext>
+    </p:extLst>
+  </p:cSld>
+  <p:clrMapOvr>
+    <a:masterClrMapping/>
+  </p:clrMapOvr>
+  <p:timing>
+    <p:tnLst>
+      <p:par>
+        <p:cTn xmlns:p14="http://schemas.microsoft.com/office/powerpoint/2010/main" id="1" dur="indefinite" restart="never" nodeType="tmRoot"/>
+      </p:par>
+    </p:tnLst>
+  </p:timing>
+</p:sld>
+</file>
+
+<file path=ppt/slides/slide12.xml><?xml version="1.0" encoding="utf-8"?>
+<p:sld xmlns:a="http://schemas.openxmlformats.org/drawingml/2006/main" xmlns:r="http://schemas.openxmlformats.org/officeDocument/2006/relationships" xmlns:p="http://schemas.openxmlformats.org/presentationml/2006/main">
+  <p:cSld>
+    <p:spTree>
+      <p:nvGrpSpPr>
+        <p:cNvPr id="1" name=""/>
+        <p:cNvGrpSpPr/>
+        <p:nvPr/>
+      </p:nvGrpSpPr>
+      <p:grpSpPr>
+        <a:xfrm>
+          <a:off x="0" y="0"/>
+          <a:ext cx="0" cy="0"/>
+          <a:chOff x="0" y="0"/>
+          <a:chExt cx="0" cy="0"/>
+        </a:xfrm>
+      </p:grpSpPr>
+      <p:sp>
+        <p:nvSpPr>
+          <p:cNvPr id="2" name="Title 1"/>
+          <p:cNvSpPr>
+            <a:spLocks noGrp="1"/>
+          </p:cNvSpPr>
+          <p:nvPr>
+            <p:ph type="ctrTitle"/>
+          </p:nvPr>
+        </p:nvSpPr>
+        <p:spPr/>
+        <p:txBody>
+          <a:bodyPr/>
+          <a:lstStyle/>
+          <a:p>
+            <a:r>
+              <a:rPr lang="sv-SE" dirty="0" smtClean="0"/>
+              <a:t>”Superklassen”</a:t>
+            </a:r>
+            <a:endParaRPr lang="sv-SE" dirty="0"/>
+          </a:p>
+        </p:txBody>
+      </p:sp>
+      <p:sp>
+        <p:nvSpPr>
+          <p:cNvPr id="4" name="Rectangle 3"/>
+          <p:cNvSpPr/>
+          <p:nvPr/>
+        </p:nvSpPr>
+        <p:spPr>
+          <a:xfrm>
+            <a:off x="228600" y="1254135"/>
+            <a:ext cx="8458200" cy="3043525"/>
+          </a:xfrm>
+          <a:prstGeom prst="rect">
+            <a:avLst/>
+          </a:prstGeom>
+        </p:spPr>
+        <p:style>
+          <a:lnRef idx="1">
+            <a:schemeClr val="accent2"/>
+          </a:lnRef>
+          <a:fillRef idx="2">
+            <a:schemeClr val="accent2"/>
+          </a:fillRef>
+          <a:effectRef idx="1">
+            <a:schemeClr val="accent2"/>
+          </a:effectRef>
+          <a:fontRef idx="minor">
+            <a:schemeClr val="dk1"/>
+          </a:fontRef>
+        </p:style>
+        <p:txBody>
+          <a:bodyPr/>
+          <a:lstStyle/>
+          <a:p>
+            <a:pPr>
+              <a:defRPr/>
+            </a:pPr>
+            <a:r>
+              <a:rPr lang="sv-SE" sz="1600" b="1" dirty="0" smtClean="0">
+                <a:solidFill>
+                  <a:schemeClr val="tx1"/>
+                </a:solidFill>
+                <a:latin typeface="Courier New" pitchFamily="49" charset="0"/>
+                <a:cs typeface="Courier New" pitchFamily="49" charset="0"/>
+              </a:rPr>
+              <a:t>function Animal(</a:t>
+            </a:r>
+            <a:r>
+              <a:rPr lang="sv-SE" sz="1600" b="1" dirty="0" err="1" smtClean="0">
+                <a:solidFill>
+                  <a:schemeClr val="tx1"/>
+                </a:solidFill>
+                <a:latin typeface="Courier New" pitchFamily="49" charset="0"/>
+                <a:cs typeface="Courier New" pitchFamily="49" charset="0"/>
+              </a:rPr>
+              <a:t>name</a:t>
+            </a:r>
+            <a:r>
+              <a:rPr lang="sv-SE" sz="1600" b="1" dirty="0" smtClean="0">
+                <a:solidFill>
+                  <a:schemeClr val="tx1"/>
+                </a:solidFill>
+                <a:latin typeface="Courier New" pitchFamily="49" charset="0"/>
+                <a:cs typeface="Courier New" pitchFamily="49" charset="0"/>
+              </a:rPr>
+              <a:t>){</a:t>
+            </a:r>
+          </a:p>
+          <a:p>
+            <a:pPr>
+              <a:defRPr/>
+            </a:pPr>
+            <a:r>
+              <a:rPr lang="sv-SE" sz="1600" b="1" dirty="0" smtClean="0">
+                <a:solidFill>
+                  <a:schemeClr val="tx1"/>
+                </a:solidFill>
+                <a:latin typeface="Courier New" pitchFamily="49" charset="0"/>
+                <a:cs typeface="Courier New" pitchFamily="49" charset="0"/>
+              </a:rPr>
+              <a:t>	</a:t>
+            </a:r>
+            <a:r>
+              <a:rPr lang="sv-SE" sz="1600" b="1" dirty="0" err="1" smtClean="0">
+                <a:solidFill>
+                  <a:schemeClr val="tx1"/>
+                </a:solidFill>
+                <a:latin typeface="Courier New" pitchFamily="49" charset="0"/>
+                <a:cs typeface="Courier New" pitchFamily="49" charset="0"/>
+              </a:rPr>
+              <a:t>this.name</a:t>
+            </a:r>
+            <a:r>
+              <a:rPr lang="sv-SE" sz="1600" b="1" dirty="0" smtClean="0">
+                <a:solidFill>
+                  <a:schemeClr val="tx1"/>
+                </a:solidFill>
+                <a:latin typeface="Courier New" pitchFamily="49" charset="0"/>
+                <a:cs typeface="Courier New" pitchFamily="49" charset="0"/>
+              </a:rPr>
+              <a:t> = </a:t>
+            </a:r>
+            <a:r>
+              <a:rPr lang="sv-SE" sz="1600" b="1" dirty="0" err="1" smtClean="0">
+                <a:solidFill>
+                  <a:schemeClr val="tx1"/>
+                </a:solidFill>
+                <a:latin typeface="Courier New" pitchFamily="49" charset="0"/>
+                <a:cs typeface="Courier New" pitchFamily="49" charset="0"/>
+              </a:rPr>
+              <a:t>name</a:t>
+            </a:r>
+            <a:r>
+              <a:rPr lang="sv-SE" sz="1600" b="1" dirty="0" smtClean="0">
+                <a:solidFill>
+                  <a:schemeClr val="tx1"/>
+                </a:solidFill>
+                <a:latin typeface="Courier New" pitchFamily="49" charset="0"/>
+                <a:cs typeface="Courier New" pitchFamily="49" charset="0"/>
+              </a:rPr>
+              <a:t>;	</a:t>
+            </a:r>
+          </a:p>
+          <a:p>
+            <a:pPr>
+              <a:defRPr/>
+            </a:pPr>
+            <a:r>
+              <a:rPr lang="sv-SE" sz="1600" b="1" dirty="0" smtClean="0">
+                <a:solidFill>
+                  <a:schemeClr val="tx1"/>
+                </a:solidFill>
+                <a:latin typeface="Courier New" pitchFamily="49" charset="0"/>
+                <a:cs typeface="Courier New" pitchFamily="49" charset="0"/>
+              </a:rPr>
+              <a:t>}</a:t>
+            </a:r>
+          </a:p>
+          <a:p>
+            <a:pPr>
+              <a:defRPr/>
+            </a:pPr>
+            <a:endParaRPr lang="sv-SE" sz="1600" b="1" dirty="0" smtClean="0">
+              <a:solidFill>
+                <a:schemeClr val="tx1"/>
+              </a:solidFill>
+              <a:latin typeface="Courier New" pitchFamily="49" charset="0"/>
+              <a:cs typeface="Courier New" pitchFamily="49" charset="0"/>
+            </a:endParaRPr>
+          </a:p>
+          <a:p>
+            <a:pPr>
+              <a:defRPr/>
+            </a:pPr>
+            <a:r>
+              <a:rPr lang="sv-SE" sz="1600" b="1" dirty="0" err="1" smtClean="0">
+                <a:solidFill>
+                  <a:schemeClr val="tx1"/>
+                </a:solidFill>
+                <a:latin typeface="Courier New" pitchFamily="49" charset="0"/>
+                <a:cs typeface="Courier New" pitchFamily="49" charset="0"/>
+              </a:rPr>
+              <a:t>Animal.prototype.scream</a:t>
+            </a:r>
+            <a:r>
+              <a:rPr lang="sv-SE" sz="1600" b="1" dirty="0" smtClean="0">
+                <a:solidFill>
+                  <a:schemeClr val="tx1"/>
+                </a:solidFill>
+                <a:latin typeface="Courier New" pitchFamily="49" charset="0"/>
+                <a:cs typeface="Courier New" pitchFamily="49" charset="0"/>
+              </a:rPr>
+              <a:t> = function(){</a:t>
+            </a:r>
+          </a:p>
+          <a:p>
+            <a:pPr>
+              <a:defRPr/>
+            </a:pPr>
+            <a:r>
+              <a:rPr lang="sv-SE" sz="1600" b="1" dirty="0" smtClean="0">
+                <a:solidFill>
+                  <a:schemeClr val="tx1"/>
+                </a:solidFill>
+                <a:latin typeface="Courier New" pitchFamily="49" charset="0"/>
+                <a:cs typeface="Courier New" pitchFamily="49" charset="0"/>
+              </a:rPr>
+              <a:t>	console.log("</a:t>
+            </a:r>
+            <a:r>
+              <a:rPr lang="sv-SE" sz="1600" b="1" dirty="0" err="1" smtClean="0">
+                <a:solidFill>
+                  <a:schemeClr val="tx1"/>
+                </a:solidFill>
+                <a:latin typeface="Courier New" pitchFamily="49" charset="0"/>
+                <a:cs typeface="Courier New" pitchFamily="49" charset="0"/>
+              </a:rPr>
+              <a:t>Wooooaaaa</a:t>
+            </a:r>
+            <a:r>
+              <a:rPr lang="sv-SE" sz="1600" b="1" dirty="0" smtClean="0">
+                <a:solidFill>
+                  <a:schemeClr val="tx1"/>
+                </a:solidFill>
+                <a:latin typeface="Courier New" pitchFamily="49" charset="0"/>
+                <a:cs typeface="Courier New" pitchFamily="49" charset="0"/>
+              </a:rPr>
+              <a:t> säger "+this.name);</a:t>
+            </a:r>
+          </a:p>
+          <a:p>
+            <a:pPr>
+              <a:defRPr/>
+            </a:pPr>
+            <a:r>
+              <a:rPr lang="sv-SE" sz="1600" b="1" dirty="0" smtClean="0">
+                <a:solidFill>
+                  <a:schemeClr val="tx1"/>
+                </a:solidFill>
+                <a:latin typeface="Courier New" pitchFamily="49" charset="0"/>
+                <a:cs typeface="Courier New" pitchFamily="49" charset="0"/>
+              </a:rPr>
+              <a:t>};</a:t>
+            </a:r>
+          </a:p>
+          <a:p>
+            <a:pPr>
+              <a:defRPr/>
+            </a:pPr>
+            <a:endParaRPr lang="sv-SE" sz="1600" b="1" dirty="0" smtClean="0">
+              <a:solidFill>
+                <a:schemeClr val="tx1"/>
+              </a:solidFill>
+              <a:latin typeface="Courier New" pitchFamily="49" charset="0"/>
+              <a:cs typeface="Courier New" pitchFamily="49" charset="0"/>
+            </a:endParaRPr>
+          </a:p>
+          <a:p>
+            <a:pPr>
+              <a:defRPr/>
+            </a:pPr>
+            <a:r>
+              <a:rPr lang="sv-SE" sz="1600" b="1" dirty="0" err="1" smtClean="0">
+                <a:solidFill>
+                  <a:schemeClr val="tx1"/>
+                </a:solidFill>
+                <a:latin typeface="Courier New" pitchFamily="49" charset="0"/>
+                <a:cs typeface="Courier New" pitchFamily="49" charset="0"/>
+              </a:rPr>
+              <a:t>Animal.prototype.getName</a:t>
+            </a:r>
+            <a:r>
+              <a:rPr lang="sv-SE" sz="1600" b="1" dirty="0" smtClean="0">
+                <a:solidFill>
+                  <a:schemeClr val="tx1"/>
+                </a:solidFill>
+                <a:latin typeface="Courier New" pitchFamily="49" charset="0"/>
+                <a:cs typeface="Courier New" pitchFamily="49" charset="0"/>
+              </a:rPr>
+              <a:t> = function(){</a:t>
+            </a:r>
+          </a:p>
+          <a:p>
+            <a:pPr>
+              <a:defRPr/>
+            </a:pPr>
+            <a:r>
+              <a:rPr lang="sv-SE" sz="1600" b="1" dirty="0" smtClean="0">
+                <a:solidFill>
+                  <a:schemeClr val="tx1"/>
+                </a:solidFill>
+                <a:latin typeface="Courier New" pitchFamily="49" charset="0"/>
+                <a:cs typeface="Courier New" pitchFamily="49" charset="0"/>
+              </a:rPr>
+              <a:t>	</a:t>
+            </a:r>
+            <a:r>
+              <a:rPr lang="sv-SE" sz="1600" b="1" dirty="0" err="1" smtClean="0">
+                <a:solidFill>
+                  <a:schemeClr val="tx1"/>
+                </a:solidFill>
+                <a:latin typeface="Courier New" pitchFamily="49" charset="0"/>
+                <a:cs typeface="Courier New" pitchFamily="49" charset="0"/>
+              </a:rPr>
+              <a:t>return</a:t>
+            </a:r>
+            <a:r>
+              <a:rPr lang="sv-SE" sz="1600" b="1" dirty="0" smtClean="0">
+                <a:solidFill>
+                  <a:schemeClr val="tx1"/>
+                </a:solidFill>
+                <a:latin typeface="Courier New" pitchFamily="49" charset="0"/>
+                <a:cs typeface="Courier New" pitchFamily="49" charset="0"/>
+              </a:rPr>
+              <a:t> this.name;	</a:t>
+            </a:r>
+          </a:p>
+          <a:p>
+            <a:pPr>
+              <a:defRPr/>
+            </a:pPr>
+            <a:r>
+              <a:rPr lang="sv-SE" sz="1600" b="1" dirty="0" smtClean="0">
+                <a:solidFill>
+                  <a:schemeClr val="tx1"/>
+                </a:solidFill>
+                <a:latin typeface="Courier New" pitchFamily="49" charset="0"/>
+                <a:cs typeface="Courier New" pitchFamily="49" charset="0"/>
+              </a:rPr>
+              <a:t>};</a:t>
+            </a:r>
+          </a:p>
+        </p:txBody>
+      </p:sp>
+      <p:pic>
+        <p:nvPicPr>
+          <p:cNvPr id="5" name="Picture 5" descr="C:\temp\471aa5c9.png"/>
+          <p:cNvPicPr>
+            <a:picLocks noChangeAspect="1" noChangeArrowheads="1"/>
+          </p:cNvPicPr>
+          <p:nvPr/>
+        </p:nvPicPr>
+        <p:blipFill>
+          <a:blip r:embed="rId3" cstate="print"/>
+          <a:srcRect/>
+          <a:stretch>
+            <a:fillRect/>
+          </a:stretch>
+        </p:blipFill>
+        <p:spPr bwMode="auto">
+          <a:xfrm>
+            <a:off x="7164288" y="1057300"/>
+            <a:ext cx="1704975" cy="2409825"/>
+          </a:xfrm>
+          <a:prstGeom prst="rect">
+            <a:avLst/>
+          </a:prstGeom>
+          <a:noFill/>
+        </p:spPr>
+      </p:pic>
+      <p:pic>
+        <p:nvPicPr>
+          <p:cNvPr id="6" name="Picture 3" descr="P:\Icons\48x48\shadow\graph_edge_directed.png"/>
+          <p:cNvPicPr>
+            <a:picLocks noChangeAspect="1" noChangeArrowheads="1"/>
+          </p:cNvPicPr>
+          <p:nvPr/>
+        </p:nvPicPr>
+        <p:blipFill>
+          <a:blip r:embed="rId4">
+            <a:extLst>
+              <a:ext uri="{28A0092B-C50C-407E-A947-70E740481C1C}">
+                <a14:useLocalDpi xmlns:a14="http://schemas.microsoft.com/office/drawing/2010/main" val="0"/>
+              </a:ext>
+            </a:extLst>
+          </a:blip>
+          <a:srcRect/>
+          <a:stretch>
+            <a:fillRect/>
+          </a:stretch>
+        </p:blipFill>
+        <p:spPr bwMode="auto">
+          <a:xfrm>
+            <a:off x="8244408" y="260163"/>
+            <a:ext cx="617538" cy="617538"/>
+          </a:xfrm>
+          <a:prstGeom prst="rect">
+            <a:avLst/>
+          </a:prstGeom>
+          <a:noFill/>
+          <a:extLst>
+            <a:ext uri="{909E8E84-426E-40dd-AFC4-6F175D3DCCD1}">
+              <a14:hiddenFill xmlns:a14="http://schemas.microsoft.com/office/drawing/2010/main">
+                <a:solidFill>
+                  <a:srgbClr val="FFFFFF"/>
+                </a:solidFill>
+              </a14:hiddenFill>
+            </a:ext>
+          </a:extLst>
+        </p:spPr>
+      </p:pic>
+    </p:spTree>
+    <p:extLst>
+      <p:ext uri="{BB962C8B-B14F-4D97-AF65-F5344CB8AC3E}">
+        <p14:creationId xmlns:p14="http://schemas.microsoft.com/office/powerpoint/2010/main" val="3975458989"/>
+      </p:ext>
+    </p:extLst>
+  </p:cSld>
+  <p:clrMapOvr>
+    <a:masterClrMapping/>
+  </p:clrMapOvr>
+  <p:timing>
+    <p:tnLst>
+      <p:par>
+        <p:cTn xmlns:p14="http://schemas.microsoft.com/office/powerpoint/2010/main" id="1" dur="indefinite" restart="never" nodeType="tmRoot"/>
+      </p:par>
+    </p:tnLst>
+  </p:timing>
+</p:sld>
+</file>
+
+<file path=ppt/slides/slide13.xml><?xml version="1.0" encoding="utf-8"?>
 <p:sld xmlns:a="http://schemas.openxmlformats.org/drawingml/2006/main" xmlns:r="http://schemas.openxmlformats.org/officeDocument/2006/relationships" xmlns:p="http://schemas.openxmlformats.org/presentationml/2006/main">
   <p:cSld>
     <p:spTree>
@@ -8427,7 +9676,7 @@
           </a:prstGeom>
           <a:noFill/>
           <a:extLst>
-            <a:ext uri="{909E8E84-426E-40DD-AFC4-6F175D3DCCD1}">
+            <a:ext uri="{909E8E84-426E-40dd-AFC4-6F175D3DCCD1}">
               <a14:hiddenFill xmlns:a14="http://schemas.microsoft.com/office/drawing/2010/main">
                 <a:solidFill>
                   <a:srgbClr val="FFFFFF"/>
@@ -8450,14 +9699,14 @@
   <p:timing>
     <p:tnLst>
       <p:par>
-        <p:cTn id="1" dur="indefinite" restart="never" nodeType="tmRoot"/>
+        <p:cTn xmlns:p14="http://schemas.microsoft.com/office/powerpoint/2010/main" id="1" dur="indefinite" restart="never" nodeType="tmRoot"/>
       </p:par>
     </p:tnLst>
   </p:timing>
 </p:sld>
 </file>
 
-<file path=ppt/slides/slide11.xml><?xml version="1.0" encoding="utf-8"?>
+<file path=ppt/slides/slide14.xml><?xml version="1.0" encoding="utf-8"?>
 <p:sld xmlns:a="http://schemas.openxmlformats.org/drawingml/2006/main" xmlns:r="http://schemas.openxmlformats.org/officeDocument/2006/relationships" xmlns:p="http://schemas.openxmlformats.org/presentationml/2006/main">
   <p:cSld>
     <p:spTree>
@@ -8965,7 +10214,7 @@
           </a:prstGeom>
           <a:noFill/>
           <a:extLst>
-            <a:ext uri="{909E8E84-426E-40DD-AFC4-6F175D3DCCD1}">
+            <a:ext uri="{909E8E84-426E-40dd-AFC4-6F175D3DCCD1}">
               <a14:hiddenFill xmlns:a14="http://schemas.microsoft.com/office/drawing/2010/main">
                 <a:solidFill>
                   <a:srgbClr val="FFFFFF"/>
@@ -8988,7 +10237,7 @@
 </p:sld>
 </file>
 
-<file path=ppt/slides/slide12.xml><?xml version="1.0" encoding="utf-8"?>
+<file path=ppt/slides/slide15.xml><?xml version="1.0" encoding="utf-8"?>
 <p:sld xmlns:a="http://schemas.openxmlformats.org/drawingml/2006/main" xmlns:r="http://schemas.openxmlformats.org/officeDocument/2006/relationships" xmlns:p="http://schemas.openxmlformats.org/presentationml/2006/main">
   <p:cSld>
     <p:spTree>
@@ -9100,7 +10349,7 @@
           </a:prstGeom>
           <a:noFill/>
           <a:extLst>
-            <a:ext uri="{909E8E84-426E-40DD-AFC4-6F175D3DCCD1}">
+            <a:ext uri="{909E8E84-426E-40dd-AFC4-6F175D3DCCD1}">
               <a14:hiddenFill xmlns:a14="http://schemas.microsoft.com/office/drawing/2010/main">
                 <a:solidFill>
                   <a:srgbClr val="FFFFFF"/>
@@ -9123,14 +10372,14 @@
   <p:timing>
     <p:tnLst>
       <p:par>
-        <p:cTn id="1" dur="indefinite" restart="never" nodeType="tmRoot"/>
+        <p:cTn xmlns:p14="http://schemas.microsoft.com/office/powerpoint/2010/main" id="1" dur="indefinite" restart="never" nodeType="tmRoot"/>
       </p:par>
     </p:tnLst>
   </p:timing>
 </p:sld>
 </file>
 
-<file path=ppt/slides/slide13.xml><?xml version="1.0" encoding="utf-8"?>
+<file path=ppt/slides/slide16.xml><?xml version="1.0" encoding="utf-8"?>
 <p:sld xmlns:a="http://schemas.openxmlformats.org/drawingml/2006/main" xmlns:r="http://schemas.openxmlformats.org/officeDocument/2006/relationships" xmlns:p="http://schemas.openxmlformats.org/presentationml/2006/main">
   <p:cSld>
     <p:spTree>
@@ -9696,14 +10945,14 @@
           </a:ln>
           <a:effectLst/>
           <a:extLst>
-            <a:ext uri="{909E8E84-426E-40DD-AFC4-6F175D3DCCD1}">
+            <a:ext uri="{909E8E84-426E-40dd-AFC4-6F175D3DCCD1}">
               <a14:hiddenFill xmlns:a14="http://schemas.microsoft.com/office/drawing/2010/main">
                 <a:solidFill>
                   <a:schemeClr val="accent1"/>
                 </a:solidFill>
               </a14:hiddenFill>
             </a:ext>
-            <a:ext uri="{91240B29-F687-4F45-9708-019B960494DF}">
+            <a:ext uri="{91240B29-F687-4f45-9708-019B960494DF}">
               <a14:hiddenLine xmlns:a14="http://schemas.microsoft.com/office/drawing/2010/main" w="9525">
                 <a:solidFill>
                   <a:schemeClr val="tx1"/>
@@ -9713,7 +10962,7 @@
                 <a:tailEnd/>
               </a14:hiddenLine>
             </a:ext>
-            <a:ext uri="{AF507438-7753-43E0-B8FC-AC1667EBCBE1}">
+            <a:ext uri="{AF507438-7753-43e0-B8FC-AC1667EBCBE1}">
               <a14:hiddenEffects xmlns:a14="http://schemas.microsoft.com/office/drawing/2010/main">
                 <a:effectLst>
                   <a:outerShdw dist="35921" dir="2700000" algn="ctr" rotWithShape="0">
@@ -9756,7 +11005,7 @@
           </a:prstGeom>
           <a:noFill/>
           <a:extLst>
-            <a:ext uri="{909E8E84-426E-40DD-AFC4-6F175D3DCCD1}">
+            <a:ext uri="{909E8E84-426E-40dd-AFC4-6F175D3DCCD1}">
               <a14:hiddenFill xmlns:a14="http://schemas.microsoft.com/office/drawing/2010/main">
                 <a:solidFill>
                   <a:srgbClr val="FFFFFF"/>
@@ -9779,7 +11028,7 @@
 </p:sld>
 </file>
 
-<file path=ppt/slides/slide14.xml><?xml version="1.0" encoding="utf-8"?>
+<file path=ppt/slides/slide17.xml><?xml version="1.0" encoding="utf-8"?>
 <p:sld xmlns:a="http://schemas.openxmlformats.org/drawingml/2006/main" xmlns:r="http://schemas.openxmlformats.org/officeDocument/2006/relationships" xmlns:p="http://schemas.openxmlformats.org/presentationml/2006/main">
   <p:cSld>
     <p:spTree>
@@ -9812,6 +11061,1186 @@
           <a:lstStyle/>
           <a:p>
             <a:r>
+              <a:rPr lang="en-US" dirty="0" err="1" smtClean="0"/>
+              <a:t>Låna</a:t>
+            </a:r>
+            <a:r>
+              <a:rPr lang="en-US" dirty="0" smtClean="0"/>
+              <a:t> </a:t>
+            </a:r>
+            <a:r>
+              <a:rPr lang="en-US" dirty="0" err="1" smtClean="0"/>
+              <a:t>forEach</a:t>
+            </a:r>
+            <a:endParaRPr lang="en-US" dirty="0"/>
+          </a:p>
+        </p:txBody>
+      </p:sp>
+      <p:pic>
+        <p:nvPicPr>
+          <p:cNvPr id="4" name="Picture 3"/>
+          <p:cNvPicPr>
+            <a:picLocks noChangeAspect="1"/>
+          </p:cNvPicPr>
+          <p:nvPr/>
+        </p:nvPicPr>
+        <p:blipFill>
+          <a:blip r:embed="rId2"/>
+          <a:stretch>
+            <a:fillRect/>
+          </a:stretch>
+        </p:blipFill>
+        <p:spPr>
+          <a:xfrm>
+            <a:off x="395536" y="1849388"/>
+            <a:ext cx="8492062" cy="2016224"/>
+          </a:xfrm>
+          <a:prstGeom prst="rect">
+            <a:avLst/>
+          </a:prstGeom>
+        </p:spPr>
+      </p:pic>
+    </p:spTree>
+    <p:extLst>
+      <p:ext uri="{BB962C8B-B14F-4D97-AF65-F5344CB8AC3E}">
+        <p14:creationId xmlns:p14="http://schemas.microsoft.com/office/powerpoint/2010/main" val="3367092198"/>
+      </p:ext>
+    </p:extLst>
+  </p:cSld>
+  <p:clrMapOvr>
+    <a:masterClrMapping/>
+  </p:clrMapOvr>
+</p:sld>
+</file>
+
+<file path=ppt/slides/slide18.xml><?xml version="1.0" encoding="utf-8"?>
+<p:sld xmlns:a="http://schemas.openxmlformats.org/drawingml/2006/main" xmlns:r="http://schemas.openxmlformats.org/officeDocument/2006/relationships" xmlns:p="http://schemas.openxmlformats.org/presentationml/2006/main">
+  <p:cSld>
+    <p:spTree>
+      <p:nvGrpSpPr>
+        <p:cNvPr id="1" name=""/>
+        <p:cNvGrpSpPr/>
+        <p:nvPr/>
+      </p:nvGrpSpPr>
+      <p:grpSpPr>
+        <a:xfrm>
+          <a:off x="0" y="0"/>
+          <a:ext cx="0" cy="0"/>
+          <a:chOff x="0" y="0"/>
+          <a:chExt cx="0" cy="0"/>
+        </a:xfrm>
+      </p:grpSpPr>
+      <p:sp>
+        <p:nvSpPr>
+          <p:cNvPr id="2" name="Title 1"/>
+          <p:cNvSpPr>
+            <a:spLocks noGrp="1"/>
+          </p:cNvSpPr>
+          <p:nvPr>
+            <p:ph type="ctrTitle"/>
+          </p:nvPr>
+        </p:nvSpPr>
+        <p:spPr/>
+        <p:txBody>
+          <a:bodyPr/>
+          <a:lstStyle/>
+          <a:p>
+            <a:r>
+              <a:rPr lang="en-US" dirty="0" smtClean="0"/>
+              <a:t>Templates</a:t>
+            </a:r>
+            <a:endParaRPr lang="en-US" dirty="0"/>
+          </a:p>
+        </p:txBody>
+      </p:sp>
+      <p:pic>
+        <p:nvPicPr>
+          <p:cNvPr id="4" name="Picture 3"/>
+          <p:cNvPicPr>
+            <a:picLocks noChangeAspect="1"/>
+          </p:cNvPicPr>
+          <p:nvPr/>
+        </p:nvPicPr>
+        <p:blipFill>
+          <a:blip r:embed="rId2"/>
+          <a:stretch>
+            <a:fillRect/>
+          </a:stretch>
+        </p:blipFill>
+        <p:spPr>
+          <a:xfrm>
+            <a:off x="539552" y="1201316"/>
+            <a:ext cx="3600400" cy="4239042"/>
+          </a:xfrm>
+          <a:prstGeom prst="rect">
+            <a:avLst/>
+          </a:prstGeom>
+        </p:spPr>
+      </p:pic>
+      <p:sp>
+        <p:nvSpPr>
+          <p:cNvPr id="5" name="TextBox 4"/>
+          <p:cNvSpPr txBox="1"/>
+          <p:nvPr/>
+        </p:nvSpPr>
+        <p:spPr>
+          <a:xfrm>
+            <a:off x="4644008" y="2065412"/>
+            <a:ext cx="4035054" cy="2246769"/>
+          </a:xfrm>
+          <a:prstGeom prst="rect">
+            <a:avLst/>
+          </a:prstGeom>
+          <a:noFill/>
+        </p:spPr>
+        <p:txBody>
+          <a:bodyPr wrap="none" rtlCol="0">
+            <a:spAutoFit/>
+          </a:bodyPr>
+          <a:lstStyle/>
+          <a:p>
+            <a:r>
+              <a:rPr lang="en-US" sz="2800" dirty="0" err="1" smtClean="0">
+                <a:latin typeface="Minya Nouvelle" pitchFamily="2" charset="0"/>
+              </a:rPr>
+              <a:t>Mycket</a:t>
+            </a:r>
+            <a:r>
+              <a:rPr lang="en-US" sz="2800" dirty="0" smtClean="0">
+                <a:latin typeface="Minya Nouvelle" pitchFamily="2" charset="0"/>
+              </a:rPr>
+              <a:t> “HTML”-</a:t>
+            </a:r>
+            <a:r>
+              <a:rPr lang="en-US" sz="2800" dirty="0" err="1" smtClean="0">
+                <a:latin typeface="Minya Nouvelle" pitchFamily="2" charset="0"/>
+              </a:rPr>
+              <a:t>kod</a:t>
+            </a:r>
+            <a:r>
+              <a:rPr lang="en-US" sz="2800" dirty="0" smtClean="0">
+                <a:latin typeface="Minya Nouvelle" pitchFamily="2" charset="0"/>
+              </a:rPr>
+              <a:t> </a:t>
+            </a:r>
+            <a:r>
+              <a:rPr lang="en-US" sz="2800" dirty="0" err="1" smtClean="0">
+                <a:latin typeface="Minya Nouvelle" pitchFamily="2" charset="0"/>
+              </a:rPr>
+              <a:t>i</a:t>
+            </a:r>
+            <a:r>
+              <a:rPr lang="en-US" sz="2800" dirty="0" smtClean="0">
+                <a:latin typeface="Minya Nouvelle" pitchFamily="2" charset="0"/>
+              </a:rPr>
+              <a:t> JS</a:t>
+            </a:r>
+          </a:p>
+          <a:p>
+            <a:endParaRPr lang="en-US" sz="2800" dirty="0">
+              <a:latin typeface="Minya Nouvelle" pitchFamily="2" charset="0"/>
+            </a:endParaRPr>
+          </a:p>
+          <a:p>
+            <a:r>
+              <a:rPr lang="en-US" sz="2800" dirty="0" err="1" smtClean="0">
+                <a:latin typeface="Minya Nouvelle" pitchFamily="2" charset="0"/>
+              </a:rPr>
+              <a:t>Svårt</a:t>
+            </a:r>
+            <a:r>
+              <a:rPr lang="en-US" sz="2800" dirty="0" smtClean="0">
+                <a:latin typeface="Minya Nouvelle" pitchFamily="2" charset="0"/>
+              </a:rPr>
+              <a:t> </a:t>
+            </a:r>
+            <a:r>
+              <a:rPr lang="en-US" sz="2800" dirty="0" err="1" smtClean="0">
+                <a:latin typeface="Minya Nouvelle" pitchFamily="2" charset="0"/>
+              </a:rPr>
+              <a:t>att</a:t>
+            </a:r>
+            <a:r>
+              <a:rPr lang="en-US" sz="2800" dirty="0" smtClean="0">
+                <a:latin typeface="Minya Nouvelle" pitchFamily="2" charset="0"/>
+              </a:rPr>
+              <a:t> </a:t>
+            </a:r>
+            <a:r>
+              <a:rPr lang="en-US" sz="2800" dirty="0" err="1" smtClean="0">
+                <a:latin typeface="Minya Nouvelle" pitchFamily="2" charset="0"/>
+              </a:rPr>
+              <a:t>underhålla</a:t>
+            </a:r>
+            <a:endParaRPr lang="en-US" sz="2800" dirty="0" smtClean="0">
+              <a:latin typeface="Minya Nouvelle" pitchFamily="2" charset="0"/>
+            </a:endParaRPr>
+          </a:p>
+          <a:p>
+            <a:endParaRPr lang="en-US" sz="2800" dirty="0">
+              <a:latin typeface="Minya Nouvelle" pitchFamily="2" charset="0"/>
+            </a:endParaRPr>
+          </a:p>
+          <a:p>
+            <a:r>
+              <a:rPr lang="en-US" sz="2800" dirty="0" err="1" smtClean="0">
+                <a:latin typeface="Minya Nouvelle" pitchFamily="2" charset="0"/>
+              </a:rPr>
+              <a:t>Svårt</a:t>
+            </a:r>
+            <a:r>
+              <a:rPr lang="en-US" sz="2800" dirty="0" smtClean="0">
+                <a:latin typeface="Minya Nouvelle" pitchFamily="2" charset="0"/>
+              </a:rPr>
+              <a:t> </a:t>
+            </a:r>
+            <a:r>
+              <a:rPr lang="en-US" sz="2800" dirty="0" err="1" smtClean="0">
+                <a:latin typeface="Minya Nouvelle" pitchFamily="2" charset="0"/>
+              </a:rPr>
+              <a:t>att</a:t>
+            </a:r>
+            <a:r>
+              <a:rPr lang="en-US" sz="2800" dirty="0" smtClean="0">
+                <a:latin typeface="Minya Nouvelle" pitchFamily="2" charset="0"/>
+              </a:rPr>
+              <a:t> </a:t>
+            </a:r>
+            <a:r>
+              <a:rPr lang="en-US" sz="2800" dirty="0" err="1" smtClean="0">
+                <a:latin typeface="Minya Nouvelle" pitchFamily="2" charset="0"/>
+              </a:rPr>
+              <a:t>felsöka</a:t>
+            </a:r>
+            <a:endParaRPr lang="en-US" sz="2800" dirty="0" smtClean="0">
+              <a:latin typeface="Minya Nouvelle" pitchFamily="2" charset="0"/>
+            </a:endParaRPr>
+          </a:p>
+        </p:txBody>
+      </p:sp>
+    </p:spTree>
+    <p:extLst>
+      <p:ext uri="{BB962C8B-B14F-4D97-AF65-F5344CB8AC3E}">
+        <p14:creationId xmlns:p14="http://schemas.microsoft.com/office/powerpoint/2010/main" val="3719647439"/>
+      </p:ext>
+    </p:extLst>
+  </p:cSld>
+  <p:clrMapOvr>
+    <a:masterClrMapping/>
+  </p:clrMapOvr>
+</p:sld>
+</file>
+
+<file path=ppt/slides/slide19.xml><?xml version="1.0" encoding="utf-8"?>
+<p:sld xmlns:a="http://schemas.openxmlformats.org/drawingml/2006/main" xmlns:r="http://schemas.openxmlformats.org/officeDocument/2006/relationships" xmlns:p="http://schemas.openxmlformats.org/presentationml/2006/main">
+  <p:cSld>
+    <p:spTree>
+      <p:nvGrpSpPr>
+        <p:cNvPr id="1" name=""/>
+        <p:cNvGrpSpPr/>
+        <p:nvPr/>
+      </p:nvGrpSpPr>
+      <p:grpSpPr>
+        <a:xfrm>
+          <a:off x="0" y="0"/>
+          <a:ext cx="0" cy="0"/>
+          <a:chOff x="0" y="0"/>
+          <a:chExt cx="0" cy="0"/>
+        </a:xfrm>
+      </p:grpSpPr>
+      <p:sp>
+        <p:nvSpPr>
+          <p:cNvPr id="2" name="Title 1"/>
+          <p:cNvSpPr>
+            <a:spLocks noGrp="1"/>
+          </p:cNvSpPr>
+          <p:nvPr>
+            <p:ph type="ctrTitle"/>
+          </p:nvPr>
+        </p:nvSpPr>
+        <p:spPr/>
+        <p:txBody>
+          <a:bodyPr/>
+          <a:lstStyle/>
+          <a:p>
+            <a:r>
+              <a:rPr lang="en-US" dirty="0" smtClean="0"/>
+              <a:t>Templates</a:t>
+            </a:r>
+            <a:endParaRPr lang="en-US" dirty="0"/>
+          </a:p>
+        </p:txBody>
+      </p:sp>
+      <p:pic>
+        <p:nvPicPr>
+          <p:cNvPr id="4" name="Picture 3"/>
+          <p:cNvPicPr>
+            <a:picLocks noChangeAspect="1"/>
+          </p:cNvPicPr>
+          <p:nvPr/>
+        </p:nvPicPr>
+        <p:blipFill>
+          <a:blip r:embed="rId2"/>
+          <a:stretch>
+            <a:fillRect/>
+          </a:stretch>
+        </p:blipFill>
+        <p:spPr>
+          <a:xfrm>
+            <a:off x="179512" y="1705372"/>
+            <a:ext cx="8820472" cy="2379948"/>
+          </a:xfrm>
+          <a:prstGeom prst="rect">
+            <a:avLst/>
+          </a:prstGeom>
+        </p:spPr>
+      </p:pic>
+    </p:spTree>
+    <p:extLst>
+      <p:ext uri="{BB962C8B-B14F-4D97-AF65-F5344CB8AC3E}">
+        <p14:creationId xmlns:p14="http://schemas.microsoft.com/office/powerpoint/2010/main" val="1401994215"/>
+      </p:ext>
+    </p:extLst>
+  </p:cSld>
+  <p:clrMapOvr>
+    <a:masterClrMapping/>
+  </p:clrMapOvr>
+</p:sld>
+</file>
+
+<file path=ppt/slides/slide2.xml><?xml version="1.0" encoding="utf-8"?>
+<p:sld xmlns:a="http://schemas.openxmlformats.org/drawingml/2006/main" xmlns:r="http://schemas.openxmlformats.org/officeDocument/2006/relationships" xmlns:p="http://schemas.openxmlformats.org/presentationml/2006/main">
+  <p:cSld>
+    <p:spTree>
+      <p:nvGrpSpPr>
+        <p:cNvPr id="1" name=""/>
+        <p:cNvGrpSpPr/>
+        <p:nvPr/>
+      </p:nvGrpSpPr>
+      <p:grpSpPr>
+        <a:xfrm>
+          <a:off x="0" y="0"/>
+          <a:ext cx="0" cy="0"/>
+          <a:chOff x="0" y="0"/>
+          <a:chExt cx="0" cy="0"/>
+        </a:xfrm>
+      </p:grpSpPr>
+      <p:sp>
+        <p:nvSpPr>
+          <p:cNvPr id="2" name="Title 1"/>
+          <p:cNvSpPr>
+            <a:spLocks noGrp="1"/>
+          </p:cNvSpPr>
+          <p:nvPr>
+            <p:ph type="ctrTitle"/>
+          </p:nvPr>
+        </p:nvSpPr>
+        <p:spPr/>
+        <p:txBody>
+          <a:bodyPr/>
+          <a:lstStyle/>
+          <a:p>
+            <a:r>
+              <a:rPr lang="sv-SE" dirty="0" smtClean="0"/>
+              <a:t>E13 – </a:t>
+            </a:r>
+            <a:r>
+              <a:rPr lang="sv-SE" dirty="0" err="1"/>
+              <a:t>Behind</a:t>
+            </a:r>
+            <a:r>
+              <a:rPr lang="sv-SE" dirty="0"/>
+              <a:t> the </a:t>
+            </a:r>
+            <a:r>
+              <a:rPr lang="sv-SE" dirty="0" err="1"/>
+              <a:t>Wild</a:t>
+            </a:r>
+            <a:endParaRPr lang="sv-SE" sz="3200" dirty="0"/>
+          </a:p>
+        </p:txBody>
+      </p:sp>
+      <p:sp>
+        <p:nvSpPr>
+          <p:cNvPr id="4" name="TextBox 3"/>
+          <p:cNvSpPr txBox="1"/>
+          <p:nvPr/>
+        </p:nvSpPr>
+        <p:spPr>
+          <a:xfrm>
+            <a:off x="1403648" y="1378601"/>
+            <a:ext cx="3313728" cy="5663090"/>
+          </a:xfrm>
+          <a:prstGeom prst="rect">
+            <a:avLst/>
+          </a:prstGeom>
+          <a:noFill/>
+        </p:spPr>
+        <p:txBody>
+          <a:bodyPr wrap="none" rtlCol="0">
+            <a:spAutoFit/>
+          </a:bodyPr>
+          <a:lstStyle/>
+          <a:p>
+            <a:r>
+              <a:rPr lang="sv-SE" sz="2800" b="1" dirty="0" smtClean="0">
+                <a:latin typeface="Minya Nouvelle" pitchFamily="2" charset="0"/>
+              </a:rPr>
+              <a:t>Dagens agenda</a:t>
+            </a:r>
+          </a:p>
+          <a:p>
+            <a:endParaRPr lang="sv-SE" sz="2800" dirty="0" smtClean="0">
+              <a:latin typeface="Minya Nouvelle" pitchFamily="2" charset="0"/>
+            </a:endParaRPr>
+          </a:p>
+          <a:p>
+            <a:pPr marL="285750" indent="-285750">
+              <a:buFont typeface="Arial" charset="0"/>
+              <a:buChar char="•"/>
+            </a:pPr>
+            <a:r>
+              <a:rPr lang="sv-SE" dirty="0" smtClean="0">
+                <a:latin typeface="Minya Nouvelle" pitchFamily="2" charset="0"/>
+              </a:rPr>
+              <a:t>Cookies</a:t>
+            </a:r>
+          </a:p>
+          <a:p>
+            <a:pPr marL="285750" indent="-285750">
+              <a:buFont typeface="Arial" charset="0"/>
+              <a:buChar char="•"/>
+            </a:pPr>
+            <a:r>
+              <a:rPr lang="sv-SE" dirty="0" smtClean="0">
+                <a:latin typeface="Minya Nouvelle" pitchFamily="2" charset="0"/>
+              </a:rPr>
+              <a:t>Web </a:t>
+            </a:r>
+            <a:r>
+              <a:rPr lang="sv-SE" dirty="0" err="1" smtClean="0">
+                <a:latin typeface="Minya Nouvelle" pitchFamily="2" charset="0"/>
+              </a:rPr>
+              <a:t>storage</a:t>
+            </a:r>
+            <a:endParaRPr lang="sv-SE" dirty="0" smtClean="0">
+              <a:latin typeface="Minya Nouvelle" pitchFamily="2" charset="0"/>
+            </a:endParaRPr>
+          </a:p>
+          <a:p>
+            <a:pPr marL="285750" indent="-285750">
+              <a:buFont typeface="Arial" charset="0"/>
+              <a:buChar char="•"/>
+            </a:pPr>
+            <a:r>
+              <a:rPr lang="sv-SE" dirty="0" err="1" smtClean="0">
+                <a:latin typeface="Minya Nouvelle" pitchFamily="2" charset="0"/>
+              </a:rPr>
+              <a:t>Context</a:t>
+            </a:r>
+            <a:r>
+              <a:rPr lang="sv-SE" dirty="0" smtClean="0">
+                <a:latin typeface="Minya Nouvelle" pitchFamily="2" charset="0"/>
+              </a:rPr>
+              <a:t>/ändra </a:t>
+            </a:r>
+            <a:r>
+              <a:rPr lang="sv-SE" dirty="0" err="1" smtClean="0">
+                <a:latin typeface="Minya Nouvelle" pitchFamily="2" charset="0"/>
+              </a:rPr>
+              <a:t>context</a:t>
+            </a:r>
+            <a:endParaRPr lang="sv-SE" dirty="0" smtClean="0">
+              <a:latin typeface="Minya Nouvelle" pitchFamily="2" charset="0"/>
+            </a:endParaRPr>
+          </a:p>
+          <a:p>
+            <a:pPr marL="285750" indent="-285750">
+              <a:buFont typeface="Arial" charset="0"/>
+              <a:buChar char="•"/>
+            </a:pPr>
+            <a:r>
+              <a:rPr lang="sv-SE" dirty="0" err="1" smtClean="0">
+                <a:latin typeface="Minya Nouvelle" pitchFamily="2" charset="0"/>
+              </a:rPr>
+              <a:t>Augmentation</a:t>
+            </a:r>
+            <a:r>
+              <a:rPr lang="sv-SE" dirty="0" smtClean="0">
+                <a:latin typeface="Minya Nouvelle" pitchFamily="2" charset="0"/>
+              </a:rPr>
+              <a:t> (förstärkning)</a:t>
+            </a:r>
+          </a:p>
+          <a:p>
+            <a:pPr marL="285750" indent="-285750">
+              <a:buFont typeface="Arial" charset="0"/>
+              <a:buChar char="•"/>
+            </a:pPr>
+            <a:r>
+              <a:rPr lang="sv-SE" dirty="0" smtClean="0">
+                <a:latin typeface="Minya Nouvelle" pitchFamily="2" charset="0"/>
+              </a:rPr>
+              <a:t>Klassiskt arv</a:t>
+            </a:r>
+          </a:p>
+          <a:p>
+            <a:pPr marL="285750" indent="-285750">
+              <a:buFont typeface="Arial" charset="0"/>
+              <a:buChar char="•"/>
+            </a:pPr>
+            <a:r>
+              <a:rPr lang="sv-SE" dirty="0" smtClean="0">
+                <a:latin typeface="Minya Nouvelle" pitchFamily="2" charset="0"/>
+              </a:rPr>
+              <a:t>Att låna metoder</a:t>
+            </a:r>
+          </a:p>
+          <a:p>
+            <a:pPr marL="285750" indent="-285750">
+              <a:buFont typeface="Arial" charset="0"/>
+              <a:buChar char="•"/>
+            </a:pPr>
+            <a:r>
+              <a:rPr lang="sv-SE" dirty="0" smtClean="0">
+                <a:latin typeface="Minya Nouvelle" pitchFamily="2" charset="0"/>
+              </a:rPr>
+              <a:t>Templates</a:t>
+            </a:r>
+          </a:p>
+          <a:p>
+            <a:pPr marL="285750" indent="-285750">
+              <a:buFont typeface="Arial" charset="0"/>
+              <a:buChar char="•"/>
+            </a:pPr>
+            <a:r>
+              <a:rPr lang="sv-SE" dirty="0" err="1" smtClean="0">
+                <a:latin typeface="Minya Nouvelle" pitchFamily="2" charset="0"/>
+              </a:rPr>
+              <a:t>Namespaces</a:t>
+            </a:r>
+            <a:endParaRPr lang="sv-SE" dirty="0" smtClean="0">
+              <a:latin typeface="Minya Nouvelle" pitchFamily="2" charset="0"/>
+            </a:endParaRPr>
+          </a:p>
+          <a:p>
+            <a:pPr marL="285750" indent="-285750">
+              <a:buFont typeface="Arial" charset="0"/>
+              <a:buChar char="•"/>
+            </a:pPr>
+            <a:r>
+              <a:rPr lang="sv-SE" dirty="0" smtClean="0">
+                <a:latin typeface="Minya Nouvelle" pitchFamily="2" charset="0"/>
+              </a:rPr>
+              <a:t>Postludium</a:t>
+            </a:r>
+          </a:p>
+          <a:p>
+            <a:pPr marL="285750" indent="-285750">
+              <a:buFont typeface="Arial" charset="0"/>
+              <a:buChar char="•"/>
+            </a:pPr>
+            <a:endParaRPr lang="sv-SE" dirty="0" smtClean="0">
+              <a:latin typeface="Minya Nouvelle" pitchFamily="2" charset="0"/>
+            </a:endParaRPr>
+          </a:p>
+          <a:p>
+            <a:pPr marL="285750" indent="-285750">
+              <a:buFont typeface="Arial" charset="0"/>
+              <a:buChar char="•"/>
+            </a:pPr>
+            <a:endParaRPr lang="sv-SE" dirty="0" smtClean="0">
+              <a:latin typeface="Minya Nouvelle" pitchFamily="2" charset="0"/>
+            </a:endParaRPr>
+          </a:p>
+          <a:p>
+            <a:pPr marL="285750" indent="-285750">
+              <a:buFont typeface="Arial" charset="0"/>
+              <a:buChar char="•"/>
+            </a:pPr>
+            <a:endParaRPr lang="sv-SE" dirty="0" smtClean="0">
+              <a:latin typeface="Minya Nouvelle" pitchFamily="2" charset="0"/>
+            </a:endParaRPr>
+          </a:p>
+          <a:p>
+            <a:pPr marL="285750" indent="-285750">
+              <a:buFont typeface="Arial" charset="0"/>
+              <a:buChar char="•"/>
+            </a:pPr>
+            <a:endParaRPr lang="sv-SE" dirty="0" smtClean="0">
+              <a:latin typeface="Minya Nouvelle" pitchFamily="2" charset="0"/>
+            </a:endParaRPr>
+          </a:p>
+          <a:p>
+            <a:pPr marL="285750" indent="-285750">
+              <a:buFont typeface="Arial" charset="0"/>
+              <a:buChar char="•"/>
+            </a:pPr>
+            <a:endParaRPr lang="sv-SE" dirty="0" smtClean="0">
+              <a:latin typeface="Minya Nouvelle" pitchFamily="2" charset="0"/>
+            </a:endParaRPr>
+          </a:p>
+          <a:p>
+            <a:pPr marL="285750" indent="-285750">
+              <a:buFont typeface="Arial" charset="0"/>
+              <a:buChar char="•"/>
+            </a:pPr>
+            <a:endParaRPr lang="sv-SE" dirty="0" smtClean="0">
+              <a:latin typeface="Minya Nouvelle" pitchFamily="2" charset="0"/>
+            </a:endParaRPr>
+          </a:p>
+          <a:p>
+            <a:pPr marL="285750" indent="-285750">
+              <a:buFont typeface="Arial" charset="0"/>
+              <a:buChar char="•"/>
+            </a:pPr>
+            <a:endParaRPr lang="sv-SE" dirty="0" smtClean="0">
+              <a:latin typeface="Minya Nouvelle" pitchFamily="2" charset="0"/>
+            </a:endParaRPr>
+          </a:p>
+          <a:p>
+            <a:pPr marL="285750" indent="-285750">
+              <a:buFont typeface="Arial" charset="0"/>
+              <a:buChar char="•"/>
+            </a:pPr>
+            <a:endParaRPr lang="sv-SE" dirty="0" smtClean="0">
+              <a:latin typeface="Minya Nouvelle" pitchFamily="2" charset="0"/>
+            </a:endParaRPr>
+          </a:p>
+        </p:txBody>
+      </p:sp>
+      <p:pic>
+        <p:nvPicPr>
+          <p:cNvPr id="5" name="Picture 2" descr="P:\Icons\128x128\shadow\scroll_preferences.png"/>
+          <p:cNvPicPr>
+            <a:picLocks noChangeAspect="1" noChangeArrowheads="1"/>
+          </p:cNvPicPr>
+          <p:nvPr/>
+        </p:nvPicPr>
+        <p:blipFill>
+          <a:blip r:embed="rId2">
+            <a:extLst>
+              <a:ext uri="{28A0092B-C50C-407E-A947-70E740481C1C}">
+                <a14:useLocalDpi xmlns:a14="http://schemas.microsoft.com/office/drawing/2010/main" val="0"/>
+              </a:ext>
+            </a:extLst>
+          </a:blip>
+          <a:srcRect/>
+          <a:stretch>
+            <a:fillRect/>
+          </a:stretch>
+        </p:blipFill>
+        <p:spPr bwMode="auto">
+          <a:xfrm>
+            <a:off x="7092280" y="500856"/>
+            <a:ext cx="1646237" cy="1646238"/>
+          </a:xfrm>
+          <a:prstGeom prst="rect">
+            <a:avLst/>
+          </a:prstGeom>
+          <a:noFill/>
+          <a:extLst>
+            <a:ext uri="{909E8E84-426E-40dd-AFC4-6F175D3DCCD1}">
+              <a14:hiddenFill xmlns:a14="http://schemas.microsoft.com/office/drawing/2010/main">
+                <a:solidFill>
+                  <a:srgbClr val="FFFFFF"/>
+                </a:solidFill>
+              </a14:hiddenFill>
+            </a:ext>
+          </a:extLst>
+        </p:spPr>
+      </p:pic>
+    </p:spTree>
+  </p:cSld>
+  <p:clrMapOvr>
+    <a:masterClrMapping/>
+  </p:clrMapOvr>
+  <p:timing>
+    <p:tnLst>
+      <p:par>
+        <p:cTn xmlns:p14="http://schemas.microsoft.com/office/powerpoint/2010/main" id="1" dur="indefinite" restart="never" nodeType="tmRoot"/>
+      </p:par>
+    </p:tnLst>
+  </p:timing>
+</p:sld>
+</file>
+
+<file path=ppt/slides/slide20.xml><?xml version="1.0" encoding="utf-8"?>
+<p:sld xmlns:a="http://schemas.openxmlformats.org/drawingml/2006/main" xmlns:r="http://schemas.openxmlformats.org/officeDocument/2006/relationships" xmlns:p="http://schemas.openxmlformats.org/presentationml/2006/main">
+  <p:cSld>
+    <p:spTree>
+      <p:nvGrpSpPr>
+        <p:cNvPr id="1" name=""/>
+        <p:cNvGrpSpPr/>
+        <p:nvPr/>
+      </p:nvGrpSpPr>
+      <p:grpSpPr>
+        <a:xfrm>
+          <a:off x="0" y="0"/>
+          <a:ext cx="0" cy="0"/>
+          <a:chOff x="0" y="0"/>
+          <a:chExt cx="0" cy="0"/>
+        </a:xfrm>
+      </p:grpSpPr>
+      <p:sp>
+        <p:nvSpPr>
+          <p:cNvPr id="2" name="Title 1"/>
+          <p:cNvSpPr>
+            <a:spLocks noGrp="1"/>
+          </p:cNvSpPr>
+          <p:nvPr>
+            <p:ph type="ctrTitle"/>
+          </p:nvPr>
+        </p:nvSpPr>
+        <p:spPr/>
+        <p:txBody>
+          <a:bodyPr/>
+          <a:lstStyle/>
+          <a:p>
+            <a:r>
+              <a:rPr lang="en-US" dirty="0" smtClean="0"/>
+              <a:t>Templates</a:t>
+            </a:r>
+            <a:endParaRPr lang="en-US" dirty="0"/>
+          </a:p>
+        </p:txBody>
+      </p:sp>
+      <p:pic>
+        <p:nvPicPr>
+          <p:cNvPr id="4" name="Picture 3"/>
+          <p:cNvPicPr>
+            <a:picLocks noChangeAspect="1"/>
+          </p:cNvPicPr>
+          <p:nvPr/>
+        </p:nvPicPr>
+        <p:blipFill>
+          <a:blip r:embed="rId2"/>
+          <a:stretch>
+            <a:fillRect/>
+          </a:stretch>
+        </p:blipFill>
+        <p:spPr>
+          <a:xfrm>
+            <a:off x="251520" y="1489348"/>
+            <a:ext cx="8592151" cy="3528392"/>
+          </a:xfrm>
+          <a:prstGeom prst="rect">
+            <a:avLst/>
+          </a:prstGeom>
+        </p:spPr>
+      </p:pic>
+    </p:spTree>
+    <p:extLst>
+      <p:ext uri="{BB962C8B-B14F-4D97-AF65-F5344CB8AC3E}">
+        <p14:creationId xmlns:p14="http://schemas.microsoft.com/office/powerpoint/2010/main" val="2796862439"/>
+      </p:ext>
+    </p:extLst>
+  </p:cSld>
+  <p:clrMapOvr>
+    <a:masterClrMapping/>
+  </p:clrMapOvr>
+</p:sld>
+</file>
+
+<file path=ppt/slides/slide21.xml><?xml version="1.0" encoding="utf-8"?>
+<p:sld xmlns:a="http://schemas.openxmlformats.org/drawingml/2006/main" xmlns:r="http://schemas.openxmlformats.org/officeDocument/2006/relationships" xmlns:p="http://schemas.openxmlformats.org/presentationml/2006/main">
+  <p:cSld>
+    <p:spTree>
+      <p:nvGrpSpPr>
+        <p:cNvPr id="1" name=""/>
+        <p:cNvGrpSpPr/>
+        <p:nvPr/>
+      </p:nvGrpSpPr>
+      <p:grpSpPr>
+        <a:xfrm>
+          <a:off x="0" y="0"/>
+          <a:ext cx="0" cy="0"/>
+          <a:chOff x="0" y="0"/>
+          <a:chExt cx="0" cy="0"/>
+        </a:xfrm>
+      </p:grpSpPr>
+      <p:sp>
+        <p:nvSpPr>
+          <p:cNvPr id="2" name="Title 1"/>
+          <p:cNvSpPr>
+            <a:spLocks noGrp="1"/>
+          </p:cNvSpPr>
+          <p:nvPr>
+            <p:ph type="ctrTitle"/>
+          </p:nvPr>
+        </p:nvSpPr>
+        <p:spPr/>
+        <p:txBody>
+          <a:bodyPr/>
+          <a:lstStyle/>
+          <a:p>
+            <a:r>
+              <a:rPr lang="en-US" dirty="0" smtClean="0"/>
+              <a:t>Templates</a:t>
+            </a:r>
+            <a:endParaRPr lang="en-US" dirty="0"/>
+          </a:p>
+        </p:txBody>
+      </p:sp>
+      <p:pic>
+        <p:nvPicPr>
+          <p:cNvPr id="4" name="Picture 3"/>
+          <p:cNvPicPr>
+            <a:picLocks noChangeAspect="1"/>
+          </p:cNvPicPr>
+          <p:nvPr/>
+        </p:nvPicPr>
+        <p:blipFill>
+          <a:blip r:embed="rId2"/>
+          <a:stretch>
+            <a:fillRect/>
+          </a:stretch>
+        </p:blipFill>
+        <p:spPr>
+          <a:xfrm>
+            <a:off x="611560" y="1057300"/>
+            <a:ext cx="4879601" cy="1944216"/>
+          </a:xfrm>
+          <a:prstGeom prst="rect">
+            <a:avLst/>
+          </a:prstGeom>
+        </p:spPr>
+      </p:pic>
+      <p:pic>
+        <p:nvPicPr>
+          <p:cNvPr id="5" name="Picture 4"/>
+          <p:cNvPicPr>
+            <a:picLocks noChangeAspect="1"/>
+          </p:cNvPicPr>
+          <p:nvPr/>
+        </p:nvPicPr>
+        <p:blipFill>
+          <a:blip r:embed="rId3"/>
+          <a:stretch>
+            <a:fillRect/>
+          </a:stretch>
+        </p:blipFill>
+        <p:spPr>
+          <a:xfrm>
+            <a:off x="611560" y="3145532"/>
+            <a:ext cx="8147572" cy="1872208"/>
+          </a:xfrm>
+          <a:prstGeom prst="rect">
+            <a:avLst/>
+          </a:prstGeom>
+        </p:spPr>
+      </p:pic>
+    </p:spTree>
+    <p:extLst>
+      <p:ext uri="{BB962C8B-B14F-4D97-AF65-F5344CB8AC3E}">
+        <p14:creationId xmlns:p14="http://schemas.microsoft.com/office/powerpoint/2010/main" val="2762808275"/>
+      </p:ext>
+    </p:extLst>
+  </p:cSld>
+  <p:clrMapOvr>
+    <a:masterClrMapping/>
+  </p:clrMapOvr>
+</p:sld>
+</file>
+
+<file path=ppt/slides/slide22.xml><?xml version="1.0" encoding="utf-8"?>
+<p:sld xmlns:a="http://schemas.openxmlformats.org/drawingml/2006/main" xmlns:r="http://schemas.openxmlformats.org/officeDocument/2006/relationships" xmlns:p="http://schemas.openxmlformats.org/presentationml/2006/main">
+  <p:cSld>
+    <p:spTree>
+      <p:nvGrpSpPr>
+        <p:cNvPr id="1" name=""/>
+        <p:cNvGrpSpPr/>
+        <p:nvPr/>
+      </p:nvGrpSpPr>
+      <p:grpSpPr>
+        <a:xfrm>
+          <a:off x="0" y="0"/>
+          <a:ext cx="0" cy="0"/>
+          <a:chOff x="0" y="0"/>
+          <a:chExt cx="0" cy="0"/>
+        </a:xfrm>
+      </p:grpSpPr>
+      <p:sp>
+        <p:nvSpPr>
+          <p:cNvPr id="2" name="Title 1"/>
+          <p:cNvSpPr>
+            <a:spLocks noGrp="1"/>
+          </p:cNvSpPr>
+          <p:nvPr>
+            <p:ph type="ctrTitle"/>
+          </p:nvPr>
+        </p:nvSpPr>
+        <p:spPr/>
+        <p:txBody>
+          <a:bodyPr/>
+          <a:lstStyle/>
+          <a:p>
+            <a:r>
+              <a:rPr lang="en-US" dirty="0" smtClean="0"/>
+              <a:t>Templates</a:t>
+            </a:r>
+            <a:endParaRPr lang="en-US" dirty="0"/>
+          </a:p>
+        </p:txBody>
+      </p:sp>
+      <p:sp>
+        <p:nvSpPr>
+          <p:cNvPr id="3" name="Subtitle 2"/>
+          <p:cNvSpPr>
+            <a:spLocks noGrp="1"/>
+          </p:cNvSpPr>
+          <p:nvPr>
+            <p:ph type="subTitle" idx="1"/>
+          </p:nvPr>
+        </p:nvSpPr>
+        <p:spPr/>
+        <p:txBody>
+          <a:bodyPr/>
+          <a:lstStyle/>
+          <a:p>
+            <a:r>
+              <a:rPr lang="en-US" dirty="0" err="1" smtClean="0"/>
+              <a:t>Det</a:t>
+            </a:r>
+            <a:r>
+              <a:rPr lang="en-US" dirty="0" smtClean="0"/>
+              <a:t> </a:t>
+            </a:r>
+            <a:r>
+              <a:rPr lang="en-US" dirty="0" err="1" smtClean="0"/>
+              <a:t>går</a:t>
+            </a:r>
+            <a:r>
+              <a:rPr lang="en-US" dirty="0" smtClean="0"/>
+              <a:t> </a:t>
+            </a:r>
+            <a:r>
+              <a:rPr lang="en-US" dirty="0" err="1" smtClean="0"/>
+              <a:t>att</a:t>
+            </a:r>
+            <a:r>
+              <a:rPr lang="en-US" dirty="0" smtClean="0"/>
+              <a:t> </a:t>
+            </a:r>
+            <a:r>
+              <a:rPr lang="en-US" dirty="0" err="1" smtClean="0"/>
+              <a:t>göra</a:t>
+            </a:r>
+            <a:r>
+              <a:rPr lang="en-US" dirty="0" smtClean="0"/>
+              <a:t> </a:t>
+            </a:r>
+            <a:r>
+              <a:rPr lang="en-US" dirty="0" err="1" smtClean="0"/>
+              <a:t>mycket</a:t>
+            </a:r>
+            <a:r>
+              <a:rPr lang="en-US" dirty="0" smtClean="0"/>
+              <a:t> mer.</a:t>
+            </a:r>
+          </a:p>
+          <a:p>
+            <a:endParaRPr lang="en-US" dirty="0"/>
+          </a:p>
+          <a:p>
+            <a:pPr marL="342900" indent="-342900">
+              <a:buFont typeface="Arial"/>
+              <a:buChar char="•"/>
+            </a:pPr>
+            <a:r>
+              <a:rPr lang="en-US" dirty="0" err="1" smtClean="0"/>
+              <a:t>Ladda</a:t>
+            </a:r>
+            <a:r>
+              <a:rPr lang="en-US" dirty="0" smtClean="0"/>
+              <a:t> templates </a:t>
+            </a:r>
+            <a:r>
+              <a:rPr lang="en-US" dirty="0" err="1" smtClean="0"/>
+              <a:t>asynkront</a:t>
+            </a:r>
+            <a:endParaRPr lang="en-US" dirty="0" smtClean="0"/>
+          </a:p>
+          <a:p>
+            <a:pPr marL="342900" indent="-342900">
+              <a:buFont typeface="Arial"/>
+              <a:buChar char="•"/>
+            </a:pPr>
+            <a:endParaRPr lang="en-US" dirty="0"/>
+          </a:p>
+        </p:txBody>
+      </p:sp>
+    </p:spTree>
+    <p:extLst>
+      <p:ext uri="{BB962C8B-B14F-4D97-AF65-F5344CB8AC3E}">
+        <p14:creationId xmlns:p14="http://schemas.microsoft.com/office/powerpoint/2010/main" val="3104036475"/>
+      </p:ext>
+    </p:extLst>
+  </p:cSld>
+  <p:clrMapOvr>
+    <a:masterClrMapping/>
+  </p:clrMapOvr>
+</p:sld>
+</file>
+
+<file path=ppt/slides/slide23.xml><?xml version="1.0" encoding="utf-8"?>
+<p:sld xmlns:a="http://schemas.openxmlformats.org/drawingml/2006/main" xmlns:r="http://schemas.openxmlformats.org/officeDocument/2006/relationships" xmlns:p="http://schemas.openxmlformats.org/presentationml/2006/main">
+  <p:cSld>
+    <p:spTree>
+      <p:nvGrpSpPr>
+        <p:cNvPr id="1" name=""/>
+        <p:cNvGrpSpPr/>
+        <p:nvPr/>
+      </p:nvGrpSpPr>
+      <p:grpSpPr>
+        <a:xfrm>
+          <a:off x="0" y="0"/>
+          <a:ext cx="0" cy="0"/>
+          <a:chOff x="0" y="0"/>
+          <a:chExt cx="0" cy="0"/>
+        </a:xfrm>
+      </p:grpSpPr>
+      <p:sp>
+        <p:nvSpPr>
+          <p:cNvPr id="2" name="Title 1"/>
+          <p:cNvSpPr>
+            <a:spLocks noGrp="1"/>
+          </p:cNvSpPr>
+          <p:nvPr>
+            <p:ph type="ctrTitle"/>
+          </p:nvPr>
+        </p:nvSpPr>
+        <p:spPr/>
+        <p:txBody>
+          <a:bodyPr/>
+          <a:lstStyle/>
+          <a:p>
+            <a:r>
+              <a:rPr lang="en-US" dirty="0" smtClean="0"/>
+              <a:t>Templates</a:t>
+            </a:r>
+            <a:endParaRPr lang="en-US" dirty="0"/>
+          </a:p>
+        </p:txBody>
+      </p:sp>
+      <p:pic>
+        <p:nvPicPr>
+          <p:cNvPr id="6" name="Picture 5"/>
+          <p:cNvPicPr>
+            <a:picLocks noChangeAspect="1"/>
+          </p:cNvPicPr>
+          <p:nvPr/>
+        </p:nvPicPr>
+        <p:blipFill>
+          <a:blip r:embed="rId2"/>
+          <a:stretch>
+            <a:fillRect/>
+          </a:stretch>
+        </p:blipFill>
+        <p:spPr>
+          <a:xfrm>
+            <a:off x="899592" y="1489348"/>
+            <a:ext cx="3657600" cy="1930400"/>
+          </a:xfrm>
+          <a:prstGeom prst="rect">
+            <a:avLst/>
+          </a:prstGeom>
+        </p:spPr>
+      </p:pic>
+      <p:pic>
+        <p:nvPicPr>
+          <p:cNvPr id="7" name="Picture 6"/>
+          <p:cNvPicPr>
+            <a:picLocks noChangeAspect="1"/>
+          </p:cNvPicPr>
+          <p:nvPr/>
+        </p:nvPicPr>
+        <p:blipFill>
+          <a:blip r:embed="rId3"/>
+          <a:stretch>
+            <a:fillRect/>
+          </a:stretch>
+        </p:blipFill>
+        <p:spPr>
+          <a:xfrm>
+            <a:off x="5076056" y="2137420"/>
+            <a:ext cx="3265636" cy="1792222"/>
+          </a:xfrm>
+          <a:prstGeom prst="rect">
+            <a:avLst/>
+          </a:prstGeom>
+        </p:spPr>
+      </p:pic>
+      <p:pic>
+        <p:nvPicPr>
+          <p:cNvPr id="8" name="Picture 7"/>
+          <p:cNvPicPr>
+            <a:picLocks noChangeAspect="1"/>
+          </p:cNvPicPr>
+          <p:nvPr/>
+        </p:nvPicPr>
+        <p:blipFill>
+          <a:blip r:embed="rId4"/>
+          <a:stretch>
+            <a:fillRect/>
+          </a:stretch>
+        </p:blipFill>
+        <p:spPr>
+          <a:xfrm>
+            <a:off x="899592" y="4081636"/>
+            <a:ext cx="5384800" cy="1346200"/>
+          </a:xfrm>
+          <a:prstGeom prst="rect">
+            <a:avLst/>
+          </a:prstGeom>
+        </p:spPr>
+      </p:pic>
+    </p:spTree>
+    <p:extLst>
+      <p:ext uri="{BB962C8B-B14F-4D97-AF65-F5344CB8AC3E}">
+        <p14:creationId xmlns:p14="http://schemas.microsoft.com/office/powerpoint/2010/main" val="2124859348"/>
+      </p:ext>
+    </p:extLst>
+  </p:cSld>
+  <p:clrMapOvr>
+    <a:masterClrMapping/>
+  </p:clrMapOvr>
+</p:sld>
+</file>
+
+<file path=ppt/slides/slide24.xml><?xml version="1.0" encoding="utf-8"?>
+<p:sld xmlns:a="http://schemas.openxmlformats.org/drawingml/2006/main" xmlns:r="http://schemas.openxmlformats.org/officeDocument/2006/relationships" xmlns:p="http://schemas.openxmlformats.org/presentationml/2006/main">
+  <p:cSld>
+    <p:spTree>
+      <p:nvGrpSpPr>
+        <p:cNvPr id="1" name=""/>
+        <p:cNvGrpSpPr/>
+        <p:nvPr/>
+      </p:nvGrpSpPr>
+      <p:grpSpPr>
+        <a:xfrm>
+          <a:off x="0" y="0"/>
+          <a:ext cx="0" cy="0"/>
+          <a:chOff x="0" y="0"/>
+          <a:chExt cx="0" cy="0"/>
+        </a:xfrm>
+      </p:grpSpPr>
+      <p:sp>
+        <p:nvSpPr>
+          <p:cNvPr id="2" name="Title 1"/>
+          <p:cNvSpPr>
+            <a:spLocks noGrp="1"/>
+          </p:cNvSpPr>
+          <p:nvPr>
+            <p:ph type="ctrTitle"/>
+          </p:nvPr>
+        </p:nvSpPr>
+        <p:spPr/>
+        <p:txBody>
+          <a:bodyPr/>
+          <a:lstStyle/>
+          <a:p>
+            <a:r>
               <a:rPr lang="sv-SE" dirty="0" err="1" smtClean="0"/>
               <a:t>Namespaces</a:t>
             </a:r>
@@ -9830,7 +12259,7 @@
         <p:spPr bwMode="auto">
           <a:xfrm>
             <a:off x="228600" y="1071612"/>
-            <a:ext cx="6629400" cy="2585323"/>
+            <a:ext cx="6629400" cy="2308324"/>
           </a:xfrm>
           <a:prstGeom prst="rect">
             <a:avLst/>
@@ -9859,37 +12288,13 @@
               <a:rPr lang="sv-SE" dirty="0" smtClean="0">
                 <a:latin typeface="Minya Nouvelle" charset="0"/>
               </a:rPr>
-              <a:t>vår kod med </a:t>
-            </a:r>
-            <a:r>
-              <a:rPr lang="sv-SE" dirty="0">
+              <a:t>vår </a:t>
+            </a:r>
+            <a:r>
+              <a:rPr lang="sv-SE" dirty="0" smtClean="0">
                 <a:latin typeface="Minya Nouvelle" charset="0"/>
               </a:rPr>
-              <a:t>hjälp av en kär gammal vän, </a:t>
-            </a:r>
-            <a:r>
-              <a:rPr lang="sv-SE" dirty="0" err="1">
-                <a:latin typeface="Minya Nouvelle" charset="0"/>
-              </a:rPr>
-              <a:t>object</a:t>
-            </a:r>
-            <a:r>
-              <a:rPr lang="sv-SE" dirty="0">
-                <a:latin typeface="Minya Nouvelle" charset="0"/>
-              </a:rPr>
-              <a:t> </a:t>
-            </a:r>
-            <a:r>
-              <a:rPr lang="sv-SE" dirty="0" err="1">
-                <a:latin typeface="Minya Nouvelle" charset="0"/>
-              </a:rPr>
-              <a:t>literals</a:t>
-            </a:r>
-            <a:r>
-              <a:rPr lang="sv-SE" dirty="0">
-                <a:latin typeface="Minya Nouvelle" charset="0"/>
-              </a:rPr>
-              <a:t>.</a:t>
+              <a:t>kod i objekt</a:t>
             </a:r>
           </a:p>
           <a:p>
@@ -10181,7 +12586,27 @@
                 <a:latin typeface="Courier New" pitchFamily="49" charset="0"/>
                 <a:cs typeface="Courier New" pitchFamily="49" charset="0"/>
               </a:rPr>
-              <a:t>() { alert(”Hello World</a:t>
+              <a:t>() { </a:t>
+            </a:r>
+            <a:r>
+              <a:rPr lang="sv-SE" sz="1600" b="1" dirty="0" smtClean="0">
+                <a:solidFill>
+                  <a:schemeClr val="tx1"/>
+                </a:solidFill>
+                <a:latin typeface="Courier New" pitchFamily="49" charset="0"/>
+                <a:cs typeface="Courier New" pitchFamily="49" charset="0"/>
+              </a:rPr>
+              <a:t>alert(</a:t>
+            </a:r>
+            <a:r>
+              <a:rPr lang="sv-SE" sz="1600" b="1" dirty="0">
+                <a:solidFill>
+                  <a:schemeClr val="tx1"/>
+                </a:solidFill>
+                <a:latin typeface="Courier New" pitchFamily="49" charset="0"/>
+                <a:cs typeface="Courier New" pitchFamily="49" charset="0"/>
+              </a:rPr>
+              <a:t>”Hello World</a:t>
             </a:r>
             <a:r>
               <a:rPr lang="sv-SE" sz="1600" b="1" dirty="0" smtClean="0">
@@ -10419,7 +12844,7 @@
           </a:prstGeom>
           <a:noFill/>
           <a:extLst>
-            <a:ext uri="{909E8E84-426E-40DD-AFC4-6F175D3DCCD1}">
+            <a:ext uri="{909E8E84-426E-40dd-AFC4-6F175D3DCCD1}">
               <a14:hiddenFill xmlns:a14="http://schemas.microsoft.com/office/drawing/2010/main">
                 <a:solidFill>
                   <a:srgbClr val="FFFFFF"/>
@@ -10432,7 +12857,7 @@
     </p:spTree>
     <p:extLst>
       <p:ext uri="{BB962C8B-B14F-4D97-AF65-F5344CB8AC3E}">
-        <p14:creationId xmlns:p14="http://schemas.microsoft.com/office/powerpoint/2010/main" val="456614246"/>
+        <p14:creationId xmlns:p14="http://schemas.microsoft.com/office/powerpoint/2010/main" val="1054565415"/>
       </p:ext>
     </p:extLst>
   </p:cSld>
@@ -10442,7 +12867,7 @@
   <p:timing>
     <p:tnLst>
       <p:par>
-        <p:cTn id="1" dur="indefinite" restart="never" nodeType="tmRoot">
+        <p:cTn xmlns:p14="http://schemas.microsoft.com/office/powerpoint/2010/main" id="1" dur="indefinite" restart="never" nodeType="tmRoot">
           <p:childTnLst>
             <p:seq concurrent="1" nextAc="seek">
               <p:cTn id="2" dur="indefinite" nodeType="mainSeq">
@@ -10528,7 +12953,7 @@
 </p:sld>
 </file>
 
-<file path=ppt/slides/slide15.xml><?xml version="1.0" encoding="utf-8"?>
+<file path=ppt/slides/slide25.xml><?xml version="1.0" encoding="utf-8"?>
 <p:sld xmlns:a="http://schemas.openxmlformats.org/drawingml/2006/main" xmlns:r="http://schemas.openxmlformats.org/officeDocument/2006/relationships" xmlns:p="http://schemas.openxmlformats.org/presentationml/2006/main">
   <p:cSld>
     <p:spTree>
@@ -11260,7 +13685,7 @@
           </a:prstGeom>
           <a:noFill/>
           <a:extLst>
-            <a:ext uri="{909E8E84-426E-40DD-AFC4-6F175D3DCCD1}">
+            <a:ext uri="{909E8E84-426E-40dd-AFC4-6F175D3DCCD1}">
               <a14:hiddenFill xmlns:a14="http://schemas.microsoft.com/office/drawing/2010/main">
                 <a:solidFill>
                   <a:srgbClr val="FFFFFF"/>
@@ -11273,7 +13698,7 @@
     </p:spTree>
     <p:extLst>
       <p:ext uri="{BB962C8B-B14F-4D97-AF65-F5344CB8AC3E}">
-        <p14:creationId xmlns:p14="http://schemas.microsoft.com/office/powerpoint/2010/main" val="2579314994"/>
+        <p14:creationId xmlns:p14="http://schemas.microsoft.com/office/powerpoint/2010/main" val="241683213"/>
       </p:ext>
     </p:extLst>
   </p:cSld>
@@ -11283,14 +13708,1521 @@
   <p:timing>
     <p:tnLst>
       <p:par>
-        <p:cTn id="1" dur="indefinite" restart="never" nodeType="tmRoot"/>
+        <p:cTn xmlns:p14="http://schemas.microsoft.com/office/powerpoint/2010/main" id="1" dur="indefinite" restart="never" nodeType="tmRoot"/>
       </p:par>
     </p:tnLst>
   </p:timing>
 </p:sld>
 </file>
 
-<file path=ppt/slides/slide16.xml><?xml version="1.0" encoding="utf-8"?>
+<file path=ppt/slides/slide26.xml><?xml version="1.0" encoding="utf-8"?>
+<p:sld xmlns:a="http://schemas.openxmlformats.org/drawingml/2006/main" xmlns:r="http://schemas.openxmlformats.org/officeDocument/2006/relationships" xmlns:p="http://schemas.openxmlformats.org/presentationml/2006/main">
+  <p:cSld>
+    <p:spTree>
+      <p:nvGrpSpPr>
+        <p:cNvPr id="1" name=""/>
+        <p:cNvGrpSpPr/>
+        <p:nvPr/>
+      </p:nvGrpSpPr>
+      <p:grpSpPr>
+        <a:xfrm>
+          <a:off x="0" y="0"/>
+          <a:ext cx="0" cy="0"/>
+          <a:chOff x="0" y="0"/>
+          <a:chExt cx="0" cy="0"/>
+        </a:xfrm>
+      </p:grpSpPr>
+      <p:sp>
+        <p:nvSpPr>
+          <p:cNvPr id="2" name="Title 1"/>
+          <p:cNvSpPr>
+            <a:spLocks noGrp="1"/>
+          </p:cNvSpPr>
+          <p:nvPr>
+            <p:ph type="ctrTitle"/>
+          </p:nvPr>
+        </p:nvSpPr>
+        <p:spPr/>
+        <p:txBody>
+          <a:bodyPr/>
+          <a:lstStyle/>
+          <a:p>
+            <a:r>
+              <a:rPr lang="en-US" dirty="0" smtClean="0"/>
+              <a:t>Modules</a:t>
+            </a:r>
+            <a:endParaRPr lang="en-US" dirty="0"/>
+          </a:p>
+        </p:txBody>
+      </p:sp>
+      <p:sp>
+        <p:nvSpPr>
+          <p:cNvPr id="3" name="Subtitle 2"/>
+          <p:cNvSpPr>
+            <a:spLocks noGrp="1"/>
+          </p:cNvSpPr>
+          <p:nvPr>
+            <p:ph type="subTitle" idx="1"/>
+          </p:nvPr>
+        </p:nvSpPr>
+        <p:spPr>
+          <a:xfrm>
+            <a:off x="714348" y="1309677"/>
+            <a:ext cx="3569620" cy="971759"/>
+          </a:xfrm>
+        </p:spPr>
+        <p:txBody>
+          <a:bodyPr/>
+          <a:lstStyle/>
+          <a:p>
+            <a:pPr algn="ctr"/>
+            <a:r>
+              <a:rPr lang="en-US" dirty="0" smtClean="0"/>
+              <a:t>AMD</a:t>
+            </a:r>
+            <a:endParaRPr lang="en-US" dirty="0"/>
+          </a:p>
+        </p:txBody>
+      </p:sp>
+      <p:sp>
+        <p:nvSpPr>
+          <p:cNvPr id="4" name="Subtitle 2"/>
+          <p:cNvSpPr txBox="1">
+            <a:spLocks/>
+          </p:cNvSpPr>
+          <p:nvPr/>
+        </p:nvSpPr>
+        <p:spPr>
+          <a:xfrm>
+            <a:off x="4572000" y="1273324"/>
+            <a:ext cx="3569620" cy="971759"/>
+          </a:xfrm>
+          <a:prstGeom prst="rect">
+            <a:avLst/>
+          </a:prstGeom>
+        </p:spPr>
+        <p:txBody>
+          <a:bodyPr/>
+          <a:lstStyle>
+            <a:lvl1pPr marL="0" indent="0" algn="l" defTabSz="914400" rtl="0" eaLnBrk="1" latinLnBrk="0" hangingPunct="1">
+              <a:spcBef>
+                <a:spcPct val="20000"/>
+              </a:spcBef>
+              <a:buFont typeface="Arial" pitchFamily="34" charset="0"/>
+              <a:buNone/>
+              <a:defRPr sz="2400" kern="1200">
+                <a:solidFill>
+                  <a:schemeClr val="tx1"/>
+                </a:solidFill>
+                <a:latin typeface="Minya Nouvelle" pitchFamily="2" charset="0"/>
+                <a:ea typeface="+mn-ea"/>
+                <a:cs typeface="+mn-cs"/>
+              </a:defRPr>
+            </a:lvl1pPr>
+            <a:lvl2pPr marL="457200" indent="0" algn="ctr" defTabSz="914400" rtl="0" eaLnBrk="1" latinLnBrk="0" hangingPunct="1">
+              <a:spcBef>
+                <a:spcPct val="20000"/>
+              </a:spcBef>
+              <a:buFont typeface="Arial" pitchFamily="34" charset="0"/>
+              <a:buNone/>
+              <a:defRPr sz="2800" kern="1200">
+                <a:solidFill>
+                  <a:schemeClr val="tx1">
+                    <a:tint val="75000"/>
+                  </a:schemeClr>
+                </a:solidFill>
+                <a:latin typeface="+mn-lt"/>
+                <a:ea typeface="+mn-ea"/>
+                <a:cs typeface="+mn-cs"/>
+              </a:defRPr>
+            </a:lvl2pPr>
+            <a:lvl3pPr marL="914400" indent="0" algn="ctr" defTabSz="914400" rtl="0" eaLnBrk="1" latinLnBrk="0" hangingPunct="1">
+              <a:spcBef>
+                <a:spcPct val="20000"/>
+              </a:spcBef>
+              <a:buFont typeface="Arial" pitchFamily="34" charset="0"/>
+              <a:buNone/>
+              <a:defRPr sz="2400" kern="1200">
+                <a:solidFill>
+                  <a:schemeClr val="tx1">
+                    <a:tint val="75000"/>
+                  </a:schemeClr>
+                </a:solidFill>
+                <a:latin typeface="+mn-lt"/>
+                <a:ea typeface="+mn-ea"/>
+                <a:cs typeface="+mn-cs"/>
+              </a:defRPr>
+            </a:lvl3pPr>
+            <a:lvl4pPr marL="1371600" indent="0" algn="ctr" defTabSz="914400" rtl="0" eaLnBrk="1" latinLnBrk="0" hangingPunct="1">
+              <a:spcBef>
+                <a:spcPct val="20000"/>
+              </a:spcBef>
+              <a:buFont typeface="Arial" pitchFamily="34" charset="0"/>
+              <a:buNone/>
+              <a:defRPr sz="2000" kern="1200">
+                <a:solidFill>
+                  <a:schemeClr val="tx1">
+                    <a:tint val="75000"/>
+                  </a:schemeClr>
+                </a:solidFill>
+                <a:latin typeface="+mn-lt"/>
+                <a:ea typeface="+mn-ea"/>
+                <a:cs typeface="+mn-cs"/>
+              </a:defRPr>
+            </a:lvl4pPr>
+            <a:lvl5pPr marL="1828800" indent="0" algn="ctr" defTabSz="914400" rtl="0" eaLnBrk="1" latinLnBrk="0" hangingPunct="1">
+              <a:spcBef>
+                <a:spcPct val="20000"/>
+              </a:spcBef>
+              <a:buFont typeface="Arial" pitchFamily="34" charset="0"/>
+              <a:buNone/>
+              <a:defRPr sz="2000" kern="1200">
+                <a:solidFill>
+                  <a:schemeClr val="tx1">
+                    <a:tint val="75000"/>
+                  </a:schemeClr>
+                </a:solidFill>
+                <a:latin typeface="+mn-lt"/>
+                <a:ea typeface="+mn-ea"/>
+                <a:cs typeface="+mn-cs"/>
+              </a:defRPr>
+            </a:lvl5pPr>
+            <a:lvl6pPr marL="2286000" indent="0" algn="ctr" defTabSz="914400" rtl="0" eaLnBrk="1" latinLnBrk="0" hangingPunct="1">
+              <a:spcBef>
+                <a:spcPct val="20000"/>
+              </a:spcBef>
+              <a:buFont typeface="Arial" pitchFamily="34" charset="0"/>
+              <a:buNone/>
+              <a:defRPr sz="2000" kern="1200">
+                <a:solidFill>
+                  <a:schemeClr val="tx1">
+                    <a:tint val="75000"/>
+                  </a:schemeClr>
+                </a:solidFill>
+                <a:latin typeface="+mn-lt"/>
+                <a:ea typeface="+mn-ea"/>
+                <a:cs typeface="+mn-cs"/>
+              </a:defRPr>
+            </a:lvl6pPr>
+            <a:lvl7pPr marL="2743200" indent="0" algn="ctr" defTabSz="914400" rtl="0" eaLnBrk="1" latinLnBrk="0" hangingPunct="1">
+              <a:spcBef>
+                <a:spcPct val="20000"/>
+              </a:spcBef>
+              <a:buFont typeface="Arial" pitchFamily="34" charset="0"/>
+              <a:buNone/>
+              <a:defRPr sz="2000" kern="1200">
+                <a:solidFill>
+                  <a:schemeClr val="tx1">
+                    <a:tint val="75000"/>
+                  </a:schemeClr>
+                </a:solidFill>
+                <a:latin typeface="+mn-lt"/>
+                <a:ea typeface="+mn-ea"/>
+                <a:cs typeface="+mn-cs"/>
+              </a:defRPr>
+            </a:lvl7pPr>
+            <a:lvl8pPr marL="3200400" indent="0" algn="ctr" defTabSz="914400" rtl="0" eaLnBrk="1" latinLnBrk="0" hangingPunct="1">
+              <a:spcBef>
+                <a:spcPct val="20000"/>
+              </a:spcBef>
+              <a:buFont typeface="Arial" pitchFamily="34" charset="0"/>
+              <a:buNone/>
+              <a:defRPr sz="2000" kern="1200">
+                <a:solidFill>
+                  <a:schemeClr val="tx1">
+                    <a:tint val="75000"/>
+                  </a:schemeClr>
+                </a:solidFill>
+                <a:latin typeface="+mn-lt"/>
+                <a:ea typeface="+mn-ea"/>
+                <a:cs typeface="+mn-cs"/>
+              </a:defRPr>
+            </a:lvl8pPr>
+            <a:lvl9pPr marL="3657600" indent="0" algn="ctr" defTabSz="914400" rtl="0" eaLnBrk="1" latinLnBrk="0" hangingPunct="1">
+              <a:spcBef>
+                <a:spcPct val="20000"/>
+              </a:spcBef>
+              <a:buFont typeface="Arial" pitchFamily="34" charset="0"/>
+              <a:buNone/>
+              <a:defRPr sz="2000" kern="1200">
+                <a:solidFill>
+                  <a:schemeClr val="tx1">
+                    <a:tint val="75000"/>
+                  </a:schemeClr>
+                </a:solidFill>
+                <a:latin typeface="+mn-lt"/>
+                <a:ea typeface="+mn-ea"/>
+                <a:cs typeface="+mn-cs"/>
+              </a:defRPr>
+            </a:lvl9pPr>
+          </a:lstStyle>
+          <a:p>
+            <a:pPr algn="ctr"/>
+            <a:r>
+              <a:rPr lang="en-US" dirty="0" smtClean="0"/>
+              <a:t>CJS</a:t>
+            </a:r>
+            <a:endParaRPr lang="en-US" dirty="0"/>
+          </a:p>
+        </p:txBody>
+      </p:sp>
+      <p:sp>
+        <p:nvSpPr>
+          <p:cNvPr id="5" name="Subtitle 2"/>
+          <p:cNvSpPr txBox="1">
+            <a:spLocks/>
+          </p:cNvSpPr>
+          <p:nvPr/>
+        </p:nvSpPr>
+        <p:spPr>
+          <a:xfrm>
+            <a:off x="179512" y="3865612"/>
+            <a:ext cx="8856984" cy="971759"/>
+          </a:xfrm>
+          <a:prstGeom prst="rect">
+            <a:avLst/>
+          </a:prstGeom>
+        </p:spPr>
+        <p:txBody>
+          <a:bodyPr/>
+          <a:lstStyle>
+            <a:lvl1pPr marL="0" indent="0" algn="l" defTabSz="914400" rtl="0" eaLnBrk="1" latinLnBrk="0" hangingPunct="1">
+              <a:spcBef>
+                <a:spcPct val="20000"/>
+              </a:spcBef>
+              <a:buFont typeface="Arial" pitchFamily="34" charset="0"/>
+              <a:buNone/>
+              <a:defRPr sz="2400" kern="1200">
+                <a:solidFill>
+                  <a:schemeClr val="tx1"/>
+                </a:solidFill>
+                <a:latin typeface="Minya Nouvelle" pitchFamily="2" charset="0"/>
+                <a:ea typeface="+mn-ea"/>
+                <a:cs typeface="+mn-cs"/>
+              </a:defRPr>
+            </a:lvl1pPr>
+            <a:lvl2pPr marL="457200" indent="0" algn="ctr" defTabSz="914400" rtl="0" eaLnBrk="1" latinLnBrk="0" hangingPunct="1">
+              <a:spcBef>
+                <a:spcPct val="20000"/>
+              </a:spcBef>
+              <a:buFont typeface="Arial" pitchFamily="34" charset="0"/>
+              <a:buNone/>
+              <a:defRPr sz="2800" kern="1200">
+                <a:solidFill>
+                  <a:schemeClr val="tx1">
+                    <a:tint val="75000"/>
+                  </a:schemeClr>
+                </a:solidFill>
+                <a:latin typeface="+mn-lt"/>
+                <a:ea typeface="+mn-ea"/>
+                <a:cs typeface="+mn-cs"/>
+              </a:defRPr>
+            </a:lvl2pPr>
+            <a:lvl3pPr marL="914400" indent="0" algn="ctr" defTabSz="914400" rtl="0" eaLnBrk="1" latinLnBrk="0" hangingPunct="1">
+              <a:spcBef>
+                <a:spcPct val="20000"/>
+              </a:spcBef>
+              <a:buFont typeface="Arial" pitchFamily="34" charset="0"/>
+              <a:buNone/>
+              <a:defRPr sz="2400" kern="1200">
+                <a:solidFill>
+                  <a:schemeClr val="tx1">
+                    <a:tint val="75000"/>
+                  </a:schemeClr>
+                </a:solidFill>
+                <a:latin typeface="+mn-lt"/>
+                <a:ea typeface="+mn-ea"/>
+                <a:cs typeface="+mn-cs"/>
+              </a:defRPr>
+            </a:lvl3pPr>
+            <a:lvl4pPr marL="1371600" indent="0" algn="ctr" defTabSz="914400" rtl="0" eaLnBrk="1" latinLnBrk="0" hangingPunct="1">
+              <a:spcBef>
+                <a:spcPct val="20000"/>
+              </a:spcBef>
+              <a:buFont typeface="Arial" pitchFamily="34" charset="0"/>
+              <a:buNone/>
+              <a:defRPr sz="2000" kern="1200">
+                <a:solidFill>
+                  <a:schemeClr val="tx1">
+                    <a:tint val="75000"/>
+                  </a:schemeClr>
+                </a:solidFill>
+                <a:latin typeface="+mn-lt"/>
+                <a:ea typeface="+mn-ea"/>
+                <a:cs typeface="+mn-cs"/>
+              </a:defRPr>
+            </a:lvl4pPr>
+            <a:lvl5pPr marL="1828800" indent="0" algn="ctr" defTabSz="914400" rtl="0" eaLnBrk="1" latinLnBrk="0" hangingPunct="1">
+              <a:spcBef>
+                <a:spcPct val="20000"/>
+              </a:spcBef>
+              <a:buFont typeface="Arial" pitchFamily="34" charset="0"/>
+              <a:buNone/>
+              <a:defRPr sz="2000" kern="1200">
+                <a:solidFill>
+                  <a:schemeClr val="tx1">
+                    <a:tint val="75000"/>
+                  </a:schemeClr>
+                </a:solidFill>
+                <a:latin typeface="+mn-lt"/>
+                <a:ea typeface="+mn-ea"/>
+                <a:cs typeface="+mn-cs"/>
+              </a:defRPr>
+            </a:lvl5pPr>
+            <a:lvl6pPr marL="2286000" indent="0" algn="ctr" defTabSz="914400" rtl="0" eaLnBrk="1" latinLnBrk="0" hangingPunct="1">
+              <a:spcBef>
+                <a:spcPct val="20000"/>
+              </a:spcBef>
+              <a:buFont typeface="Arial" pitchFamily="34" charset="0"/>
+              <a:buNone/>
+              <a:defRPr sz="2000" kern="1200">
+                <a:solidFill>
+                  <a:schemeClr val="tx1">
+                    <a:tint val="75000"/>
+                  </a:schemeClr>
+                </a:solidFill>
+                <a:latin typeface="+mn-lt"/>
+                <a:ea typeface="+mn-ea"/>
+                <a:cs typeface="+mn-cs"/>
+              </a:defRPr>
+            </a:lvl6pPr>
+            <a:lvl7pPr marL="2743200" indent="0" algn="ctr" defTabSz="914400" rtl="0" eaLnBrk="1" latinLnBrk="0" hangingPunct="1">
+              <a:spcBef>
+                <a:spcPct val="20000"/>
+              </a:spcBef>
+              <a:buFont typeface="Arial" pitchFamily="34" charset="0"/>
+              <a:buNone/>
+              <a:defRPr sz="2000" kern="1200">
+                <a:solidFill>
+                  <a:schemeClr val="tx1">
+                    <a:tint val="75000"/>
+                  </a:schemeClr>
+                </a:solidFill>
+                <a:latin typeface="+mn-lt"/>
+                <a:ea typeface="+mn-ea"/>
+                <a:cs typeface="+mn-cs"/>
+              </a:defRPr>
+            </a:lvl7pPr>
+            <a:lvl8pPr marL="3200400" indent="0" algn="ctr" defTabSz="914400" rtl="0" eaLnBrk="1" latinLnBrk="0" hangingPunct="1">
+              <a:spcBef>
+                <a:spcPct val="20000"/>
+              </a:spcBef>
+              <a:buFont typeface="Arial" pitchFamily="34" charset="0"/>
+              <a:buNone/>
+              <a:defRPr sz="2000" kern="1200">
+                <a:solidFill>
+                  <a:schemeClr val="tx1">
+                    <a:tint val="75000"/>
+                  </a:schemeClr>
+                </a:solidFill>
+                <a:latin typeface="+mn-lt"/>
+                <a:ea typeface="+mn-ea"/>
+                <a:cs typeface="+mn-cs"/>
+              </a:defRPr>
+            </a:lvl8pPr>
+            <a:lvl9pPr marL="3657600" indent="0" algn="ctr" defTabSz="914400" rtl="0" eaLnBrk="1" latinLnBrk="0" hangingPunct="1">
+              <a:spcBef>
+                <a:spcPct val="20000"/>
+              </a:spcBef>
+              <a:buFont typeface="Arial" pitchFamily="34" charset="0"/>
+              <a:buNone/>
+              <a:defRPr sz="2000" kern="1200">
+                <a:solidFill>
+                  <a:schemeClr val="tx1">
+                    <a:tint val="75000"/>
+                  </a:schemeClr>
+                </a:solidFill>
+                <a:latin typeface="+mn-lt"/>
+                <a:ea typeface="+mn-ea"/>
+                <a:cs typeface="+mn-cs"/>
+              </a:defRPr>
+            </a:lvl9pPr>
+          </a:lstStyle>
+          <a:p>
+            <a:pPr algn="ctr"/>
+            <a:r>
+              <a:rPr lang="en-US" dirty="0" smtClean="0"/>
+              <a:t>ES6-modules</a:t>
+            </a:r>
+            <a:endParaRPr lang="en-US" dirty="0"/>
+          </a:p>
+        </p:txBody>
+      </p:sp>
+      <p:cxnSp>
+        <p:nvCxnSpPr>
+          <p:cNvPr id="7" name="Straight Arrow Connector 6"/>
+          <p:cNvCxnSpPr>
+            <a:stCxn id="3" idx="2"/>
+          </p:cNvCxnSpPr>
+          <p:nvPr/>
+        </p:nvCxnSpPr>
+        <p:spPr>
+          <a:xfrm>
+            <a:off x="2499158" y="2281436"/>
+            <a:ext cx="1424770" cy="1440160"/>
+          </a:xfrm>
+          <a:prstGeom prst="straightConnector1">
+            <a:avLst/>
+          </a:prstGeom>
+          <a:ln w="19050">
+            <a:solidFill>
+              <a:schemeClr val="tx1"/>
+            </a:solidFill>
+            <a:tailEnd type="arrow"/>
+          </a:ln>
+        </p:spPr>
+        <p:style>
+          <a:lnRef idx="1">
+            <a:schemeClr val="accent1"/>
+          </a:lnRef>
+          <a:fillRef idx="0">
+            <a:schemeClr val="accent1"/>
+          </a:fillRef>
+          <a:effectRef idx="0">
+            <a:schemeClr val="accent1"/>
+          </a:effectRef>
+          <a:fontRef idx="minor">
+            <a:schemeClr val="tx1"/>
+          </a:fontRef>
+        </p:style>
+      </p:cxnSp>
+      <p:cxnSp>
+        <p:nvCxnSpPr>
+          <p:cNvPr id="8" name="Straight Arrow Connector 7"/>
+          <p:cNvCxnSpPr/>
+          <p:nvPr/>
+        </p:nvCxnSpPr>
+        <p:spPr>
+          <a:xfrm flipH="1">
+            <a:off x="4788024" y="2281436"/>
+            <a:ext cx="1656184" cy="1440160"/>
+          </a:xfrm>
+          <a:prstGeom prst="straightConnector1">
+            <a:avLst/>
+          </a:prstGeom>
+          <a:ln w="19050">
+            <a:solidFill>
+              <a:schemeClr val="tx1"/>
+            </a:solidFill>
+            <a:tailEnd type="arrow"/>
+          </a:ln>
+        </p:spPr>
+        <p:style>
+          <a:lnRef idx="1">
+            <a:schemeClr val="accent1"/>
+          </a:lnRef>
+          <a:fillRef idx="0">
+            <a:schemeClr val="accent1"/>
+          </a:fillRef>
+          <a:effectRef idx="0">
+            <a:schemeClr val="accent1"/>
+          </a:effectRef>
+          <a:fontRef idx="minor">
+            <a:schemeClr val="tx1"/>
+          </a:fontRef>
+        </p:style>
+      </p:cxnSp>
+      <p:sp>
+        <p:nvSpPr>
+          <p:cNvPr id="10" name="TextBox 9"/>
+          <p:cNvSpPr txBox="1"/>
+          <p:nvPr/>
+        </p:nvSpPr>
+        <p:spPr>
+          <a:xfrm>
+            <a:off x="755576" y="1686208"/>
+            <a:ext cx="3461421" cy="523220"/>
+          </a:xfrm>
+          <a:prstGeom prst="rect">
+            <a:avLst/>
+          </a:prstGeom>
+          <a:noFill/>
+        </p:spPr>
+        <p:txBody>
+          <a:bodyPr wrap="none" rtlCol="0">
+            <a:spAutoFit/>
+          </a:bodyPr>
+          <a:lstStyle/>
+          <a:p>
+            <a:pPr algn="ctr"/>
+            <a:r>
+              <a:rPr lang="en-US" sz="1400" i="1" dirty="0" smtClean="0">
+                <a:latin typeface="Minya Nouvelle" pitchFamily="2" charset="0"/>
+              </a:rPr>
+              <a:t>Asynchronous Module Definition</a:t>
+            </a:r>
+          </a:p>
+          <a:p>
+            <a:r>
+              <a:rPr lang="en-US" sz="1400" i="1" dirty="0" err="1" smtClean="0">
+                <a:latin typeface="Minya Nouvelle" pitchFamily="2" charset="0"/>
+              </a:rPr>
+              <a:t>Används</a:t>
+            </a:r>
+            <a:r>
+              <a:rPr lang="en-US" sz="1400" i="1" dirty="0" smtClean="0">
+                <a:latin typeface="Minya Nouvelle" pitchFamily="2" charset="0"/>
+              </a:rPr>
+              <a:t> </a:t>
+            </a:r>
+            <a:r>
+              <a:rPr lang="en-US" sz="1400" i="1" dirty="0" err="1" smtClean="0">
+                <a:latin typeface="Minya Nouvelle" pitchFamily="2" charset="0"/>
+              </a:rPr>
+              <a:t>främst</a:t>
+            </a:r>
+            <a:r>
+              <a:rPr lang="en-US" sz="1400" i="1" dirty="0" smtClean="0">
+                <a:latin typeface="Minya Nouvelle" pitchFamily="2" charset="0"/>
+              </a:rPr>
+              <a:t> </a:t>
+            </a:r>
+            <a:r>
+              <a:rPr lang="en-US" sz="1400" i="1" dirty="0" err="1" smtClean="0">
+                <a:latin typeface="Minya Nouvelle" pitchFamily="2" charset="0"/>
+              </a:rPr>
+              <a:t>asynkront</a:t>
+            </a:r>
+            <a:r>
+              <a:rPr lang="en-US" sz="1400" i="1" dirty="0" smtClean="0">
+                <a:latin typeface="Minya Nouvelle" pitchFamily="2" charset="0"/>
+              </a:rPr>
+              <a:t> </a:t>
+            </a:r>
+            <a:r>
+              <a:rPr lang="en-US" sz="1400" i="1" dirty="0" err="1" smtClean="0">
+                <a:latin typeface="Minya Nouvelle" pitchFamily="2" charset="0"/>
+              </a:rPr>
+              <a:t>i</a:t>
+            </a:r>
+            <a:r>
+              <a:rPr lang="en-US" sz="1400" i="1" dirty="0" smtClean="0">
+                <a:latin typeface="Minya Nouvelle" pitchFamily="2" charset="0"/>
+              </a:rPr>
+              <a:t> </a:t>
+            </a:r>
+            <a:r>
+              <a:rPr lang="en-US" sz="1400" i="1" dirty="0" err="1" smtClean="0">
+                <a:latin typeface="Minya Nouvelle" pitchFamily="2" charset="0"/>
+              </a:rPr>
+              <a:t>webbläsaren</a:t>
+            </a:r>
+            <a:endParaRPr lang="en-US" sz="1400" i="1" dirty="0" smtClean="0">
+              <a:latin typeface="Minya Nouvelle" pitchFamily="2" charset="0"/>
+            </a:endParaRPr>
+          </a:p>
+        </p:txBody>
+      </p:sp>
+      <p:sp>
+        <p:nvSpPr>
+          <p:cNvPr id="11" name="TextBox 10"/>
+          <p:cNvSpPr txBox="1"/>
+          <p:nvPr/>
+        </p:nvSpPr>
+        <p:spPr>
+          <a:xfrm>
+            <a:off x="4889898" y="1705372"/>
+            <a:ext cx="2922462" cy="523220"/>
+          </a:xfrm>
+          <a:prstGeom prst="rect">
+            <a:avLst/>
+          </a:prstGeom>
+          <a:noFill/>
+        </p:spPr>
+        <p:txBody>
+          <a:bodyPr wrap="none" rtlCol="0">
+            <a:spAutoFit/>
+          </a:bodyPr>
+          <a:lstStyle/>
+          <a:p>
+            <a:pPr algn="ctr"/>
+            <a:r>
+              <a:rPr lang="en-US" sz="1400" i="1" dirty="0" smtClean="0">
+                <a:latin typeface="Minya Nouvelle" pitchFamily="2" charset="0"/>
+              </a:rPr>
+              <a:t>Common JS</a:t>
+            </a:r>
+          </a:p>
+          <a:p>
+            <a:r>
+              <a:rPr lang="en-US" sz="1400" i="1" dirty="0" err="1" smtClean="0">
+                <a:latin typeface="Minya Nouvelle" pitchFamily="2" charset="0"/>
+              </a:rPr>
+              <a:t>Används</a:t>
+            </a:r>
+            <a:r>
+              <a:rPr lang="en-US" sz="1400" i="1" dirty="0" smtClean="0">
+                <a:latin typeface="Minya Nouvelle" pitchFamily="2" charset="0"/>
+              </a:rPr>
+              <a:t> </a:t>
+            </a:r>
+            <a:r>
+              <a:rPr lang="en-US" sz="1400" i="1" dirty="0" err="1" smtClean="0">
+                <a:latin typeface="Minya Nouvelle" pitchFamily="2" charset="0"/>
+              </a:rPr>
+              <a:t>främst</a:t>
+            </a:r>
+            <a:r>
+              <a:rPr lang="en-US" sz="1400" i="1" dirty="0" smtClean="0">
+                <a:latin typeface="Minya Nouvelle" pitchFamily="2" charset="0"/>
+              </a:rPr>
+              <a:t> </a:t>
+            </a:r>
+            <a:r>
+              <a:rPr lang="en-US" sz="1400" i="1" dirty="0" err="1" smtClean="0">
+                <a:latin typeface="Minya Nouvelle" pitchFamily="2" charset="0"/>
+              </a:rPr>
+              <a:t>synkront</a:t>
+            </a:r>
+            <a:r>
+              <a:rPr lang="en-US" sz="1400" i="1" dirty="0" smtClean="0">
+                <a:latin typeface="Minya Nouvelle" pitchFamily="2" charset="0"/>
+              </a:rPr>
+              <a:t> </a:t>
+            </a:r>
+            <a:r>
+              <a:rPr lang="en-US" sz="1400" i="1" dirty="0" err="1" smtClean="0">
+                <a:latin typeface="Minya Nouvelle" pitchFamily="2" charset="0"/>
+              </a:rPr>
+              <a:t>i</a:t>
+            </a:r>
+            <a:r>
+              <a:rPr lang="en-US" sz="1400" i="1" dirty="0" smtClean="0">
+                <a:latin typeface="Minya Nouvelle" pitchFamily="2" charset="0"/>
+              </a:rPr>
+              <a:t> </a:t>
+            </a:r>
+            <a:r>
+              <a:rPr lang="en-US" sz="1400" i="1" dirty="0" err="1" smtClean="0">
+                <a:latin typeface="Minya Nouvelle" pitchFamily="2" charset="0"/>
+              </a:rPr>
+              <a:t>node.js</a:t>
+            </a:r>
+            <a:endParaRPr lang="en-US" sz="1400" i="1" dirty="0" smtClean="0">
+              <a:latin typeface="Minya Nouvelle" pitchFamily="2" charset="0"/>
+            </a:endParaRPr>
+          </a:p>
+        </p:txBody>
+      </p:sp>
+      <p:sp>
+        <p:nvSpPr>
+          <p:cNvPr id="12" name="Rectangle 11"/>
+          <p:cNvSpPr/>
+          <p:nvPr/>
+        </p:nvSpPr>
+        <p:spPr>
+          <a:xfrm>
+            <a:off x="4644008" y="5161756"/>
+            <a:ext cx="4329393" cy="369332"/>
+          </a:xfrm>
+          <a:prstGeom prst="rect">
+            <a:avLst/>
+          </a:prstGeom>
+        </p:spPr>
+        <p:txBody>
+          <a:bodyPr wrap="none">
+            <a:spAutoFit/>
+          </a:bodyPr>
+          <a:lstStyle/>
+          <a:p>
+            <a:r>
+              <a:rPr lang="en-US" dirty="0"/>
+              <a:t>http://</a:t>
+            </a:r>
+            <a:r>
+              <a:rPr lang="en-US" dirty="0" err="1"/>
+              <a:t>addyosmani.com</a:t>
+            </a:r>
+            <a:r>
+              <a:rPr lang="en-US" dirty="0"/>
+              <a:t>/writing-modular-</a:t>
+            </a:r>
+            <a:r>
+              <a:rPr lang="en-US" dirty="0" err="1"/>
+              <a:t>js</a:t>
+            </a:r>
+            <a:r>
+              <a:rPr lang="en-US" dirty="0"/>
+              <a:t>/</a:t>
+            </a:r>
+          </a:p>
+        </p:txBody>
+      </p:sp>
+    </p:spTree>
+    <p:extLst>
+      <p:ext uri="{BB962C8B-B14F-4D97-AF65-F5344CB8AC3E}">
+        <p14:creationId xmlns:p14="http://schemas.microsoft.com/office/powerpoint/2010/main" val="1291278014"/>
+      </p:ext>
+    </p:extLst>
+  </p:cSld>
+  <p:clrMapOvr>
+    <a:masterClrMapping/>
+  </p:clrMapOvr>
+</p:sld>
+</file>
+
+<file path=ppt/slides/slide27.xml><?xml version="1.0" encoding="utf-8"?>
+<p:sld xmlns:a="http://schemas.openxmlformats.org/drawingml/2006/main" xmlns:r="http://schemas.openxmlformats.org/officeDocument/2006/relationships" xmlns:p="http://schemas.openxmlformats.org/presentationml/2006/main">
+  <p:cSld>
+    <p:spTree>
+      <p:nvGrpSpPr>
+        <p:cNvPr id="1" name=""/>
+        <p:cNvGrpSpPr/>
+        <p:nvPr/>
+      </p:nvGrpSpPr>
+      <p:grpSpPr>
+        <a:xfrm>
+          <a:off x="0" y="0"/>
+          <a:ext cx="0" cy="0"/>
+          <a:chOff x="0" y="0"/>
+          <a:chExt cx="0" cy="0"/>
+        </a:xfrm>
+      </p:grpSpPr>
+      <p:sp>
+        <p:nvSpPr>
+          <p:cNvPr id="2" name="Title 1"/>
+          <p:cNvSpPr>
+            <a:spLocks noGrp="1"/>
+          </p:cNvSpPr>
+          <p:nvPr>
+            <p:ph type="ctrTitle"/>
+          </p:nvPr>
+        </p:nvSpPr>
+        <p:spPr/>
+        <p:txBody>
+          <a:bodyPr/>
+          <a:lstStyle/>
+          <a:p>
+            <a:r>
+              <a:rPr lang="en-US" dirty="0" err="1" smtClean="0"/>
+              <a:t>Require.js</a:t>
+            </a:r>
+            <a:r>
+              <a:rPr lang="en-US" dirty="0" smtClean="0"/>
+              <a:t> (AMD)</a:t>
+            </a:r>
+            <a:endParaRPr lang="en-US" dirty="0"/>
+          </a:p>
+        </p:txBody>
+      </p:sp>
+      <p:pic>
+        <p:nvPicPr>
+          <p:cNvPr id="4" name="Picture 3"/>
+          <p:cNvPicPr>
+            <a:picLocks noChangeAspect="1"/>
+          </p:cNvPicPr>
+          <p:nvPr/>
+        </p:nvPicPr>
+        <p:blipFill>
+          <a:blip r:embed="rId3"/>
+          <a:stretch>
+            <a:fillRect/>
+          </a:stretch>
+        </p:blipFill>
+        <p:spPr>
+          <a:xfrm>
+            <a:off x="251520" y="1489348"/>
+            <a:ext cx="3369580" cy="4032448"/>
+          </a:xfrm>
+          <a:prstGeom prst="rect">
+            <a:avLst/>
+          </a:prstGeom>
+        </p:spPr>
+      </p:pic>
+      <p:pic>
+        <p:nvPicPr>
+          <p:cNvPr id="6" name="Picture 5"/>
+          <p:cNvPicPr>
+            <a:picLocks noChangeAspect="1"/>
+          </p:cNvPicPr>
+          <p:nvPr/>
+        </p:nvPicPr>
+        <p:blipFill>
+          <a:blip r:embed="rId4"/>
+          <a:stretch>
+            <a:fillRect/>
+          </a:stretch>
+        </p:blipFill>
+        <p:spPr>
+          <a:xfrm>
+            <a:off x="3779912" y="1705372"/>
+            <a:ext cx="5181529" cy="3816424"/>
+          </a:xfrm>
+          <a:prstGeom prst="rect">
+            <a:avLst/>
+          </a:prstGeom>
+        </p:spPr>
+      </p:pic>
+      <p:pic>
+        <p:nvPicPr>
+          <p:cNvPr id="7" name="Picture 6"/>
+          <p:cNvPicPr>
+            <a:picLocks noChangeAspect="1"/>
+          </p:cNvPicPr>
+          <p:nvPr/>
+        </p:nvPicPr>
+        <p:blipFill>
+          <a:blip r:embed="rId5"/>
+          <a:stretch>
+            <a:fillRect/>
+          </a:stretch>
+        </p:blipFill>
+        <p:spPr>
+          <a:xfrm>
+            <a:off x="827584" y="1057300"/>
+            <a:ext cx="8136904" cy="365388"/>
+          </a:xfrm>
+          <a:prstGeom prst="rect">
+            <a:avLst/>
+          </a:prstGeom>
+        </p:spPr>
+      </p:pic>
+    </p:spTree>
+    <p:extLst>
+      <p:ext uri="{BB962C8B-B14F-4D97-AF65-F5344CB8AC3E}">
+        <p14:creationId xmlns:p14="http://schemas.microsoft.com/office/powerpoint/2010/main" val="873765189"/>
+      </p:ext>
+    </p:extLst>
+  </p:cSld>
+  <p:clrMapOvr>
+    <a:masterClrMapping/>
+  </p:clrMapOvr>
+</p:sld>
+</file>
+
+<file path=ppt/slides/slide28.xml><?xml version="1.0" encoding="utf-8"?>
+<p:sld xmlns:a="http://schemas.openxmlformats.org/drawingml/2006/main" xmlns:r="http://schemas.openxmlformats.org/officeDocument/2006/relationships" xmlns:p="http://schemas.openxmlformats.org/presentationml/2006/main">
+  <p:cSld>
+    <p:spTree>
+      <p:nvGrpSpPr>
+        <p:cNvPr id="1" name=""/>
+        <p:cNvGrpSpPr/>
+        <p:nvPr/>
+      </p:nvGrpSpPr>
+      <p:grpSpPr>
+        <a:xfrm>
+          <a:off x="0" y="0"/>
+          <a:ext cx="0" cy="0"/>
+          <a:chOff x="0" y="0"/>
+          <a:chExt cx="0" cy="0"/>
+        </a:xfrm>
+      </p:grpSpPr>
+      <p:sp>
+        <p:nvSpPr>
+          <p:cNvPr id="2" name="Title 1"/>
+          <p:cNvSpPr>
+            <a:spLocks noGrp="1"/>
+          </p:cNvSpPr>
+          <p:nvPr>
+            <p:ph type="ctrTitle"/>
+          </p:nvPr>
+        </p:nvSpPr>
+        <p:spPr/>
+        <p:txBody>
+          <a:bodyPr/>
+          <a:lstStyle/>
+          <a:p>
+            <a:r>
+              <a:rPr lang="en-US" dirty="0" err="1" smtClean="0"/>
+              <a:t>Skapa</a:t>
+            </a:r>
+            <a:r>
+              <a:rPr lang="en-US" dirty="0" smtClean="0"/>
+              <a:t> en </a:t>
+            </a:r>
+            <a:r>
+              <a:rPr lang="en-US" dirty="0" err="1" smtClean="0"/>
+              <a:t>modul</a:t>
+            </a:r>
+            <a:endParaRPr lang="en-US" dirty="0"/>
+          </a:p>
+        </p:txBody>
+      </p:sp>
+      <p:pic>
+        <p:nvPicPr>
+          <p:cNvPr id="4" name="Picture 3"/>
+          <p:cNvPicPr>
+            <a:picLocks noChangeAspect="1"/>
+          </p:cNvPicPr>
+          <p:nvPr/>
+        </p:nvPicPr>
+        <p:blipFill>
+          <a:blip r:embed="rId2"/>
+          <a:stretch>
+            <a:fillRect/>
+          </a:stretch>
+        </p:blipFill>
+        <p:spPr>
+          <a:xfrm>
+            <a:off x="1331640" y="1273324"/>
+            <a:ext cx="6680200" cy="4013200"/>
+          </a:xfrm>
+          <a:prstGeom prst="rect">
+            <a:avLst/>
+          </a:prstGeom>
+        </p:spPr>
+      </p:pic>
+    </p:spTree>
+    <p:extLst>
+      <p:ext uri="{BB962C8B-B14F-4D97-AF65-F5344CB8AC3E}">
+        <p14:creationId xmlns:p14="http://schemas.microsoft.com/office/powerpoint/2010/main" val="2758341164"/>
+      </p:ext>
+    </p:extLst>
+  </p:cSld>
+  <p:clrMapOvr>
+    <a:masterClrMapping/>
+  </p:clrMapOvr>
+</p:sld>
+</file>
+
+<file path=ppt/slides/slide29.xml><?xml version="1.0" encoding="utf-8"?>
+<p:sld xmlns:a="http://schemas.openxmlformats.org/drawingml/2006/main" xmlns:r="http://schemas.openxmlformats.org/officeDocument/2006/relationships" xmlns:p="http://schemas.openxmlformats.org/presentationml/2006/main">
+  <p:cSld>
+    <p:spTree>
+      <p:nvGrpSpPr>
+        <p:cNvPr id="1" name=""/>
+        <p:cNvGrpSpPr/>
+        <p:nvPr/>
+      </p:nvGrpSpPr>
+      <p:grpSpPr>
+        <a:xfrm>
+          <a:off x="0" y="0"/>
+          <a:ext cx="0" cy="0"/>
+          <a:chOff x="0" y="0"/>
+          <a:chExt cx="0" cy="0"/>
+        </a:xfrm>
+      </p:grpSpPr>
+      <p:sp>
+        <p:nvSpPr>
+          <p:cNvPr id="2" name="Title 1"/>
+          <p:cNvSpPr>
+            <a:spLocks noGrp="1"/>
+          </p:cNvSpPr>
+          <p:nvPr>
+            <p:ph type="ctrTitle"/>
+          </p:nvPr>
+        </p:nvSpPr>
+        <p:spPr/>
+        <p:txBody>
+          <a:bodyPr/>
+          <a:lstStyle/>
+          <a:p>
+            <a:r>
+              <a:rPr lang="en-US" dirty="0" err="1" smtClean="0"/>
+              <a:t>Vårt</a:t>
+            </a:r>
+            <a:r>
+              <a:rPr lang="en-US" dirty="0" smtClean="0"/>
+              <a:t> </a:t>
+            </a:r>
+            <a:r>
+              <a:rPr lang="en-US" dirty="0" err="1" smtClean="0"/>
+              <a:t>huvudprogram</a:t>
+            </a:r>
+            <a:endParaRPr lang="en-US" dirty="0"/>
+          </a:p>
+        </p:txBody>
+      </p:sp>
+      <p:pic>
+        <p:nvPicPr>
+          <p:cNvPr id="4" name="Picture 3"/>
+          <p:cNvPicPr>
+            <a:picLocks noChangeAspect="1"/>
+          </p:cNvPicPr>
+          <p:nvPr/>
+        </p:nvPicPr>
+        <p:blipFill>
+          <a:blip r:embed="rId2"/>
+          <a:stretch>
+            <a:fillRect/>
+          </a:stretch>
+        </p:blipFill>
+        <p:spPr>
+          <a:xfrm>
+            <a:off x="971600" y="1201316"/>
+            <a:ext cx="7200900" cy="4114800"/>
+          </a:xfrm>
+          <a:prstGeom prst="rect">
+            <a:avLst/>
+          </a:prstGeom>
+        </p:spPr>
+      </p:pic>
+    </p:spTree>
+    <p:extLst>
+      <p:ext uri="{BB962C8B-B14F-4D97-AF65-F5344CB8AC3E}">
+        <p14:creationId xmlns:p14="http://schemas.microsoft.com/office/powerpoint/2010/main" val="2845971811"/>
+      </p:ext>
+    </p:extLst>
+  </p:cSld>
+  <p:clrMapOvr>
+    <a:masterClrMapping/>
+  </p:clrMapOvr>
+</p:sld>
+</file>
+
+<file path=ppt/slides/slide3.xml><?xml version="1.0" encoding="utf-8"?>
+<p:sld xmlns:a="http://schemas.openxmlformats.org/drawingml/2006/main" xmlns:r="http://schemas.openxmlformats.org/officeDocument/2006/relationships" xmlns:p="http://schemas.openxmlformats.org/presentationml/2006/main">
+  <p:cSld>
+    <p:spTree>
+      <p:nvGrpSpPr>
+        <p:cNvPr id="1" name=""/>
+        <p:cNvGrpSpPr/>
+        <p:nvPr/>
+      </p:nvGrpSpPr>
+      <p:grpSpPr>
+        <a:xfrm>
+          <a:off x="0" y="0"/>
+          <a:ext cx="0" cy="0"/>
+          <a:chOff x="0" y="0"/>
+          <a:chExt cx="0" cy="0"/>
+        </a:xfrm>
+      </p:grpSpPr>
+      <p:sp>
+        <p:nvSpPr>
+          <p:cNvPr id="2" name="Title 1"/>
+          <p:cNvSpPr>
+            <a:spLocks noGrp="1"/>
+          </p:cNvSpPr>
+          <p:nvPr>
+            <p:ph type="ctrTitle"/>
+          </p:nvPr>
+        </p:nvSpPr>
+        <p:spPr/>
+        <p:txBody>
+          <a:bodyPr/>
+          <a:lstStyle/>
+          <a:p>
+            <a:r>
+              <a:rPr lang="sv-SE" dirty="0" smtClean="0"/>
+              <a:t>Cookies</a:t>
+            </a:r>
+            <a:endParaRPr lang="sv-SE" dirty="0"/>
+          </a:p>
+        </p:txBody>
+      </p:sp>
+      <p:pic>
+        <p:nvPicPr>
+          <p:cNvPr id="4" name="Picture 2" descr="P:\Icons\128x128\shadow\cookies.png"/>
+          <p:cNvPicPr>
+            <a:picLocks noChangeAspect="1" noChangeArrowheads="1"/>
+          </p:cNvPicPr>
+          <p:nvPr/>
+        </p:nvPicPr>
+        <p:blipFill>
+          <a:blip r:embed="rId3" cstate="print"/>
+          <a:srcRect/>
+          <a:stretch>
+            <a:fillRect/>
+          </a:stretch>
+        </p:blipFill>
+        <p:spPr bwMode="auto">
+          <a:xfrm>
+            <a:off x="8276868" y="265212"/>
+            <a:ext cx="611254" cy="611254"/>
+          </a:xfrm>
+          <a:prstGeom prst="rect">
+            <a:avLst/>
+          </a:prstGeom>
+          <a:noFill/>
+        </p:spPr>
+      </p:pic>
+      <p:sp>
+        <p:nvSpPr>
+          <p:cNvPr id="5" name="TextBox 4"/>
+          <p:cNvSpPr txBox="1"/>
+          <p:nvPr/>
+        </p:nvSpPr>
+        <p:spPr>
+          <a:xfrm>
+            <a:off x="381000" y="3745403"/>
+            <a:ext cx="6248400" cy="1200329"/>
+          </a:xfrm>
+          <a:prstGeom prst="rect">
+            <a:avLst/>
+          </a:prstGeom>
+          <a:noFill/>
+        </p:spPr>
+        <p:txBody>
+          <a:bodyPr wrap="square" rtlCol="0">
+            <a:spAutoFit/>
+          </a:bodyPr>
+          <a:lstStyle/>
+          <a:p>
+            <a:r>
+              <a:rPr lang="sv-SE" dirty="0" smtClean="0">
+                <a:latin typeface="Minya Nouvelle" charset="0"/>
+              </a:rPr>
+              <a:t>Undvik att använda mer än 20 cookies per domän</a:t>
+            </a:r>
+          </a:p>
+          <a:p>
+            <a:r>
+              <a:rPr lang="sv-SE" dirty="0" smtClean="0">
+                <a:latin typeface="Minya Nouvelle" charset="0"/>
+              </a:rPr>
+              <a:t>Håll dig under 4095 tecken per cookie</a:t>
+            </a:r>
+          </a:p>
+          <a:p>
+            <a:endParaRPr lang="sv-SE" dirty="0" smtClean="0">
+              <a:latin typeface="Minya Nouvelle" charset="0"/>
+            </a:endParaRPr>
+          </a:p>
+          <a:p>
+            <a:r>
+              <a:rPr lang="sv-SE" dirty="0" smtClean="0">
+                <a:latin typeface="Minya Nouvelle" charset="0"/>
+              </a:rPr>
+              <a:t>Du kommer åt cookies via </a:t>
+            </a:r>
+            <a:r>
+              <a:rPr lang="sv-SE" b="1" dirty="0" err="1" smtClean="0">
+                <a:latin typeface="Minya Nouvelle" charset="0"/>
+              </a:rPr>
+              <a:t>document.cookie</a:t>
+            </a:r>
+            <a:endParaRPr lang="sv-SE" b="1" dirty="0">
+              <a:latin typeface="Minya Nouvelle" charset="0"/>
+            </a:endParaRPr>
+          </a:p>
+        </p:txBody>
+      </p:sp>
+      <p:sp>
+        <p:nvSpPr>
+          <p:cNvPr id="7" name="TextBox 6"/>
+          <p:cNvSpPr txBox="1"/>
+          <p:nvPr/>
+        </p:nvSpPr>
+        <p:spPr>
+          <a:xfrm>
+            <a:off x="6017797" y="1849388"/>
+            <a:ext cx="2451312" cy="1477328"/>
+          </a:xfrm>
+          <a:prstGeom prst="rect">
+            <a:avLst/>
+          </a:prstGeom>
+          <a:noFill/>
+        </p:spPr>
+        <p:txBody>
+          <a:bodyPr wrap="none" rtlCol="0">
+            <a:spAutoFit/>
+          </a:bodyPr>
+          <a:lstStyle/>
+          <a:p>
+            <a:r>
+              <a:rPr lang="sv-SE" b="1" dirty="0" smtClean="0"/>
+              <a:t>Alternativ:</a:t>
+            </a:r>
+          </a:p>
+          <a:p>
+            <a:r>
+              <a:rPr lang="sv-SE" i="1" dirty="0" smtClean="0"/>
+              <a:t>IP-adress</a:t>
+            </a:r>
+          </a:p>
+          <a:p>
+            <a:r>
+              <a:rPr lang="sv-SE" i="1" dirty="0" smtClean="0"/>
+              <a:t>URL</a:t>
+            </a:r>
+          </a:p>
+          <a:p>
+            <a:r>
+              <a:rPr lang="sv-SE" i="1" dirty="0" smtClean="0"/>
+              <a:t>&lt;input </a:t>
+            </a:r>
+            <a:r>
+              <a:rPr lang="sv-SE" i="1" dirty="0" err="1" smtClean="0"/>
+              <a:t>type=”hidden</a:t>
+            </a:r>
+            <a:r>
+              <a:rPr lang="sv-SE" i="1" dirty="0" smtClean="0"/>
+              <a:t>” /&gt;</a:t>
+            </a:r>
+          </a:p>
+          <a:p>
+            <a:r>
+              <a:rPr lang="sv-SE" i="1" dirty="0" smtClean="0"/>
+              <a:t>Web </a:t>
+            </a:r>
+            <a:r>
+              <a:rPr lang="sv-SE" i="1" dirty="0" err="1" smtClean="0"/>
+              <a:t>Storage</a:t>
+            </a:r>
+            <a:endParaRPr lang="sv-SE" i="1" dirty="0"/>
+          </a:p>
+        </p:txBody>
+      </p:sp>
+      <p:pic>
+        <p:nvPicPr>
+          <p:cNvPr id="9218" name="Picture 2"/>
+          <p:cNvPicPr>
+            <a:picLocks noChangeAspect="1" noChangeArrowheads="1"/>
+          </p:cNvPicPr>
+          <p:nvPr/>
+        </p:nvPicPr>
+        <p:blipFill>
+          <a:blip r:embed="rId4">
+            <a:extLst>
+              <a:ext uri="{28A0092B-C50C-407E-A947-70E740481C1C}">
+                <a14:useLocalDpi xmlns:a14="http://schemas.microsoft.com/office/drawing/2010/main" val="0"/>
+              </a:ext>
+            </a:extLst>
+          </a:blip>
+          <a:srcRect/>
+          <a:stretch>
+            <a:fillRect/>
+          </a:stretch>
+        </p:blipFill>
+        <p:spPr bwMode="auto">
+          <a:xfrm>
+            <a:off x="467544" y="1371228"/>
+            <a:ext cx="4828570" cy="2278360"/>
+          </a:xfrm>
+          <a:prstGeom prst="rect">
+            <a:avLst/>
+          </a:prstGeom>
+          <a:noFill/>
+          <a:ln>
+            <a:noFill/>
+          </a:ln>
+          <a:effectLst/>
+          <a:extLst>
+            <a:ext uri="{909E8E84-426E-40dd-AFC4-6F175D3DCCD1}">
+              <a14:hiddenFill xmlns:a14="http://schemas.microsoft.com/office/drawing/2010/main">
+                <a:solidFill>
+                  <a:schemeClr val="accent1"/>
+                </a:solidFill>
+              </a14:hiddenFill>
+            </a:ext>
+            <a:ext uri="{91240B29-F687-4f45-9708-019B960494DF}">
+              <a14:hiddenLine xmlns:a14="http://schemas.microsoft.com/office/drawing/2010/main" w="9525">
+                <a:solidFill>
+                  <a:schemeClr val="tx1"/>
+                </a:solidFill>
+                <a:miter lim="800000"/>
+                <a:headEnd/>
+                <a:tailEnd/>
+              </a14:hiddenLine>
+            </a:ext>
+            <a:ext uri="{AF507438-7753-43e0-B8FC-AC1667EBCBE1}">
+              <a14:hiddenEffects xmlns:a14="http://schemas.microsoft.com/office/drawing/2010/main">
+                <a:effectLst>
+                  <a:outerShdw dist="35921" dir="2700000" algn="ctr" rotWithShape="0">
+                    <a:schemeClr val="bg2"/>
+                  </a:outerShdw>
+                </a:effectLst>
+              </a14:hiddenEffects>
+            </a:ext>
+          </a:extLst>
+        </p:spPr>
+      </p:pic>
+    </p:spTree>
+    <p:extLst>
+      <p:ext uri="{BB962C8B-B14F-4D97-AF65-F5344CB8AC3E}">
+        <p14:creationId xmlns:p14="http://schemas.microsoft.com/office/powerpoint/2010/main" val="1181114920"/>
+      </p:ext>
+    </p:extLst>
+  </p:cSld>
+  <p:clrMapOvr>
+    <a:masterClrMapping/>
+  </p:clrMapOvr>
+  <p:timing>
+    <p:tnLst>
+      <p:par>
+        <p:cTn xmlns:p14="http://schemas.microsoft.com/office/powerpoint/2010/main" id="1" dur="indefinite" restart="never" nodeType="tmRoot"/>
+      </p:par>
+    </p:tnLst>
+  </p:timing>
+</p:sld>
+</file>
+
+<file path=ppt/slides/slide30.xml><?xml version="1.0" encoding="utf-8"?>
+<p:sld xmlns:a="http://schemas.openxmlformats.org/drawingml/2006/main" xmlns:r="http://schemas.openxmlformats.org/officeDocument/2006/relationships" xmlns:p="http://schemas.openxmlformats.org/presentationml/2006/main">
+  <p:cSld>
+    <p:spTree>
+      <p:nvGrpSpPr>
+        <p:cNvPr id="1" name=""/>
+        <p:cNvGrpSpPr/>
+        <p:nvPr/>
+      </p:nvGrpSpPr>
+      <p:grpSpPr>
+        <a:xfrm>
+          <a:off x="0" y="0"/>
+          <a:ext cx="0" cy="0"/>
+          <a:chOff x="0" y="0"/>
+          <a:chExt cx="0" cy="0"/>
+        </a:xfrm>
+      </p:grpSpPr>
+      <p:sp>
+        <p:nvSpPr>
+          <p:cNvPr id="2" name="Title 1"/>
+          <p:cNvSpPr>
+            <a:spLocks noGrp="1"/>
+          </p:cNvSpPr>
+          <p:nvPr>
+            <p:ph type="ctrTitle"/>
+          </p:nvPr>
+        </p:nvSpPr>
+        <p:spPr/>
+        <p:txBody>
+          <a:bodyPr/>
+          <a:lstStyle/>
+          <a:p>
+            <a:endParaRPr lang="en-US" dirty="0"/>
+          </a:p>
+        </p:txBody>
+      </p:sp>
+      <p:pic>
+        <p:nvPicPr>
+          <p:cNvPr id="4" name="Picture 3"/>
+          <p:cNvPicPr>
+            <a:picLocks noChangeAspect="1"/>
+          </p:cNvPicPr>
+          <p:nvPr/>
+        </p:nvPicPr>
+        <p:blipFill>
+          <a:blip r:embed="rId2"/>
+          <a:stretch>
+            <a:fillRect/>
+          </a:stretch>
+        </p:blipFill>
+        <p:spPr>
+          <a:xfrm>
+            <a:off x="179512" y="337220"/>
+            <a:ext cx="8805802" cy="5184576"/>
+          </a:xfrm>
+          <a:prstGeom prst="rect">
+            <a:avLst/>
+          </a:prstGeom>
+        </p:spPr>
+      </p:pic>
+      <p:sp>
+        <p:nvSpPr>
+          <p:cNvPr id="5" name="TextBox 4"/>
+          <p:cNvSpPr txBox="1"/>
+          <p:nvPr/>
+        </p:nvSpPr>
+        <p:spPr>
+          <a:xfrm rot="648745">
+            <a:off x="5034629" y="1369007"/>
+            <a:ext cx="3384376" cy="646331"/>
+          </a:xfrm>
+          <a:prstGeom prst="rect">
+            <a:avLst/>
+          </a:prstGeom>
+          <a:noFill/>
+        </p:spPr>
+        <p:txBody>
+          <a:bodyPr wrap="square" rtlCol="0">
+            <a:spAutoFit/>
+          </a:bodyPr>
+          <a:lstStyle/>
+          <a:p>
+            <a:r>
+              <a:rPr lang="en-US" dirty="0" err="1" smtClean="0">
+                <a:solidFill>
+                  <a:srgbClr val="FF0000"/>
+                </a:solidFill>
+                <a:latin typeface="Minya Nouvelle" pitchFamily="2" charset="0"/>
+              </a:rPr>
+              <a:t>Alternativ</a:t>
+            </a:r>
+            <a:r>
+              <a:rPr lang="en-US" dirty="0" smtClean="0">
+                <a:solidFill>
+                  <a:srgbClr val="FF0000"/>
+                </a:solidFill>
+                <a:latin typeface="Minya Nouvelle" pitchFamily="2" charset="0"/>
+              </a:rPr>
+              <a:t> </a:t>
+            </a:r>
+            <a:r>
+              <a:rPr lang="en-US" dirty="0" err="1" smtClean="0">
+                <a:solidFill>
+                  <a:srgbClr val="FF0000"/>
+                </a:solidFill>
+                <a:latin typeface="Minya Nouvelle" pitchFamily="2" charset="0"/>
+              </a:rPr>
+              <a:t>om</a:t>
+            </a:r>
+            <a:r>
+              <a:rPr lang="en-US" dirty="0" smtClean="0">
+                <a:solidFill>
+                  <a:srgbClr val="FF0000"/>
+                </a:solidFill>
+                <a:latin typeface="Minya Nouvelle" pitchFamily="2" charset="0"/>
+              </a:rPr>
+              <a:t> </a:t>
+            </a:r>
+            <a:r>
+              <a:rPr lang="en-US" dirty="0" err="1" smtClean="0">
+                <a:solidFill>
+                  <a:srgbClr val="FF0000"/>
+                </a:solidFill>
+                <a:latin typeface="Minya Nouvelle" pitchFamily="2" charset="0"/>
+              </a:rPr>
+              <a:t>MessageBoard</a:t>
+            </a:r>
+            <a:r>
+              <a:rPr lang="en-US" dirty="0" smtClean="0">
+                <a:solidFill>
+                  <a:srgbClr val="FF0000"/>
+                </a:solidFill>
+                <a:latin typeface="Minya Nouvelle" pitchFamily="2" charset="0"/>
+              </a:rPr>
+              <a:t> </a:t>
+            </a:r>
+            <a:r>
+              <a:rPr lang="en-US" dirty="0" err="1" smtClean="0">
+                <a:solidFill>
+                  <a:srgbClr val="FF0000"/>
+                </a:solidFill>
+                <a:latin typeface="Minya Nouvelle" pitchFamily="2" charset="0"/>
+              </a:rPr>
+              <a:t>vore</a:t>
+            </a:r>
+            <a:r>
+              <a:rPr lang="en-US" dirty="0" smtClean="0">
+                <a:solidFill>
+                  <a:srgbClr val="FF0000"/>
+                </a:solidFill>
+                <a:latin typeface="Minya Nouvelle" pitchFamily="2" charset="0"/>
+              </a:rPr>
+              <a:t> en </a:t>
+            </a:r>
+            <a:r>
+              <a:rPr lang="en-US" dirty="0" err="1" smtClean="0">
+                <a:solidFill>
+                  <a:srgbClr val="FF0000"/>
+                </a:solidFill>
+                <a:latin typeface="Minya Nouvelle" pitchFamily="2" charset="0"/>
+              </a:rPr>
+              <a:t>konstrukturfunktion</a:t>
+            </a:r>
+            <a:endParaRPr lang="en-US" dirty="0" smtClean="0">
+              <a:solidFill>
+                <a:srgbClr val="FF0000"/>
+              </a:solidFill>
+              <a:latin typeface="Minya Nouvelle" pitchFamily="2" charset="0"/>
+            </a:endParaRPr>
+          </a:p>
+        </p:txBody>
+      </p:sp>
+    </p:spTree>
+    <p:extLst>
+      <p:ext uri="{BB962C8B-B14F-4D97-AF65-F5344CB8AC3E}">
+        <p14:creationId xmlns:p14="http://schemas.microsoft.com/office/powerpoint/2010/main" val="1792462373"/>
+      </p:ext>
+    </p:extLst>
+  </p:cSld>
+  <p:clrMapOvr>
+    <a:masterClrMapping/>
+  </p:clrMapOvr>
+</p:sld>
+</file>
+
+<file path=ppt/slides/slide31.xml><?xml version="1.0" encoding="utf-8"?>
 <p:sld xmlns:a="http://schemas.openxmlformats.org/drawingml/2006/main" xmlns:r="http://schemas.openxmlformats.org/officeDocument/2006/relationships" xmlns:p="http://schemas.openxmlformats.org/presentationml/2006/main">
   <p:cSld>
     <p:spTree>
@@ -11361,14 +15293,14 @@
           </a:ln>
           <a:effectLst/>
           <a:extLst>
-            <a:ext uri="{909E8E84-426E-40DD-AFC4-6F175D3DCCD1}">
+            <a:ext uri="{909E8E84-426E-40dd-AFC4-6F175D3DCCD1}">
               <a14:hiddenFill xmlns:a14="http://schemas.microsoft.com/office/drawing/2010/main">
                 <a:solidFill>
                   <a:schemeClr val="accent1"/>
                 </a:solidFill>
               </a14:hiddenFill>
             </a:ext>
-            <a:ext uri="{91240B29-F687-4F45-9708-019B960494DF}">
+            <a:ext uri="{91240B29-F687-4f45-9708-019B960494DF}">
               <a14:hiddenLine xmlns:a14="http://schemas.microsoft.com/office/drawing/2010/main" w="9525">
                 <a:solidFill>
                   <a:schemeClr val="tx1"/>
@@ -11378,7 +15310,7 @@
                 <a:tailEnd/>
               </a14:hiddenLine>
             </a:ext>
-            <a:ext uri="{AF507438-7753-43E0-B8FC-AC1667EBCBE1}">
+            <a:ext uri="{AF507438-7753-43e0-B8FC-AC1667EBCBE1}">
               <a14:hiddenEffects xmlns:a14="http://schemas.microsoft.com/office/drawing/2010/main">
                 <a:effectLst>
                   <a:outerShdw dist="35921" dir="2700000" algn="ctr" rotWithShape="0">
@@ -11393,7 +15325,7 @@
     </p:spTree>
     <p:extLst>
       <p:ext uri="{BB962C8B-B14F-4D97-AF65-F5344CB8AC3E}">
-        <p14:creationId xmlns:p14="http://schemas.microsoft.com/office/powerpoint/2010/main" val="1984703633"/>
+        <p14:creationId xmlns:p14="http://schemas.microsoft.com/office/powerpoint/2010/main" val="2389348960"/>
       </p:ext>
     </p:extLst>
   </p:cSld>
@@ -11403,828 +15335,14 @@
   <p:timing>
     <p:tnLst>
       <p:par>
-        <p:cTn id="1" dur="indefinite" restart="never" nodeType="tmRoot"/>
+        <p:cTn xmlns:p14="http://schemas.microsoft.com/office/powerpoint/2010/main" id="1" dur="indefinite" restart="never" nodeType="tmRoot"/>
       </p:par>
     </p:tnLst>
   </p:timing>
 </p:sld>
 </file>
 
-<file path=ppt/slides/slide17.xml><?xml version="1.0" encoding="utf-8"?>
-<p:sld xmlns:a="http://schemas.openxmlformats.org/drawingml/2006/main" xmlns:r="http://schemas.openxmlformats.org/officeDocument/2006/relationships" xmlns:p="http://schemas.openxmlformats.org/presentationml/2006/main">
-  <p:cSld>
-    <p:spTree>
-      <p:nvGrpSpPr>
-        <p:cNvPr id="1" name=""/>
-        <p:cNvGrpSpPr/>
-        <p:nvPr/>
-      </p:nvGrpSpPr>
-      <p:grpSpPr>
-        <a:xfrm>
-          <a:off x="0" y="0"/>
-          <a:ext cx="0" cy="0"/>
-          <a:chOff x="0" y="0"/>
-          <a:chExt cx="0" cy="0"/>
-        </a:xfrm>
-      </p:grpSpPr>
-      <p:pic>
-        <p:nvPicPr>
-          <p:cNvPr id="8209" name="Picture 17"/>
-          <p:cNvPicPr>
-            <a:picLocks noChangeAspect="1" noChangeArrowheads="1"/>
-          </p:cNvPicPr>
-          <p:nvPr/>
-        </p:nvPicPr>
-        <p:blipFill>
-          <a:blip r:embed="rId2">
-            <a:extLst>
-              <a:ext uri="{28A0092B-C50C-407E-A947-70E740481C1C}">
-                <a14:useLocalDpi xmlns:a14="http://schemas.microsoft.com/office/drawing/2010/main" val="0"/>
-              </a:ext>
-            </a:extLst>
-          </a:blip>
-          <a:srcRect/>
-          <a:stretch>
-            <a:fillRect/>
-          </a:stretch>
-        </p:blipFill>
-        <p:spPr bwMode="auto">
-          <a:xfrm>
-            <a:off x="6186586" y="1129308"/>
-            <a:ext cx="2647950" cy="1085850"/>
-          </a:xfrm>
-          <a:prstGeom prst="rect">
-            <a:avLst/>
-          </a:prstGeom>
-          <a:noFill/>
-          <a:ln>
-            <a:noFill/>
-          </a:ln>
-          <a:effectLst/>
-          <a:extLst>
-            <a:ext uri="{909E8E84-426E-40DD-AFC4-6F175D3DCCD1}">
-              <a14:hiddenFill xmlns:a14="http://schemas.microsoft.com/office/drawing/2010/main">
-                <a:solidFill>
-                  <a:schemeClr val="accent1"/>
-                </a:solidFill>
-              </a14:hiddenFill>
-            </a:ext>
-            <a:ext uri="{91240B29-F687-4F45-9708-019B960494DF}">
-              <a14:hiddenLine xmlns:a14="http://schemas.microsoft.com/office/drawing/2010/main" w="9525">
-                <a:solidFill>
-                  <a:schemeClr val="tx1"/>
-                </a:solidFill>
-                <a:miter lim="800000"/>
-                <a:headEnd/>
-                <a:tailEnd/>
-              </a14:hiddenLine>
-            </a:ext>
-            <a:ext uri="{AF507438-7753-43E0-B8FC-AC1667EBCBE1}">
-              <a14:hiddenEffects xmlns:a14="http://schemas.microsoft.com/office/drawing/2010/main">
-                <a:effectLst>
-                  <a:outerShdw dist="35921" dir="2700000" algn="ctr" rotWithShape="0">
-                    <a:schemeClr val="bg2"/>
-                  </a:outerShdw>
-                </a:effectLst>
-              </a14:hiddenEffects>
-            </a:ext>
-          </a:extLst>
-        </p:spPr>
-      </p:pic>
-      <p:sp>
-        <p:nvSpPr>
-          <p:cNvPr id="2" name="Title 1"/>
-          <p:cNvSpPr>
-            <a:spLocks noGrp="1"/>
-          </p:cNvSpPr>
-          <p:nvPr>
-            <p:ph type="ctrTitle"/>
-          </p:nvPr>
-        </p:nvSpPr>
-        <p:spPr/>
-        <p:txBody>
-          <a:bodyPr/>
-          <a:lstStyle/>
-          <a:p>
-            <a:r>
-              <a:rPr lang="sv-SE" dirty="0" smtClean="0"/>
-              <a:t>Få hjälp</a:t>
-            </a:r>
-            <a:endParaRPr lang="sv-SE" dirty="0"/>
-          </a:p>
-        </p:txBody>
-      </p:sp>
-      <p:pic>
-        <p:nvPicPr>
-          <p:cNvPr id="4" name="Picture 7" descr="PPT8C73.jpg"/>
-          <p:cNvPicPr>
-            <a:picLocks noChangeAspect="1"/>
-          </p:cNvPicPr>
-          <p:nvPr/>
-        </p:nvPicPr>
-        <p:blipFill>
-          <a:blip r:embed="rId3" cstate="print"/>
-          <a:srcRect/>
-          <a:stretch>
-            <a:fillRect/>
-          </a:stretch>
-        </p:blipFill>
-        <p:spPr bwMode="auto">
-          <a:xfrm>
-            <a:off x="2607530" y="5258662"/>
-            <a:ext cx="590760" cy="109400"/>
-          </a:xfrm>
-          <a:prstGeom prst="rect">
-            <a:avLst/>
-          </a:prstGeom>
-          <a:noFill/>
-          <a:ln w="9525">
-            <a:noFill/>
-            <a:miter lim="800000"/>
-            <a:headEnd/>
-            <a:tailEnd/>
-          </a:ln>
-        </p:spPr>
-      </p:pic>
-      <p:pic>
-        <p:nvPicPr>
-          <p:cNvPr id="5" name="Picture 8" descr="PPT7BE1.jpg"/>
-          <p:cNvPicPr>
-            <a:picLocks noChangeAspect="1"/>
-          </p:cNvPicPr>
-          <p:nvPr/>
-        </p:nvPicPr>
-        <p:blipFill>
-          <a:blip r:embed="rId4" cstate="print"/>
-          <a:srcRect/>
-          <a:stretch>
-            <a:fillRect/>
-          </a:stretch>
-        </p:blipFill>
-        <p:spPr bwMode="auto">
-          <a:xfrm>
-            <a:off x="306220" y="1032399"/>
-            <a:ext cx="2404663" cy="800187"/>
-          </a:xfrm>
-          <a:prstGeom prst="rect">
-            <a:avLst/>
-          </a:prstGeom>
-          <a:noFill/>
-          <a:ln w="9525">
-            <a:noFill/>
-            <a:miter lim="800000"/>
-            <a:headEnd/>
-            <a:tailEnd/>
-          </a:ln>
-        </p:spPr>
-      </p:pic>
-      <p:pic>
-        <p:nvPicPr>
-          <p:cNvPr id="6" name="Picture 9" descr="PPT62D6.jpg"/>
-          <p:cNvPicPr>
-            <a:picLocks noChangeAspect="1"/>
-          </p:cNvPicPr>
-          <p:nvPr/>
-        </p:nvPicPr>
-        <p:blipFill>
-          <a:blip r:embed="rId5" cstate="print"/>
-          <a:srcRect/>
-          <a:stretch>
-            <a:fillRect/>
-          </a:stretch>
-        </p:blipFill>
-        <p:spPr bwMode="auto">
-          <a:xfrm>
-            <a:off x="732986" y="4532784"/>
-            <a:ext cx="1977897" cy="218855"/>
-          </a:xfrm>
-          <a:prstGeom prst="rect">
-            <a:avLst/>
-          </a:prstGeom>
-          <a:noFill/>
-          <a:ln w="9525">
-            <a:noFill/>
-            <a:miter lim="800000"/>
-            <a:headEnd/>
-            <a:tailEnd/>
-          </a:ln>
-        </p:spPr>
-      </p:pic>
-      <p:pic>
-        <p:nvPicPr>
-          <p:cNvPr id="8" name="Picture 11" descr="PPT5EB3.jpg"/>
-          <p:cNvPicPr>
-            <a:picLocks noChangeAspect="1"/>
-          </p:cNvPicPr>
-          <p:nvPr/>
-        </p:nvPicPr>
-        <p:blipFill>
-          <a:blip r:embed="rId6" cstate="print"/>
-          <a:srcRect/>
-          <a:stretch>
-            <a:fillRect/>
-          </a:stretch>
-        </p:blipFill>
-        <p:spPr bwMode="auto">
-          <a:xfrm>
-            <a:off x="275784" y="4786784"/>
-            <a:ext cx="1690651" cy="724955"/>
-          </a:xfrm>
-          <a:prstGeom prst="rect">
-            <a:avLst/>
-          </a:prstGeom>
-          <a:noFill/>
-          <a:ln w="9525">
-            <a:noFill/>
-            <a:miter lim="800000"/>
-            <a:headEnd/>
-            <a:tailEnd/>
-          </a:ln>
-        </p:spPr>
-      </p:pic>
-      <p:pic>
-        <p:nvPicPr>
-          <p:cNvPr id="11" name="Picture 14" descr="PPT3D90.jpg"/>
-          <p:cNvPicPr>
-            <a:picLocks noChangeAspect="1"/>
-          </p:cNvPicPr>
-          <p:nvPr/>
-        </p:nvPicPr>
-        <p:blipFill>
-          <a:blip r:embed="rId7" cstate="print"/>
-          <a:srcRect/>
-          <a:stretch>
-            <a:fillRect/>
-          </a:stretch>
-        </p:blipFill>
-        <p:spPr bwMode="auto">
-          <a:xfrm>
-            <a:off x="269435" y="2119784"/>
-            <a:ext cx="2330800" cy="649725"/>
-          </a:xfrm>
-          <a:prstGeom prst="rect">
-            <a:avLst/>
-          </a:prstGeom>
-          <a:noFill/>
-          <a:ln w="9525">
-            <a:noFill/>
-            <a:miter lim="800000"/>
-            <a:headEnd/>
-            <a:tailEnd/>
-          </a:ln>
-        </p:spPr>
-      </p:pic>
-      <p:pic>
-        <p:nvPicPr>
-          <p:cNvPr id="13" name="Picture 16" descr="PPTD1F4.jpg"/>
-          <p:cNvPicPr>
-            <a:picLocks noChangeAspect="1"/>
-          </p:cNvPicPr>
-          <p:nvPr/>
-        </p:nvPicPr>
-        <p:blipFill>
-          <a:blip r:embed="rId8" cstate="print"/>
-          <a:srcRect/>
-          <a:stretch>
-            <a:fillRect/>
-          </a:stretch>
-        </p:blipFill>
-        <p:spPr bwMode="auto">
-          <a:xfrm>
-            <a:off x="2710883" y="3721596"/>
-            <a:ext cx="5309957" cy="1162664"/>
-          </a:xfrm>
-          <a:prstGeom prst="rect">
-            <a:avLst/>
-          </a:prstGeom>
-          <a:noFill/>
-          <a:ln w="9525">
-            <a:noFill/>
-            <a:miter lim="800000"/>
-            <a:headEnd/>
-            <a:tailEnd/>
-          </a:ln>
-        </p:spPr>
-      </p:pic>
-      <p:pic>
-        <p:nvPicPr>
-          <p:cNvPr id="16" name="Picture 3" descr="PPT7EE8.jpg"/>
-          <p:cNvPicPr>
-            <a:picLocks noChangeAspect="1"/>
-          </p:cNvPicPr>
-          <p:nvPr/>
-        </p:nvPicPr>
-        <p:blipFill>
-          <a:blip r:embed="rId9" cstate="print"/>
-          <a:srcRect/>
-          <a:stretch>
-            <a:fillRect/>
-          </a:stretch>
-        </p:blipFill>
-        <p:spPr bwMode="auto">
-          <a:xfrm>
-            <a:off x="2637986" y="1484784"/>
-            <a:ext cx="1983368" cy="820704"/>
-          </a:xfrm>
-          <a:prstGeom prst="rect">
-            <a:avLst/>
-          </a:prstGeom>
-          <a:noFill/>
-          <a:ln w="9525">
-            <a:noFill/>
-            <a:miter lim="800000"/>
-            <a:headEnd/>
-            <a:tailEnd/>
-          </a:ln>
-        </p:spPr>
-      </p:pic>
-      <p:pic>
-        <p:nvPicPr>
-          <p:cNvPr id="8195" name="Picture 3"/>
-          <p:cNvPicPr>
-            <a:picLocks noChangeAspect="1" noChangeArrowheads="1"/>
-          </p:cNvPicPr>
-          <p:nvPr/>
-        </p:nvPicPr>
-        <p:blipFill>
-          <a:blip r:embed="rId10">
-            <a:extLst>
-              <a:ext uri="{28A0092B-C50C-407E-A947-70E740481C1C}">
-                <a14:useLocalDpi xmlns:a14="http://schemas.microsoft.com/office/drawing/2010/main" val="0"/>
-              </a:ext>
-            </a:extLst>
-          </a:blip>
-          <a:srcRect/>
-          <a:stretch>
-            <a:fillRect/>
-          </a:stretch>
-        </p:blipFill>
-        <p:spPr bwMode="auto">
-          <a:xfrm>
-            <a:off x="1966435" y="2286145"/>
-            <a:ext cx="2934022" cy="1066917"/>
-          </a:xfrm>
-          <a:prstGeom prst="rect">
-            <a:avLst/>
-          </a:prstGeom>
-          <a:noFill/>
-          <a:ln>
-            <a:noFill/>
-          </a:ln>
-          <a:effectLst/>
-          <a:extLst>
-            <a:ext uri="{909E8E84-426E-40DD-AFC4-6F175D3DCCD1}">
-              <a14:hiddenFill xmlns:a14="http://schemas.microsoft.com/office/drawing/2010/main">
-                <a:solidFill>
-                  <a:schemeClr val="accent1"/>
-                </a:solidFill>
-              </a14:hiddenFill>
-            </a:ext>
-            <a:ext uri="{91240B29-F687-4F45-9708-019B960494DF}">
-              <a14:hiddenLine xmlns:a14="http://schemas.microsoft.com/office/drawing/2010/main" w="9525">
-                <a:solidFill>
-                  <a:schemeClr val="tx1"/>
-                </a:solidFill>
-                <a:miter lim="800000"/>
-                <a:headEnd/>
-                <a:tailEnd/>
-              </a14:hiddenLine>
-            </a:ext>
-            <a:ext uri="{AF507438-7753-43E0-B8FC-AC1667EBCBE1}">
-              <a14:hiddenEffects xmlns:a14="http://schemas.microsoft.com/office/drawing/2010/main">
-                <a:effectLst>
-                  <a:outerShdw dist="35921" dir="2700000" algn="ctr" rotWithShape="0">
-                    <a:schemeClr val="bg2"/>
-                  </a:outerShdw>
-                </a:effectLst>
-              </a14:hiddenEffects>
-            </a:ext>
-          </a:extLst>
-        </p:spPr>
-      </p:pic>
-      <p:pic>
-        <p:nvPicPr>
-          <p:cNvPr id="8198" name="Picture 6"/>
-          <p:cNvPicPr>
-            <a:picLocks noChangeAspect="1" noChangeArrowheads="1"/>
-          </p:cNvPicPr>
-          <p:nvPr/>
-        </p:nvPicPr>
-        <p:blipFill>
-          <a:blip r:embed="rId11">
-            <a:extLst>
-              <a:ext uri="{28A0092B-C50C-407E-A947-70E740481C1C}">
-                <a14:useLocalDpi xmlns:a14="http://schemas.microsoft.com/office/drawing/2010/main" val="0"/>
-              </a:ext>
-            </a:extLst>
-          </a:blip>
-          <a:srcRect/>
-          <a:stretch>
-            <a:fillRect/>
-          </a:stretch>
-        </p:blipFill>
-        <p:spPr bwMode="auto">
-          <a:xfrm>
-            <a:off x="516271" y="2934123"/>
-            <a:ext cx="1209675" cy="1228725"/>
-          </a:xfrm>
-          <a:prstGeom prst="rect">
-            <a:avLst/>
-          </a:prstGeom>
-          <a:noFill/>
-          <a:ln>
-            <a:noFill/>
-          </a:ln>
-          <a:effectLst/>
-          <a:extLst>
-            <a:ext uri="{909E8E84-426E-40DD-AFC4-6F175D3DCCD1}">
-              <a14:hiddenFill xmlns:a14="http://schemas.microsoft.com/office/drawing/2010/main">
-                <a:solidFill>
-                  <a:schemeClr val="accent1"/>
-                </a:solidFill>
-              </a14:hiddenFill>
-            </a:ext>
-            <a:ext uri="{91240B29-F687-4F45-9708-019B960494DF}">
-              <a14:hiddenLine xmlns:a14="http://schemas.microsoft.com/office/drawing/2010/main" w="9525">
-                <a:solidFill>
-                  <a:schemeClr val="tx1"/>
-                </a:solidFill>
-                <a:miter lim="800000"/>
-                <a:headEnd/>
-                <a:tailEnd/>
-              </a14:hiddenLine>
-            </a:ext>
-            <a:ext uri="{AF507438-7753-43E0-B8FC-AC1667EBCBE1}">
-              <a14:hiddenEffects xmlns:a14="http://schemas.microsoft.com/office/drawing/2010/main">
-                <a:effectLst>
-                  <a:outerShdw dist="35921" dir="2700000" algn="ctr" rotWithShape="0">
-                    <a:schemeClr val="bg2"/>
-                  </a:outerShdw>
-                </a:effectLst>
-              </a14:hiddenEffects>
-            </a:ext>
-          </a:extLst>
-        </p:spPr>
-      </p:pic>
-      <p:pic>
-        <p:nvPicPr>
-          <p:cNvPr id="8199" name="Picture 7"/>
-          <p:cNvPicPr>
-            <a:picLocks noChangeAspect="1" noChangeArrowheads="1"/>
-          </p:cNvPicPr>
-          <p:nvPr/>
-        </p:nvPicPr>
-        <p:blipFill>
-          <a:blip r:embed="rId12" cstate="print">
-            <a:extLst>
-              <a:ext uri="{28A0092B-C50C-407E-A947-70E740481C1C}">
-                <a14:useLocalDpi xmlns:a14="http://schemas.microsoft.com/office/drawing/2010/main" val="0"/>
-              </a:ext>
-            </a:extLst>
-          </a:blip>
-          <a:srcRect/>
-          <a:stretch>
-            <a:fillRect/>
-          </a:stretch>
-        </p:blipFill>
-        <p:spPr bwMode="auto">
-          <a:xfrm>
-            <a:off x="4237998" y="3181189"/>
-            <a:ext cx="782390" cy="236251"/>
-          </a:xfrm>
-          <a:prstGeom prst="rect">
-            <a:avLst/>
-          </a:prstGeom>
-          <a:noFill/>
-          <a:ln>
-            <a:noFill/>
-          </a:ln>
-          <a:effectLst/>
-          <a:extLst>
-            <a:ext uri="{909E8E84-426E-40DD-AFC4-6F175D3DCCD1}">
-              <a14:hiddenFill xmlns:a14="http://schemas.microsoft.com/office/drawing/2010/main">
-                <a:solidFill>
-                  <a:schemeClr val="accent1"/>
-                </a:solidFill>
-              </a14:hiddenFill>
-            </a:ext>
-            <a:ext uri="{91240B29-F687-4F45-9708-019B960494DF}">
-              <a14:hiddenLine xmlns:a14="http://schemas.microsoft.com/office/drawing/2010/main" w="9525">
-                <a:solidFill>
-                  <a:schemeClr val="tx1"/>
-                </a:solidFill>
-                <a:miter lim="800000"/>
-                <a:headEnd/>
-                <a:tailEnd/>
-              </a14:hiddenLine>
-            </a:ext>
-            <a:ext uri="{AF507438-7753-43E0-B8FC-AC1667EBCBE1}">
-              <a14:hiddenEffects xmlns:a14="http://schemas.microsoft.com/office/drawing/2010/main">
-                <a:effectLst>
-                  <a:outerShdw dist="35921" dir="2700000" algn="ctr" rotWithShape="0">
-                    <a:schemeClr val="bg2"/>
-                  </a:outerShdw>
-                </a:effectLst>
-              </a14:hiddenEffects>
-            </a:ext>
-          </a:extLst>
-        </p:spPr>
-      </p:pic>
-      <p:pic>
-        <p:nvPicPr>
-          <p:cNvPr id="8201" name="Picture 9" descr="The YUI Library"/>
-          <p:cNvPicPr>
-            <a:picLocks noChangeAspect="1" noChangeArrowheads="1"/>
-          </p:cNvPicPr>
-          <p:nvPr/>
-        </p:nvPicPr>
-        <p:blipFill>
-          <a:blip r:embed="rId13">
-            <a:extLst>
-              <a:ext uri="{28A0092B-C50C-407E-A947-70E740481C1C}">
-                <a14:useLocalDpi xmlns:a14="http://schemas.microsoft.com/office/drawing/2010/main" val="0"/>
-              </a:ext>
-            </a:extLst>
-          </a:blip>
-          <a:srcRect/>
-          <a:stretch>
-            <a:fillRect/>
-          </a:stretch>
-        </p:blipFill>
-        <p:spPr bwMode="auto">
-          <a:xfrm>
-            <a:off x="5123820" y="1989888"/>
-            <a:ext cx="2476500" cy="1533526"/>
-          </a:xfrm>
-          <a:prstGeom prst="rect">
-            <a:avLst/>
-          </a:prstGeom>
-          <a:noFill/>
-          <a:extLst>
-            <a:ext uri="{909E8E84-426E-40DD-AFC4-6F175D3DCCD1}">
-              <a14:hiddenFill xmlns:a14="http://schemas.microsoft.com/office/drawing/2010/main">
-                <a:solidFill>
-                  <a:srgbClr val="FFFFFF"/>
-                </a:solidFill>
-              </a14:hiddenFill>
-            </a:ext>
-          </a:extLst>
-        </p:spPr>
-      </p:pic>
-      <p:pic>
-        <p:nvPicPr>
-          <p:cNvPr id="8204" name="Picture 12"/>
-          <p:cNvPicPr>
-            <a:picLocks noChangeAspect="1" noChangeArrowheads="1"/>
-          </p:cNvPicPr>
-          <p:nvPr/>
-        </p:nvPicPr>
-        <p:blipFill>
-          <a:blip r:embed="rId14">
-            <a:extLst>
-              <a:ext uri="{28A0092B-C50C-407E-A947-70E740481C1C}">
-                <a14:useLocalDpi xmlns:a14="http://schemas.microsoft.com/office/drawing/2010/main" val="0"/>
-              </a:ext>
-            </a:extLst>
-          </a:blip>
-          <a:srcRect/>
-          <a:stretch>
-            <a:fillRect/>
-          </a:stretch>
-        </p:blipFill>
-        <p:spPr bwMode="auto">
-          <a:xfrm>
-            <a:off x="6732240" y="3284184"/>
-            <a:ext cx="1789013" cy="1018744"/>
-          </a:xfrm>
-          <a:prstGeom prst="rect">
-            <a:avLst/>
-          </a:prstGeom>
-          <a:noFill/>
-          <a:ln>
-            <a:noFill/>
-          </a:ln>
-          <a:effectLst/>
-          <a:extLst>
-            <a:ext uri="{909E8E84-426E-40DD-AFC4-6F175D3DCCD1}">
-              <a14:hiddenFill xmlns:a14="http://schemas.microsoft.com/office/drawing/2010/main">
-                <a:solidFill>
-                  <a:schemeClr val="accent1"/>
-                </a:solidFill>
-              </a14:hiddenFill>
-            </a:ext>
-            <a:ext uri="{91240B29-F687-4F45-9708-019B960494DF}">
-              <a14:hiddenLine xmlns:a14="http://schemas.microsoft.com/office/drawing/2010/main" w="9525">
-                <a:solidFill>
-                  <a:schemeClr val="tx1"/>
-                </a:solidFill>
-                <a:miter lim="800000"/>
-                <a:headEnd/>
-                <a:tailEnd/>
-              </a14:hiddenLine>
-            </a:ext>
-            <a:ext uri="{AF507438-7753-43E0-B8FC-AC1667EBCBE1}">
-              <a14:hiddenEffects xmlns:a14="http://schemas.microsoft.com/office/drawing/2010/main">
-                <a:effectLst>
-                  <a:outerShdw dist="35921" dir="2700000" algn="ctr" rotWithShape="0">
-                    <a:schemeClr val="bg2"/>
-                  </a:outerShdw>
-                </a:effectLst>
-              </a14:hiddenEffects>
-            </a:ext>
-          </a:extLst>
-        </p:spPr>
-      </p:pic>
-      <p:pic>
-        <p:nvPicPr>
-          <p:cNvPr id="8205" name="Picture 13"/>
-          <p:cNvPicPr>
-            <a:picLocks noChangeAspect="1" noChangeArrowheads="1"/>
-          </p:cNvPicPr>
-          <p:nvPr/>
-        </p:nvPicPr>
-        <p:blipFill>
-          <a:blip r:embed="rId15">
-            <a:extLst>
-              <a:ext uri="{28A0092B-C50C-407E-A947-70E740481C1C}">
-                <a14:useLocalDpi xmlns:a14="http://schemas.microsoft.com/office/drawing/2010/main" val="0"/>
-              </a:ext>
-            </a:extLst>
-          </a:blip>
-          <a:srcRect/>
-          <a:stretch>
-            <a:fillRect/>
-          </a:stretch>
-        </p:blipFill>
-        <p:spPr bwMode="auto">
-          <a:xfrm>
-            <a:off x="4355976" y="5075850"/>
-            <a:ext cx="4270797" cy="365624"/>
-          </a:xfrm>
-          <a:prstGeom prst="rect">
-            <a:avLst/>
-          </a:prstGeom>
-          <a:noFill/>
-          <a:ln>
-            <a:noFill/>
-          </a:ln>
-          <a:effectLst/>
-          <a:extLst>
-            <a:ext uri="{909E8E84-426E-40DD-AFC4-6F175D3DCCD1}">
-              <a14:hiddenFill xmlns:a14="http://schemas.microsoft.com/office/drawing/2010/main">
-                <a:solidFill>
-                  <a:schemeClr val="accent1"/>
-                </a:solidFill>
-              </a14:hiddenFill>
-            </a:ext>
-            <a:ext uri="{91240B29-F687-4F45-9708-019B960494DF}">
-              <a14:hiddenLine xmlns:a14="http://schemas.microsoft.com/office/drawing/2010/main" w="9525">
-                <a:solidFill>
-                  <a:schemeClr val="tx1"/>
-                </a:solidFill>
-                <a:miter lim="800000"/>
-                <a:headEnd/>
-                <a:tailEnd/>
-              </a14:hiddenLine>
-            </a:ext>
-            <a:ext uri="{AF507438-7753-43E0-B8FC-AC1667EBCBE1}">
-              <a14:hiddenEffects xmlns:a14="http://schemas.microsoft.com/office/drawing/2010/main">
-                <a:effectLst>
-                  <a:outerShdw dist="35921" dir="2700000" algn="ctr" rotWithShape="0">
-                    <a:schemeClr val="bg2"/>
-                  </a:outerShdw>
-                </a:effectLst>
-              </a14:hiddenEffects>
-            </a:ext>
-          </a:extLst>
-        </p:spPr>
-      </p:pic>
-      <p:pic>
-        <p:nvPicPr>
-          <p:cNvPr id="8207" name="Picture 15" descr="JavascriptMVC"/>
-          <p:cNvPicPr>
-            <a:picLocks noChangeAspect="1" noChangeArrowheads="1"/>
-          </p:cNvPicPr>
-          <p:nvPr/>
-        </p:nvPicPr>
-        <p:blipFill>
-          <a:blip r:embed="rId16">
-            <a:extLst>
-              <a:ext uri="{28A0092B-C50C-407E-A947-70E740481C1C}">
-                <a14:useLocalDpi xmlns:a14="http://schemas.microsoft.com/office/drawing/2010/main" val="0"/>
-              </a:ext>
-            </a:extLst>
-          </a:blip>
-          <a:srcRect/>
-          <a:stretch>
-            <a:fillRect/>
-          </a:stretch>
-        </p:blipFill>
-        <p:spPr bwMode="auto">
-          <a:xfrm>
-            <a:off x="732986" y="409227"/>
-            <a:ext cx="2457450" cy="485775"/>
-          </a:xfrm>
-          <a:prstGeom prst="rect">
-            <a:avLst/>
-          </a:prstGeom>
-          <a:noFill/>
-          <a:extLst>
-            <a:ext uri="{909E8E84-426E-40DD-AFC4-6F175D3DCCD1}">
-              <a14:hiddenFill xmlns:a14="http://schemas.microsoft.com/office/drawing/2010/main">
-                <a:solidFill>
-                  <a:srgbClr val="FFFFFF"/>
-                </a:solidFill>
-              </a14:hiddenFill>
-            </a:ext>
-          </a:extLst>
-        </p:spPr>
-      </p:pic>
-      <p:pic>
-        <p:nvPicPr>
-          <p:cNvPr id="8208" name="Picture 16"/>
-          <p:cNvPicPr>
-            <a:picLocks noChangeAspect="1" noChangeArrowheads="1"/>
-          </p:cNvPicPr>
-          <p:nvPr/>
-        </p:nvPicPr>
-        <p:blipFill>
-          <a:blip r:embed="rId17">
-            <a:extLst>
-              <a:ext uri="{28A0092B-C50C-407E-A947-70E740481C1C}">
-                <a14:useLocalDpi xmlns:a14="http://schemas.microsoft.com/office/drawing/2010/main" val="0"/>
-              </a:ext>
-            </a:extLst>
-          </a:blip>
-          <a:srcRect/>
-          <a:stretch>
-            <a:fillRect/>
-          </a:stretch>
-        </p:blipFill>
-        <p:spPr bwMode="auto">
-          <a:xfrm>
-            <a:off x="6732240" y="265212"/>
-            <a:ext cx="1997798" cy="583972"/>
-          </a:xfrm>
-          <a:prstGeom prst="rect">
-            <a:avLst/>
-          </a:prstGeom>
-          <a:noFill/>
-          <a:ln>
-            <a:noFill/>
-          </a:ln>
-          <a:effectLst/>
-          <a:extLst>
-            <a:ext uri="{909E8E84-426E-40DD-AFC4-6F175D3DCCD1}">
-              <a14:hiddenFill xmlns:a14="http://schemas.microsoft.com/office/drawing/2010/main">
-                <a:solidFill>
-                  <a:schemeClr val="accent1"/>
-                </a:solidFill>
-              </a14:hiddenFill>
-            </a:ext>
-            <a:ext uri="{91240B29-F687-4F45-9708-019B960494DF}">
-              <a14:hiddenLine xmlns:a14="http://schemas.microsoft.com/office/drawing/2010/main" w="9525">
-                <a:solidFill>
-                  <a:schemeClr val="tx1"/>
-                </a:solidFill>
-                <a:miter lim="800000"/>
-                <a:headEnd/>
-                <a:tailEnd/>
-              </a14:hiddenLine>
-            </a:ext>
-            <a:ext uri="{AF507438-7753-43E0-B8FC-AC1667EBCBE1}">
-              <a14:hiddenEffects xmlns:a14="http://schemas.microsoft.com/office/drawing/2010/main">
-                <a:effectLst>
-                  <a:outerShdw dist="35921" dir="2700000" algn="ctr" rotWithShape="0">
-                    <a:schemeClr val="bg2"/>
-                  </a:outerShdw>
-                </a:effectLst>
-              </a14:hiddenEffects>
-            </a:ext>
-          </a:extLst>
-        </p:spPr>
-      </p:pic>
-    </p:spTree>
-    <p:extLst>
-      <p:ext uri="{BB962C8B-B14F-4D97-AF65-F5344CB8AC3E}">
-        <p14:creationId xmlns:p14="http://schemas.microsoft.com/office/powerpoint/2010/main" val="3152483131"/>
-      </p:ext>
-    </p:extLst>
-  </p:cSld>
-  <p:clrMapOvr>
-    <a:masterClrMapping/>
-  </p:clrMapOvr>
-  <p:timing>
-    <p:tnLst>
-      <p:par>
-        <p:cTn id="1" dur="indefinite" restart="never" nodeType="tmRoot"/>
-      </p:par>
-    </p:tnLst>
-  </p:timing>
-</p:sld>
-</file>
-
-<file path=ppt/slides/slide18.xml><?xml version="1.0" encoding="utf-8"?>
+<file path=ppt/slides/slide32.xml><?xml version="1.0" encoding="utf-8"?>
 <p:sld xmlns:a="http://schemas.openxmlformats.org/drawingml/2006/main" xmlns:r="http://schemas.openxmlformats.org/officeDocument/2006/relationships" xmlns:p="http://schemas.openxmlformats.org/presentationml/2006/main">
   <p:cSld>
     <p:spTree>
@@ -12258,6 +15376,282 @@
           <a:p>
             <a:r>
               <a:rPr lang="sv-SE" dirty="0" smtClean="0"/>
+              <a:t>Få hjälp</a:t>
+            </a:r>
+            <a:endParaRPr lang="sv-SE" dirty="0"/>
+          </a:p>
+        </p:txBody>
+      </p:sp>
+      <p:pic>
+        <p:nvPicPr>
+          <p:cNvPr id="3" name="Picture 2"/>
+          <p:cNvPicPr>
+            <a:picLocks noChangeAspect="1"/>
+          </p:cNvPicPr>
+          <p:nvPr/>
+        </p:nvPicPr>
+        <p:blipFill>
+          <a:blip r:embed="rId2"/>
+          <a:stretch>
+            <a:fillRect/>
+          </a:stretch>
+        </p:blipFill>
+        <p:spPr>
+          <a:xfrm>
+            <a:off x="611560" y="1273324"/>
+            <a:ext cx="3168352" cy="893426"/>
+          </a:xfrm>
+          <a:prstGeom prst="rect">
+            <a:avLst/>
+          </a:prstGeom>
+        </p:spPr>
+      </p:pic>
+      <p:pic>
+        <p:nvPicPr>
+          <p:cNvPr id="7" name="Picture 6"/>
+          <p:cNvPicPr>
+            <a:picLocks noChangeAspect="1"/>
+          </p:cNvPicPr>
+          <p:nvPr/>
+        </p:nvPicPr>
+        <p:blipFill>
+          <a:blip r:embed="rId3"/>
+          <a:stretch>
+            <a:fillRect/>
+          </a:stretch>
+        </p:blipFill>
+        <p:spPr>
+          <a:xfrm>
+            <a:off x="6084168" y="1345332"/>
+            <a:ext cx="2540000" cy="2540000"/>
+          </a:xfrm>
+          <a:prstGeom prst="rect">
+            <a:avLst/>
+          </a:prstGeom>
+        </p:spPr>
+      </p:pic>
+      <p:pic>
+        <p:nvPicPr>
+          <p:cNvPr id="9" name="Picture 8"/>
+          <p:cNvPicPr>
+            <a:picLocks noChangeAspect="1"/>
+          </p:cNvPicPr>
+          <p:nvPr/>
+        </p:nvPicPr>
+        <p:blipFill>
+          <a:blip r:embed="rId4"/>
+          <a:stretch>
+            <a:fillRect/>
+          </a:stretch>
+        </p:blipFill>
+        <p:spPr>
+          <a:xfrm>
+            <a:off x="4932040" y="4801716"/>
+            <a:ext cx="3771578" cy="657169"/>
+          </a:xfrm>
+          <a:prstGeom prst="rect">
+            <a:avLst/>
+          </a:prstGeom>
+        </p:spPr>
+      </p:pic>
+      <p:pic>
+        <p:nvPicPr>
+          <p:cNvPr id="17" name="Picture 16"/>
+          <p:cNvPicPr>
+            <a:picLocks noChangeAspect="1"/>
+          </p:cNvPicPr>
+          <p:nvPr/>
+        </p:nvPicPr>
+        <p:blipFill>
+          <a:blip r:embed="rId5"/>
+          <a:stretch>
+            <a:fillRect/>
+          </a:stretch>
+        </p:blipFill>
+        <p:spPr>
+          <a:xfrm>
+            <a:off x="611560" y="3793604"/>
+            <a:ext cx="2298700" cy="1447800"/>
+          </a:xfrm>
+          <a:prstGeom prst="rect">
+            <a:avLst/>
+          </a:prstGeom>
+        </p:spPr>
+      </p:pic>
+      <p:pic>
+        <p:nvPicPr>
+          <p:cNvPr id="18" name="Picture 17"/>
+          <p:cNvPicPr>
+            <a:picLocks noChangeAspect="1"/>
+          </p:cNvPicPr>
+          <p:nvPr/>
+        </p:nvPicPr>
+        <p:blipFill>
+          <a:blip r:embed="rId6"/>
+          <a:stretch>
+            <a:fillRect/>
+          </a:stretch>
+        </p:blipFill>
+        <p:spPr>
+          <a:xfrm>
+            <a:off x="4572000" y="1345332"/>
+            <a:ext cx="1468214" cy="1730648"/>
+          </a:xfrm>
+          <a:prstGeom prst="rect">
+            <a:avLst/>
+          </a:prstGeom>
+        </p:spPr>
+      </p:pic>
+      <p:pic>
+        <p:nvPicPr>
+          <p:cNvPr id="19" name="Picture 18"/>
+          <p:cNvPicPr>
+            <a:picLocks noChangeAspect="1"/>
+          </p:cNvPicPr>
+          <p:nvPr/>
+        </p:nvPicPr>
+        <p:blipFill>
+          <a:blip r:embed="rId7"/>
+          <a:stretch>
+            <a:fillRect/>
+          </a:stretch>
+        </p:blipFill>
+        <p:spPr>
+          <a:xfrm>
+            <a:off x="899592" y="2497460"/>
+            <a:ext cx="3528392" cy="1117029"/>
+          </a:xfrm>
+          <a:prstGeom prst="rect">
+            <a:avLst/>
+          </a:prstGeom>
+        </p:spPr>
+      </p:pic>
+      <p:pic>
+        <p:nvPicPr>
+          <p:cNvPr id="21" name="Picture 20"/>
+          <p:cNvPicPr>
+            <a:picLocks noChangeAspect="1"/>
+          </p:cNvPicPr>
+          <p:nvPr/>
+        </p:nvPicPr>
+        <p:blipFill>
+          <a:blip r:embed="rId8"/>
+          <a:stretch>
+            <a:fillRect/>
+          </a:stretch>
+        </p:blipFill>
+        <p:spPr>
+          <a:xfrm>
+            <a:off x="4355976" y="2569468"/>
+            <a:ext cx="758544" cy="1777380"/>
+          </a:xfrm>
+          <a:prstGeom prst="rect">
+            <a:avLst/>
+          </a:prstGeom>
+        </p:spPr>
+      </p:pic>
+      <p:pic>
+        <p:nvPicPr>
+          <p:cNvPr id="23" name="Picture 22"/>
+          <p:cNvPicPr>
+            <a:picLocks noChangeAspect="1"/>
+          </p:cNvPicPr>
+          <p:nvPr/>
+        </p:nvPicPr>
+        <p:blipFill>
+          <a:blip r:embed="rId9"/>
+          <a:stretch>
+            <a:fillRect/>
+          </a:stretch>
+        </p:blipFill>
+        <p:spPr>
+          <a:xfrm>
+            <a:off x="3275856" y="4225652"/>
+            <a:ext cx="1985020" cy="549841"/>
+          </a:xfrm>
+          <a:prstGeom prst="rect">
+            <a:avLst/>
+          </a:prstGeom>
+        </p:spPr>
+      </p:pic>
+      <p:pic>
+        <p:nvPicPr>
+          <p:cNvPr id="24" name="Picture 23"/>
+          <p:cNvPicPr>
+            <a:picLocks noChangeAspect="1"/>
+          </p:cNvPicPr>
+          <p:nvPr/>
+        </p:nvPicPr>
+        <p:blipFill>
+          <a:blip r:embed="rId10"/>
+          <a:stretch>
+            <a:fillRect/>
+          </a:stretch>
+        </p:blipFill>
+        <p:spPr>
+          <a:xfrm>
+            <a:off x="5436096" y="3721596"/>
+            <a:ext cx="864688" cy="859284"/>
+          </a:xfrm>
+          <a:prstGeom prst="rect">
+            <a:avLst/>
+          </a:prstGeom>
+        </p:spPr>
+      </p:pic>
+    </p:spTree>
+    <p:extLst>
+      <p:ext uri="{BB962C8B-B14F-4D97-AF65-F5344CB8AC3E}">
+        <p14:creationId xmlns:p14="http://schemas.microsoft.com/office/powerpoint/2010/main" val="3626765855"/>
+      </p:ext>
+    </p:extLst>
+  </p:cSld>
+  <p:clrMapOvr>
+    <a:masterClrMapping/>
+  </p:clrMapOvr>
+  <p:timing>
+    <p:tnLst>
+      <p:par>
+        <p:cTn xmlns:p14="http://schemas.microsoft.com/office/powerpoint/2010/main" id="1" dur="indefinite" restart="never" nodeType="tmRoot"/>
+      </p:par>
+    </p:tnLst>
+  </p:timing>
+</p:sld>
+</file>
+
+<file path=ppt/slides/slide33.xml><?xml version="1.0" encoding="utf-8"?>
+<p:sld xmlns:a="http://schemas.openxmlformats.org/drawingml/2006/main" xmlns:r="http://schemas.openxmlformats.org/officeDocument/2006/relationships" xmlns:p="http://schemas.openxmlformats.org/presentationml/2006/main">
+  <p:cSld>
+    <p:spTree>
+      <p:nvGrpSpPr>
+        <p:cNvPr id="1" name=""/>
+        <p:cNvGrpSpPr/>
+        <p:nvPr/>
+      </p:nvGrpSpPr>
+      <p:grpSpPr>
+        <a:xfrm>
+          <a:off x="0" y="0"/>
+          <a:ext cx="0" cy="0"/>
+          <a:chOff x="0" y="0"/>
+          <a:chExt cx="0" cy="0"/>
+        </a:xfrm>
+      </p:grpSpPr>
+      <p:sp>
+        <p:nvSpPr>
+          <p:cNvPr id="2" name="Title 1"/>
+          <p:cNvSpPr>
+            <a:spLocks noGrp="1"/>
+          </p:cNvSpPr>
+          <p:nvPr>
+            <p:ph type="ctrTitle"/>
+          </p:nvPr>
+        </p:nvSpPr>
+        <p:spPr/>
+        <p:txBody>
+          <a:bodyPr/>
+          <a:lstStyle/>
+          <a:p>
+            <a:r>
+              <a:rPr lang="sv-SE" dirty="0" smtClean="0"/>
               <a:t>Postludium</a:t>
             </a:r>
             <a:endParaRPr lang="sv-SE" dirty="0"/>
@@ -12273,7 +15667,7 @@
         <p:spPr>
           <a:xfrm>
             <a:off x="2247107" y="1419081"/>
-            <a:ext cx="1425390" cy="646331"/>
+            <a:ext cx="1885453" cy="646331"/>
           </a:xfrm>
           <a:prstGeom prst="rect">
             <a:avLst/>
@@ -12298,7 +15692,7 @@
               <a:rPr lang="sv-SE" dirty="0" smtClean="0">
                 <a:latin typeface="Minya Nouvelle" pitchFamily="2" charset="0"/>
               </a:rPr>
-              <a:t>Kapitel 17-</a:t>
+              <a:t>Kapitel 17, 20-24</a:t>
             </a:r>
           </a:p>
         </p:txBody>
@@ -12338,14 +15732,14 @@
           </a:ln>
           <a:effectLst/>
           <a:extLst>
-            <a:ext uri="{909E8E84-426E-40DD-AFC4-6F175D3DCCD1}">
+            <a:ext uri="{909E8E84-426E-40dd-AFC4-6F175D3DCCD1}">
               <a14:hiddenFill xmlns:a14="http://schemas.microsoft.com/office/drawing/2010/main">
                 <a:solidFill>
                   <a:schemeClr val="accent1"/>
                 </a:solidFill>
               </a14:hiddenFill>
             </a:ext>
-            <a:ext uri="{91240B29-F687-4F45-9708-019B960494DF}">
+            <a:ext uri="{91240B29-F687-4f45-9708-019B960494DF}">
               <a14:hiddenLine xmlns:a14="http://schemas.microsoft.com/office/drawing/2010/main" w="9525">
                 <a:solidFill>
                   <a:schemeClr val="tx1"/>
@@ -12355,7 +15749,7 @@
                 <a:tailEnd/>
               </a14:hiddenLine>
             </a:ext>
-            <a:ext uri="{AF507438-7753-43E0-B8FC-AC1667EBCBE1}">
+            <a:ext uri="{AF507438-7753-43e0-B8FC-AC1667EBCBE1}">
               <a14:hiddenEffects xmlns:a14="http://schemas.microsoft.com/office/drawing/2010/main">
                 <a:effectLst>
                   <a:outerShdw dist="35921" dir="2700000" algn="ctr" rotWithShape="0">
@@ -12369,7 +15763,7 @@
       </p:pic>
       <p:pic>
         <p:nvPicPr>
-          <p:cNvPr id="3" name="Picture 2" descr="V:\wp_webbteknik\pics\projs.jpg"/>
+          <p:cNvPr id="6146" name="Picture 2" descr="https://coursepress.lnu.se/kurs/webbteknik-i/files/2012/10/11180266911.jpg"/>
           <p:cNvPicPr>
             <a:picLocks noChangeAspect="1" noChangeArrowheads="1"/>
           </p:cNvPicPr>
@@ -12390,15 +15784,24 @@
         </p:blipFill>
         <p:spPr bwMode="auto">
           <a:xfrm>
-            <a:off x="539552" y="1129308"/>
-            <a:ext cx="1584176" cy="1997822"/>
+            <a:off x="467544" y="1213959"/>
+            <a:ext cx="1647292" cy="2075589"/>
           </a:xfrm>
           <a:prstGeom prst="rect">
             <a:avLst/>
           </a:prstGeom>
-          <a:noFill/>
+          <a:ln>
+            <a:noFill/>
+          </a:ln>
+          <a:effectLst>
+            <a:outerShdw blurRad="190500" algn="tl" rotWithShape="0">
+              <a:srgbClr val="000000">
+                <a:alpha val="70000"/>
+              </a:srgbClr>
+            </a:outerShdw>
+          </a:effectLst>
           <a:extLst>
-            <a:ext uri="{909E8E84-426E-40DD-AFC4-6F175D3DCCD1}">
+            <a:ext uri="{909E8E84-426E-40dd-AFC4-6F175D3DCCD1}">
               <a14:hiddenFill xmlns:a14="http://schemas.microsoft.com/office/drawing/2010/main">
                 <a:solidFill>
                   <a:srgbClr val="FFFFFF"/>
@@ -12411,7 +15814,7 @@
     </p:spTree>
     <p:extLst>
       <p:ext uri="{BB962C8B-B14F-4D97-AF65-F5344CB8AC3E}">
-        <p14:creationId xmlns:p14="http://schemas.microsoft.com/office/powerpoint/2010/main" val="3376299782"/>
+        <p14:creationId xmlns:p14="http://schemas.microsoft.com/office/powerpoint/2010/main" val="3041996545"/>
       </p:ext>
     </p:extLst>
   </p:cSld>
@@ -12421,7 +15824,7 @@
   <p:timing>
     <p:tnLst>
       <p:par>
-        <p:cTn id="1" dur="indefinite" restart="never" nodeType="tmRoot">
+        <p:cTn xmlns:p14="http://schemas.microsoft.com/office/powerpoint/2010/main" id="1" dur="indefinite" restart="never" nodeType="tmRoot">
           <p:childTnLst>
             <p:seq concurrent="1" nextAc="seek">
               <p:cTn id="2" dur="indefinite" nodeType="mainSeq">
@@ -12504,7 +15907,7 @@
 </p:sld>
 </file>
 
-<file path=ppt/slides/slide19.xml><?xml version="1.0" encoding="utf-8"?>
+<file path=ppt/slides/slide34.xml><?xml version="1.0" encoding="utf-8"?>
 <p:sld xmlns:a="http://schemas.openxmlformats.org/drawingml/2006/main" xmlns:r="http://schemas.openxmlformats.org/officeDocument/2006/relationships" xmlns:p="http://schemas.openxmlformats.org/presentationml/2006/main">
   <p:cSld>
     <p:spTree>
@@ -12579,14 +15982,14 @@
           </a:ln>
           <a:effectLst/>
           <a:extLst>
-            <a:ext uri="{909E8E84-426E-40DD-AFC4-6F175D3DCCD1}">
+            <a:ext uri="{909E8E84-426E-40dd-AFC4-6F175D3DCCD1}">
               <a14:hiddenFill xmlns:a14="http://schemas.microsoft.com/office/drawing/2010/main">
                 <a:solidFill>
                   <a:schemeClr val="accent1"/>
                 </a:solidFill>
               </a14:hiddenFill>
             </a:ext>
-            <a:ext uri="{91240B29-F687-4F45-9708-019B960494DF}">
+            <a:ext uri="{91240B29-F687-4f45-9708-019B960494DF}">
               <a14:hiddenLine xmlns:a14="http://schemas.microsoft.com/office/drawing/2010/main" w="9525">
                 <a:solidFill>
                   <a:schemeClr val="tx1"/>
@@ -12596,7 +15999,7 @@
                 <a:tailEnd/>
               </a14:hiddenLine>
             </a:ext>
-            <a:ext uri="{AF507438-7753-43E0-B8FC-AC1667EBCBE1}">
+            <a:ext uri="{AF507438-7753-43e0-B8FC-AC1667EBCBE1}">
               <a14:hiddenEffects xmlns:a14="http://schemas.microsoft.com/office/drawing/2010/main">
                 <a:effectLst>
                   <a:outerShdw dist="35921" dir="2700000" algn="ctr" rotWithShape="0">
@@ -12616,8 +16019,8 @@
         </p:nvSpPr>
         <p:spPr>
           <a:xfrm>
-            <a:off x="4339494" y="2139161"/>
-            <a:ext cx="2855269" cy="646331"/>
+            <a:off x="4339494" y="2859241"/>
+            <a:ext cx="3387466" cy="646331"/>
           </a:xfrm>
           <a:prstGeom prst="rect">
             <a:avLst/>
@@ -12648,7 +16051,7 @@
               <a:rPr lang="sv-SE" dirty="0" smtClean="0">
                 <a:latin typeface="Minya Nouvelle" pitchFamily="2" charset="0"/>
               </a:rPr>
-              <a:t>Första veckan i nästa LP.</a:t>
+              <a:t>Håll koll på kursen webbplats.</a:t>
             </a:r>
             <a:endParaRPr lang="sv-SE" dirty="0">
               <a:latin typeface="Minya Nouvelle" pitchFamily="2" charset="0"/>
@@ -12665,7 +16068,7 @@
         <p:spPr>
           <a:xfrm>
             <a:off x="4355976" y="1348814"/>
-            <a:ext cx="2597186" cy="646331"/>
+            <a:ext cx="3584460" cy="646331"/>
           </a:xfrm>
           <a:prstGeom prst="rect">
             <a:avLst/>
@@ -12690,7 +16093,73 @@
               <a:rPr lang="sv-SE" dirty="0" smtClean="0">
                 <a:latin typeface="Minya Nouvelle" pitchFamily="2" charset="0"/>
               </a:rPr>
-              <a:t>v1202</a:t>
+              <a:t>v1503 (Mån, campus, </a:t>
+            </a:r>
+            <a:r>
+              <a:rPr lang="sv-SE" dirty="0" err="1" smtClean="0">
+                <a:latin typeface="Minya Nouvelle" pitchFamily="2" charset="0"/>
+              </a:rPr>
+              <a:t>tis</a:t>
+            </a:r>
+            <a:r>
+              <a:rPr lang="sv-SE" dirty="0" smtClean="0">
+                <a:latin typeface="Minya Nouvelle" pitchFamily="2" charset="0"/>
+              </a:rPr>
+              <a:t> distans)</a:t>
+            </a:r>
+            <a:endParaRPr lang="sv-SE" dirty="0">
+              <a:latin typeface="Minya Nouvelle" pitchFamily="2" charset="0"/>
+            </a:endParaRPr>
+          </a:p>
+        </p:txBody>
+      </p:sp>
+      <p:sp>
+        <p:nvSpPr>
+          <p:cNvPr id="7" name="TextBox 6"/>
+          <p:cNvSpPr txBox="1"/>
+          <p:nvPr/>
+        </p:nvSpPr>
+        <p:spPr>
+          <a:xfrm>
+            <a:off x="4355976" y="2067153"/>
+            <a:ext cx="2505814" cy="646331"/>
+          </a:xfrm>
+          <a:prstGeom prst="rect">
+            <a:avLst/>
+          </a:prstGeom>
+          <a:noFill/>
+        </p:spPr>
+        <p:txBody>
+          <a:bodyPr wrap="none" rtlCol="0">
+            <a:spAutoFit/>
+          </a:bodyPr>
+          <a:lstStyle/>
+          <a:p>
+            <a:r>
+              <a:rPr lang="sv-SE" b="1" dirty="0" smtClean="0">
+                <a:latin typeface="Minya Nouvelle" pitchFamily="2" charset="0"/>
+              </a:rPr>
+              <a:t>Muntlig examination:</a:t>
+            </a:r>
+          </a:p>
+          <a:p>
+            <a:r>
+              <a:rPr lang="sv-SE" dirty="0" smtClean="0">
+                <a:latin typeface="Minya Nouvelle" pitchFamily="2" charset="0"/>
+              </a:rPr>
+              <a:t>v1503 (</a:t>
+            </a:r>
+            <a:r>
+              <a:rPr lang="sv-SE" dirty="0" err="1" smtClean="0">
+                <a:latin typeface="Minya Nouvelle" pitchFamily="2" charset="0"/>
+              </a:rPr>
+              <a:t>Tidsbokas</a:t>
+            </a:r>
+            <a:r>
+              <a:rPr lang="sv-SE" dirty="0" smtClean="0">
+                <a:latin typeface="Minya Nouvelle" pitchFamily="2" charset="0"/>
+              </a:rPr>
+              <a:t>)</a:t>
             </a:r>
             <a:endParaRPr lang="sv-SE" dirty="0">
               <a:latin typeface="Minya Nouvelle" pitchFamily="2" charset="0"/>
@@ -12701,7 +16170,7 @@
     </p:spTree>
     <p:extLst>
       <p:ext uri="{BB962C8B-B14F-4D97-AF65-F5344CB8AC3E}">
-        <p14:creationId xmlns:p14="http://schemas.microsoft.com/office/powerpoint/2010/main" val="4087994554"/>
+        <p14:creationId xmlns:p14="http://schemas.microsoft.com/office/powerpoint/2010/main" val="92566345"/>
       </p:ext>
     </p:extLst>
   </p:cSld>
@@ -12711,7 +16180,7 @@
   <p:timing>
     <p:tnLst>
       <p:par>
-        <p:cTn id="1" dur="indefinite" restart="never" nodeType="tmRoot">
+        <p:cTn xmlns:p14="http://schemas.microsoft.com/office/powerpoint/2010/main" id="1" dur="indefinite" restart="never" nodeType="tmRoot">
           <p:childTnLst>
             <p:seq concurrent="1" nextAc="seek">
               <p:cTn id="2" dur="indefinite" nodeType="mainSeq">
@@ -12822,6 +16291,59 @@
                       </p:childTnLst>
                     </p:cTn>
                   </p:par>
+                  <p:par>
+                    <p:cTn id="13" fill="hold">
+                      <p:stCondLst>
+                        <p:cond delay="indefinite"/>
+                      </p:stCondLst>
+                      <p:childTnLst>
+                        <p:par>
+                          <p:cTn id="14" fill="hold">
+                            <p:stCondLst>
+                              <p:cond delay="0"/>
+                            </p:stCondLst>
+                            <p:childTnLst>
+                              <p:par>
+                                <p:cTn id="15" presetID="10" presetClass="entr" presetSubtype="0" fill="hold" grpId="0" nodeType="clickEffect">
+                                  <p:stCondLst>
+                                    <p:cond delay="0"/>
+                                  </p:stCondLst>
+                                  <p:childTnLst>
+                                    <p:set>
+                                      <p:cBhvr>
+                                        <p:cTn id="16" dur="1" fill="hold">
+                                          <p:stCondLst>
+                                            <p:cond delay="0"/>
+                                          </p:stCondLst>
+                                        </p:cTn>
+                                        <p:tgtEl>
+                                          <p:spTgt spid="7"/>
+                                        </p:tgtEl>
+                                        <p:attrNameLst>
+                                          <p:attrName>style.visibility</p:attrName>
+                                        </p:attrNameLst>
+                                      </p:cBhvr>
+                                      <p:to>
+                                        <p:strVal val="visible"/>
+                                      </p:to>
+                                    </p:set>
+                                    <p:animEffect transition="in" filter="fade">
+                                      <p:cBhvr>
+                                        <p:cTn id="17" dur="500"/>
+                                        <p:tgtEl>
+                                          <p:spTgt spid="7"/>
+                                        </p:tgtEl>
+                                      </p:cBhvr>
+                                    </p:animEffect>
+                                  </p:childTnLst>
+                                </p:cTn>
+                              </p:par>
+                            </p:childTnLst>
+                          </p:cTn>
+                        </p:par>
+                      </p:childTnLst>
+                    </p:cTn>
+                  </p:par>
                 </p:childTnLst>
               </p:cTn>
               <p:prevCondLst>
@@ -12846,336 +16368,13 @@
     <p:bldLst>
       <p:bldP spid="5" grpId="0"/>
       <p:bldP spid="6" grpId="0"/>
+      <p:bldP spid="7" grpId="0"/>
     </p:bldLst>
   </p:timing>
 </p:sld>
 </file>
 
-<file path=ppt/slides/slide2.xml><?xml version="1.0" encoding="utf-8"?>
-<p:sld xmlns:a="http://schemas.openxmlformats.org/drawingml/2006/main" xmlns:r="http://schemas.openxmlformats.org/officeDocument/2006/relationships" xmlns:p="http://schemas.openxmlformats.org/presentationml/2006/main">
-  <p:cSld>
-    <p:spTree>
-      <p:nvGrpSpPr>
-        <p:cNvPr id="1" name=""/>
-        <p:cNvGrpSpPr/>
-        <p:nvPr/>
-      </p:nvGrpSpPr>
-      <p:grpSpPr>
-        <a:xfrm>
-          <a:off x="0" y="0"/>
-          <a:ext cx="0" cy="0"/>
-          <a:chOff x="0" y="0"/>
-          <a:chExt cx="0" cy="0"/>
-        </a:xfrm>
-      </p:grpSpPr>
-      <p:sp>
-        <p:nvSpPr>
-          <p:cNvPr id="2" name="Title 1"/>
-          <p:cNvSpPr>
-            <a:spLocks noGrp="1"/>
-          </p:cNvSpPr>
-          <p:nvPr>
-            <p:ph type="ctrTitle"/>
-          </p:nvPr>
-        </p:nvSpPr>
-        <p:spPr/>
-        <p:txBody>
-          <a:bodyPr/>
-          <a:lstStyle/>
-          <a:p>
-            <a:r>
-              <a:rPr lang="sv-SE" dirty="0" smtClean="0"/>
-              <a:t>E13 – </a:t>
-            </a:r>
-            <a:r>
-              <a:rPr lang="sv-SE" dirty="0" err="1"/>
-              <a:t>Behind</a:t>
-            </a:r>
-            <a:r>
-              <a:rPr lang="sv-SE" dirty="0"/>
-              <a:t> the </a:t>
-            </a:r>
-            <a:r>
-              <a:rPr lang="sv-SE" dirty="0" err="1"/>
-              <a:t>Wild</a:t>
-            </a:r>
-            <a:endParaRPr lang="sv-SE" sz="3200" dirty="0"/>
-          </a:p>
-        </p:txBody>
-      </p:sp>
-      <p:sp>
-        <p:nvSpPr>
-          <p:cNvPr id="4" name="TextBox 3"/>
-          <p:cNvSpPr txBox="1"/>
-          <p:nvPr/>
-        </p:nvSpPr>
-        <p:spPr>
-          <a:xfrm>
-            <a:off x="1403648" y="1378601"/>
-            <a:ext cx="3517310" cy="5109091"/>
-          </a:xfrm>
-          <a:prstGeom prst="rect">
-            <a:avLst/>
-          </a:prstGeom>
-          <a:noFill/>
-        </p:spPr>
-        <p:txBody>
-          <a:bodyPr wrap="none" rtlCol="0">
-            <a:spAutoFit/>
-          </a:bodyPr>
-          <a:lstStyle/>
-          <a:p>
-            <a:r>
-              <a:rPr lang="sv-SE" sz="2800" b="1" dirty="0" smtClean="0">
-                <a:latin typeface="Minya Nouvelle" pitchFamily="2" charset="0"/>
-              </a:rPr>
-              <a:t>Dagens agenda</a:t>
-            </a:r>
-          </a:p>
-          <a:p>
-            <a:endParaRPr lang="sv-SE" sz="2800" dirty="0" smtClean="0">
-              <a:latin typeface="Minya Nouvelle" pitchFamily="2" charset="0"/>
-            </a:endParaRPr>
-          </a:p>
-          <a:p>
-            <a:pPr marL="285750" indent="-285750">
-              <a:buFont typeface="Arial" charset="0"/>
-              <a:buChar char="•"/>
-            </a:pPr>
-            <a:r>
-              <a:rPr lang="sv-SE" dirty="0" smtClean="0">
-                <a:latin typeface="Minya Nouvelle" pitchFamily="2" charset="0"/>
-              </a:rPr>
-              <a:t>Cookies</a:t>
-            </a:r>
-          </a:p>
-          <a:p>
-            <a:pPr marL="285750" indent="-285750">
-              <a:buFont typeface="Arial" charset="0"/>
-              <a:buChar char="•"/>
-            </a:pPr>
-            <a:r>
-              <a:rPr lang="sv-SE" dirty="0" err="1" smtClean="0">
-                <a:latin typeface="Minya Nouvelle" pitchFamily="2" charset="0"/>
-              </a:rPr>
-              <a:t>Context</a:t>
-            </a:r>
-            <a:r>
-              <a:rPr lang="sv-SE" dirty="0" smtClean="0">
-                <a:latin typeface="Minya Nouvelle" pitchFamily="2" charset="0"/>
-              </a:rPr>
-              <a:t>/ändra </a:t>
-            </a:r>
-            <a:r>
-              <a:rPr lang="sv-SE" dirty="0" err="1" smtClean="0">
-                <a:latin typeface="Minya Nouvelle" pitchFamily="2" charset="0"/>
-              </a:rPr>
-              <a:t>context</a:t>
-            </a:r>
-            <a:endParaRPr lang="sv-SE" dirty="0" smtClean="0">
-              <a:latin typeface="Minya Nouvelle" pitchFamily="2" charset="0"/>
-            </a:endParaRPr>
-          </a:p>
-          <a:p>
-            <a:pPr marL="285750" indent="-285750">
-              <a:buFont typeface="Arial" charset="0"/>
-              <a:buChar char="•"/>
-            </a:pPr>
-            <a:r>
-              <a:rPr lang="sv-SE" dirty="0" err="1" smtClean="0">
-                <a:latin typeface="Minya Nouvelle" pitchFamily="2" charset="0"/>
-              </a:rPr>
-              <a:t>Augmentation</a:t>
-            </a:r>
-            <a:r>
-              <a:rPr lang="sv-SE" dirty="0" smtClean="0">
-                <a:latin typeface="Minya Nouvelle" pitchFamily="2" charset="0"/>
-              </a:rPr>
-              <a:t> (förstärkning)</a:t>
-            </a:r>
-          </a:p>
-          <a:p>
-            <a:pPr marL="285750" indent="-285750">
-              <a:buFont typeface="Arial" charset="0"/>
-              <a:buChar char="•"/>
-            </a:pPr>
-            <a:r>
-              <a:rPr lang="sv-SE" dirty="0" smtClean="0">
-                <a:latin typeface="Minya Nouvelle" pitchFamily="2" charset="0"/>
-              </a:rPr>
-              <a:t>Klassiskt arv</a:t>
-            </a:r>
-          </a:p>
-          <a:p>
-            <a:pPr marL="285750" indent="-285750">
-              <a:buFont typeface="Arial" charset="0"/>
-              <a:buChar char="•"/>
-            </a:pPr>
-            <a:r>
-              <a:rPr lang="sv-SE" dirty="0" smtClean="0">
-                <a:latin typeface="Minya Nouvelle" pitchFamily="2" charset="0"/>
-              </a:rPr>
-              <a:t>Att låna metoder</a:t>
-            </a:r>
-          </a:p>
-          <a:p>
-            <a:pPr marL="285750" indent="-285750">
-              <a:buFont typeface="Arial" charset="0"/>
-              <a:buChar char="•"/>
-            </a:pPr>
-            <a:r>
-              <a:rPr lang="sv-SE" dirty="0" err="1" smtClean="0">
-                <a:latin typeface="Minya Nouvelle" pitchFamily="2" charset="0"/>
-              </a:rPr>
-              <a:t>Namespaces</a:t>
-            </a:r>
-            <a:endParaRPr lang="sv-SE" dirty="0" smtClean="0">
-              <a:latin typeface="Minya Nouvelle" pitchFamily="2" charset="0"/>
-            </a:endParaRPr>
-          </a:p>
-          <a:p>
-            <a:pPr marL="285750" indent="-285750">
-              <a:buFont typeface="Arial" charset="0"/>
-              <a:buChar char="•"/>
-            </a:pPr>
-            <a:r>
-              <a:rPr lang="sv-SE" dirty="0" smtClean="0">
-                <a:latin typeface="Minya Nouvelle" pitchFamily="2" charset="0"/>
-              </a:rPr>
-              <a:t>Postludium</a:t>
-            </a:r>
-          </a:p>
-          <a:p>
-            <a:pPr marL="285750" indent="-285750">
-              <a:buFont typeface="Arial" charset="0"/>
-              <a:buChar char="•"/>
-            </a:pPr>
-            <a:endParaRPr lang="sv-SE" dirty="0" smtClean="0">
-              <a:latin typeface="Minya Nouvelle" pitchFamily="2" charset="0"/>
-            </a:endParaRPr>
-          </a:p>
-          <a:p>
-            <a:pPr marL="285750" indent="-285750">
-              <a:buFont typeface="Arial" charset="0"/>
-              <a:buChar char="•"/>
-            </a:pPr>
-            <a:endParaRPr lang="sv-SE" dirty="0" smtClean="0">
-              <a:latin typeface="Minya Nouvelle" pitchFamily="2" charset="0"/>
-            </a:endParaRPr>
-          </a:p>
-          <a:p>
-            <a:pPr marL="285750" indent="-285750">
-              <a:buFont typeface="Arial" charset="0"/>
-              <a:buChar char="•"/>
-            </a:pPr>
-            <a:endParaRPr lang="sv-SE" dirty="0" smtClean="0">
-              <a:latin typeface="Minya Nouvelle" pitchFamily="2" charset="0"/>
-            </a:endParaRPr>
-          </a:p>
-          <a:p>
-            <a:pPr marL="285750" indent="-285750">
-              <a:buFont typeface="Arial" charset="0"/>
-              <a:buChar char="•"/>
-            </a:pPr>
-            <a:endParaRPr lang="sv-SE" dirty="0" smtClean="0">
-              <a:latin typeface="Minya Nouvelle" pitchFamily="2" charset="0"/>
-            </a:endParaRPr>
-          </a:p>
-          <a:p>
-            <a:pPr marL="285750" indent="-285750">
-              <a:buFont typeface="Arial" charset="0"/>
-              <a:buChar char="•"/>
-            </a:pPr>
-            <a:endParaRPr lang="sv-SE" dirty="0" smtClean="0">
-              <a:latin typeface="Minya Nouvelle" pitchFamily="2" charset="0"/>
-            </a:endParaRPr>
-          </a:p>
-          <a:p>
-            <a:pPr marL="285750" indent="-285750">
-              <a:buFont typeface="Arial" charset="0"/>
-              <a:buChar char="•"/>
-            </a:pPr>
-            <a:endParaRPr lang="sv-SE" dirty="0" smtClean="0">
-              <a:latin typeface="Minya Nouvelle" pitchFamily="2" charset="0"/>
-            </a:endParaRPr>
-          </a:p>
-          <a:p>
-            <a:pPr marL="285750" indent="-285750">
-              <a:buFont typeface="Arial" charset="0"/>
-              <a:buChar char="•"/>
-            </a:pPr>
-            <a:endParaRPr lang="sv-SE" dirty="0" smtClean="0">
-              <a:latin typeface="Minya Nouvelle" pitchFamily="2" charset="0"/>
-            </a:endParaRPr>
-          </a:p>
-          <a:p>
-            <a:pPr marL="285750" indent="-285750">
-              <a:buFont typeface="Arial" charset="0"/>
-              <a:buChar char="•"/>
-            </a:pPr>
-            <a:endParaRPr lang="sv-SE" dirty="0" smtClean="0">
-              <a:latin typeface="Minya Nouvelle" pitchFamily="2" charset="0"/>
-            </a:endParaRPr>
-          </a:p>
-        </p:txBody>
-      </p:sp>
-      <p:pic>
-        <p:nvPicPr>
-          <p:cNvPr id="5" name="Picture 2" descr="P:\Icons\128x128\shadow\scroll_preferences.png"/>
-          <p:cNvPicPr>
-            <a:picLocks noChangeAspect="1" noChangeArrowheads="1"/>
-          </p:cNvPicPr>
-          <p:nvPr/>
-        </p:nvPicPr>
-        <p:blipFill>
-          <a:blip r:embed="rId2">
-            <a:extLst>
-              <a:ext uri="{28A0092B-C50C-407E-A947-70E740481C1C}">
-                <a14:useLocalDpi xmlns:a14="http://schemas.microsoft.com/office/drawing/2010/main" val="0"/>
-              </a:ext>
-            </a:extLst>
-          </a:blip>
-          <a:srcRect/>
-          <a:stretch>
-            <a:fillRect/>
-          </a:stretch>
-        </p:blipFill>
-        <p:spPr bwMode="auto">
-          <a:xfrm>
-            <a:off x="7092280" y="500856"/>
-            <a:ext cx="1646237" cy="1646238"/>
-          </a:xfrm>
-          <a:prstGeom prst="rect">
-            <a:avLst/>
-          </a:prstGeom>
-          <a:noFill/>
-          <a:extLst>
-            <a:ext uri="{909E8E84-426E-40DD-AFC4-6F175D3DCCD1}">
-              <a14:hiddenFill xmlns:a14="http://schemas.microsoft.com/office/drawing/2010/main">
-                <a:solidFill>
-                  <a:srgbClr val="FFFFFF"/>
-                </a:solidFill>
-              </a14:hiddenFill>
-            </a:ext>
-          </a:extLst>
-        </p:spPr>
-      </p:pic>
-    </p:spTree>
-  </p:cSld>
-  <p:clrMapOvr>
-    <a:masterClrMapping/>
-  </p:clrMapOvr>
-  <p:timing>
-    <p:tnLst>
-      <p:par>
-        <p:cTn id="1" dur="indefinite" restart="never" nodeType="tmRoot"/>
-      </p:par>
-    </p:tnLst>
-  </p:timing>
-</p:sld>
-</file>
-
-<file path=ppt/slides/slide20.xml><?xml version="1.0" encoding="utf-8"?>
+<file path=ppt/slides/slide35.xml><?xml version="1.0" encoding="utf-8"?>
 <p:sld xmlns:a="http://schemas.openxmlformats.org/drawingml/2006/main" xmlns:r="http://schemas.openxmlformats.org/officeDocument/2006/relationships" xmlns:p="http://schemas.openxmlformats.org/presentationml/2006/main">
   <p:cSld>
     <p:spTree>
@@ -13834,7 +17033,7 @@
             </a:prstGeom>
             <a:noFill/>
             <a:extLst>
-              <a:ext uri="{909E8E84-426E-40DD-AFC4-6F175D3DCCD1}">
+              <a:ext uri="{909E8E84-426E-40dd-AFC4-6F175D3DCCD1}">
                 <a14:hiddenFill xmlns:a14="http://schemas.microsoft.com/office/drawing/2010/main">
                   <a:solidFill>
                     <a:srgbClr val="FFFFFF"/>
@@ -13875,7 +17074,7 @@
             </a:prstGeom>
             <a:noFill/>
             <a:extLst>
-              <a:ext uri="{909E8E84-426E-40DD-AFC4-6F175D3DCCD1}">
+              <a:ext uri="{909E8E84-426E-40dd-AFC4-6F175D3DCCD1}">
                 <a14:hiddenFill xmlns:a14="http://schemas.microsoft.com/office/drawing/2010/main">
                   <a:solidFill>
                     <a:srgbClr val="FFFFFF"/>
@@ -13917,7 +17116,7 @@
           </a:prstGeom>
           <a:noFill/>
           <a:extLst>
-            <a:ext uri="{909E8E84-426E-40DD-AFC4-6F175D3DCCD1}">
+            <a:ext uri="{909E8E84-426E-40dd-AFC4-6F175D3DCCD1}">
               <a14:hiddenFill xmlns:a14="http://schemas.microsoft.com/office/drawing/2010/main">
                 <a:solidFill>
                   <a:srgbClr val="FFFFFF"/>
@@ -13930,7 +17129,7 @@
     </p:spTree>
     <p:extLst>
       <p:ext uri="{BB962C8B-B14F-4D97-AF65-F5344CB8AC3E}">
-        <p14:creationId xmlns:p14="http://schemas.microsoft.com/office/powerpoint/2010/main" val="3464674804"/>
+        <p14:creationId xmlns:p14="http://schemas.microsoft.com/office/powerpoint/2010/main" val="528763046"/>
       </p:ext>
     </p:extLst>
   </p:cSld>
@@ -13940,14 +17139,14 @@
   <p:timing>
     <p:tnLst>
       <p:par>
-        <p:cTn id="1" dur="indefinite" restart="never" nodeType="tmRoot"/>
+        <p:cTn xmlns:p14="http://schemas.microsoft.com/office/powerpoint/2010/main" id="1" dur="indefinite" restart="never" nodeType="tmRoot"/>
       </p:par>
     </p:tnLst>
   </p:timing>
 </p:sld>
 </file>
 
-<file path=ppt/slides/slide21.xml><?xml version="1.0" encoding="utf-8"?>
+<file path=ppt/slides/slide36.xml><?xml version="1.0" encoding="utf-8"?>
 <p:sld xmlns:a="http://schemas.openxmlformats.org/drawingml/2006/main" xmlns:r="http://schemas.openxmlformats.org/officeDocument/2006/relationships" xmlns:p="http://schemas.openxmlformats.org/presentationml/2006/main">
   <p:cSld>
     <p:spTree>
@@ -14057,7 +17256,7 @@
           </a:prstGeom>
           <a:noFill/>
           <a:extLst>
-            <a:ext uri="{909E8E84-426E-40DD-AFC4-6F175D3DCCD1}">
+            <a:ext uri="{909E8E84-426E-40dd-AFC4-6F175D3DCCD1}">
               <a14:hiddenFill xmlns:a14="http://schemas.microsoft.com/office/drawing/2010/main">
                 <a:solidFill>
                   <a:srgbClr val="FFFFFF"/>
@@ -14076,7 +17275,7 @@
         <p:spPr>
           <a:xfrm>
             <a:off x="179512" y="5224472"/>
-            <a:ext cx="2917786" cy="369332"/>
+            <a:ext cx="3494316" cy="369332"/>
           </a:xfrm>
           <a:prstGeom prst="rect">
             <a:avLst/>
@@ -14096,11 +17295,26 @@
               <a:t>Källa: </a:t>
             </a:r>
             <a:r>
-              <a:rPr lang="sv-SE" dirty="0" smtClean="0">
+              <a:rPr lang="sv-SE" dirty="0" err="1" smtClean="0">
                 <a:latin typeface="Minya Nouvelle" pitchFamily="2" charset="0"/>
               </a:rPr>
-              <a:t>crockfordfacts.com</a:t>
-            </a:r>
+              <a:t>twitter.com</a:t>
+            </a:r>
+            <a:r>
+              <a:rPr lang="sv-SE" dirty="0">
+                <a:latin typeface="Minya Nouvelle" pitchFamily="2" charset="0"/>
+              </a:rPr>
+              <a:t>/</a:t>
+            </a:r>
+            <a:r>
+              <a:rPr lang="sv-SE" dirty="0" err="1">
+                <a:latin typeface="Minya Nouvelle" pitchFamily="2" charset="0"/>
+              </a:rPr>
+              <a:t>crockfordfacts</a:t>
+            </a:r>
+            <a:endParaRPr lang="sv-SE" dirty="0" smtClean="0">
+              <a:latin typeface="Minya Nouvelle" pitchFamily="2" charset="0"/>
+            </a:endParaRPr>
           </a:p>
         </p:txBody>
       </p:sp>
@@ -14135,7 +17349,7 @@
           </a:prstGeom>
           <a:noFill/>
           <a:extLst>
-            <a:ext uri="{909E8E84-426E-40DD-AFC4-6F175D3DCCD1}">
+            <a:ext uri="{909E8E84-426E-40dd-AFC4-6F175D3DCCD1}">
               <a14:hiddenFill xmlns:a14="http://schemas.microsoft.com/office/drawing/2010/main">
                 <a:solidFill>
                   <a:srgbClr val="FFFFFF"/>
@@ -14158,396 +17372,9 @@
   <p:timing>
     <p:tnLst>
       <p:par>
-        <p:cTn id="1" dur="indefinite" restart="never" nodeType="tmRoot"/>
+        <p:cTn xmlns:p14="http://schemas.microsoft.com/office/powerpoint/2010/main" id="1" dur="indefinite" restart="never" nodeType="tmRoot"/>
       </p:par>
     </p:tnLst>
-  </p:timing>
-</p:sld>
-</file>
-
-<file path=ppt/slides/slide3.xml><?xml version="1.0" encoding="utf-8"?>
-<p:sld xmlns:a="http://schemas.openxmlformats.org/drawingml/2006/main" xmlns:r="http://schemas.openxmlformats.org/officeDocument/2006/relationships" xmlns:p="http://schemas.openxmlformats.org/presentationml/2006/main">
-  <p:cSld>
-    <p:spTree>
-      <p:nvGrpSpPr>
-        <p:cNvPr id="1" name=""/>
-        <p:cNvGrpSpPr/>
-        <p:nvPr/>
-      </p:nvGrpSpPr>
-      <p:grpSpPr>
-        <a:xfrm>
-          <a:off x="0" y="0"/>
-          <a:ext cx="0" cy="0"/>
-          <a:chOff x="0" y="0"/>
-          <a:chExt cx="0" cy="0"/>
-        </a:xfrm>
-      </p:grpSpPr>
-      <p:sp>
-        <p:nvSpPr>
-          <p:cNvPr id="2" name="Title 1"/>
-          <p:cNvSpPr>
-            <a:spLocks noGrp="1"/>
-          </p:cNvSpPr>
-          <p:nvPr>
-            <p:ph type="ctrTitle"/>
-          </p:nvPr>
-        </p:nvSpPr>
-        <p:spPr/>
-        <p:txBody>
-          <a:bodyPr/>
-          <a:lstStyle/>
-          <a:p>
-            <a:r>
-              <a:rPr lang="sv-SE" dirty="0" smtClean="0"/>
-              <a:t>Cookies</a:t>
-            </a:r>
-            <a:endParaRPr lang="sv-SE" dirty="0"/>
-          </a:p>
-        </p:txBody>
-      </p:sp>
-      <p:pic>
-        <p:nvPicPr>
-          <p:cNvPr id="4" name="Picture 2" descr="P:\Icons\128x128\shadow\cookies.png"/>
-          <p:cNvPicPr>
-            <a:picLocks noChangeAspect="1" noChangeArrowheads="1"/>
-          </p:cNvPicPr>
-          <p:nvPr/>
-        </p:nvPicPr>
-        <p:blipFill>
-          <a:blip r:embed="rId3" cstate="print"/>
-          <a:srcRect/>
-          <a:stretch>
-            <a:fillRect/>
-          </a:stretch>
-        </p:blipFill>
-        <p:spPr bwMode="auto">
-          <a:xfrm>
-            <a:off x="8276868" y="265212"/>
-            <a:ext cx="611254" cy="611254"/>
-          </a:xfrm>
-          <a:prstGeom prst="rect">
-            <a:avLst/>
-          </a:prstGeom>
-          <a:noFill/>
-        </p:spPr>
-      </p:pic>
-      <p:sp>
-        <p:nvSpPr>
-          <p:cNvPr id="5" name="TextBox 4"/>
-          <p:cNvSpPr txBox="1"/>
-          <p:nvPr/>
-        </p:nvSpPr>
-        <p:spPr>
-          <a:xfrm>
-            <a:off x="381000" y="3745403"/>
-            <a:ext cx="6248400" cy="1200329"/>
-          </a:xfrm>
-          <a:prstGeom prst="rect">
-            <a:avLst/>
-          </a:prstGeom>
-          <a:noFill/>
-        </p:spPr>
-        <p:txBody>
-          <a:bodyPr wrap="square" rtlCol="0">
-            <a:spAutoFit/>
-          </a:bodyPr>
-          <a:lstStyle/>
-          <a:p>
-            <a:r>
-              <a:rPr lang="sv-SE" dirty="0" smtClean="0">
-                <a:latin typeface="Minya Nouvelle" charset="0"/>
-              </a:rPr>
-              <a:t>Undvik att använda mer än 20 cookies per domän</a:t>
-            </a:r>
-          </a:p>
-          <a:p>
-            <a:r>
-              <a:rPr lang="sv-SE" dirty="0" smtClean="0">
-                <a:latin typeface="Minya Nouvelle" charset="0"/>
-              </a:rPr>
-              <a:t>Håll dig under 4095 tecken per cookie</a:t>
-            </a:r>
-          </a:p>
-          <a:p>
-            <a:endParaRPr lang="sv-SE" dirty="0" smtClean="0">
-              <a:latin typeface="Minya Nouvelle" charset="0"/>
-            </a:endParaRPr>
-          </a:p>
-          <a:p>
-            <a:r>
-              <a:rPr lang="sv-SE" dirty="0" smtClean="0">
-                <a:latin typeface="Minya Nouvelle" charset="0"/>
-              </a:rPr>
-              <a:t>Du kommer åt cookies via </a:t>
-            </a:r>
-            <a:r>
-              <a:rPr lang="sv-SE" b="1" dirty="0" err="1" smtClean="0">
-                <a:latin typeface="Minya Nouvelle" charset="0"/>
-              </a:rPr>
-              <a:t>document.cookie</a:t>
-            </a:r>
-            <a:endParaRPr lang="sv-SE" b="1" dirty="0">
-              <a:latin typeface="Minya Nouvelle" charset="0"/>
-            </a:endParaRPr>
-          </a:p>
-        </p:txBody>
-      </p:sp>
-      <p:sp>
-        <p:nvSpPr>
-          <p:cNvPr id="7" name="TextBox 6"/>
-          <p:cNvSpPr txBox="1"/>
-          <p:nvPr/>
-        </p:nvSpPr>
-        <p:spPr>
-          <a:xfrm>
-            <a:off x="6017797" y="1849388"/>
-            <a:ext cx="2451312" cy="1477328"/>
-          </a:xfrm>
-          <a:prstGeom prst="rect">
-            <a:avLst/>
-          </a:prstGeom>
-          <a:noFill/>
-        </p:spPr>
-        <p:txBody>
-          <a:bodyPr wrap="none" rtlCol="0">
-            <a:spAutoFit/>
-          </a:bodyPr>
-          <a:lstStyle/>
-          <a:p>
-            <a:r>
-              <a:rPr lang="sv-SE" b="1" dirty="0" smtClean="0"/>
-              <a:t>Alternativ:</a:t>
-            </a:r>
-          </a:p>
-          <a:p>
-            <a:r>
-              <a:rPr lang="sv-SE" i="1" dirty="0" smtClean="0"/>
-              <a:t>IP-adress</a:t>
-            </a:r>
-          </a:p>
-          <a:p>
-            <a:r>
-              <a:rPr lang="sv-SE" i="1" dirty="0" smtClean="0"/>
-              <a:t>URL</a:t>
-            </a:r>
-          </a:p>
-          <a:p>
-            <a:r>
-              <a:rPr lang="sv-SE" i="1" dirty="0" smtClean="0"/>
-              <a:t>&lt;input </a:t>
-            </a:r>
-            <a:r>
-              <a:rPr lang="sv-SE" i="1" dirty="0" err="1" smtClean="0"/>
-              <a:t>type=”hidden</a:t>
-            </a:r>
-            <a:r>
-              <a:rPr lang="sv-SE" i="1" dirty="0" smtClean="0"/>
-              <a:t>” /&gt;</a:t>
-            </a:r>
-          </a:p>
-          <a:p>
-            <a:r>
-              <a:rPr lang="sv-SE" i="1" dirty="0" smtClean="0"/>
-              <a:t>Web </a:t>
-            </a:r>
-            <a:r>
-              <a:rPr lang="sv-SE" i="1" dirty="0" err="1" smtClean="0"/>
-              <a:t>Storage</a:t>
-            </a:r>
-            <a:endParaRPr lang="sv-SE" i="1" dirty="0"/>
-          </a:p>
-        </p:txBody>
-      </p:sp>
-      <p:pic>
-        <p:nvPicPr>
-          <p:cNvPr id="9218" name="Picture 2"/>
-          <p:cNvPicPr>
-            <a:picLocks noChangeAspect="1" noChangeArrowheads="1"/>
-          </p:cNvPicPr>
-          <p:nvPr/>
-        </p:nvPicPr>
-        <p:blipFill>
-          <a:blip r:embed="rId4">
-            <a:extLst>
-              <a:ext uri="{28A0092B-C50C-407E-A947-70E740481C1C}">
-                <a14:useLocalDpi xmlns:a14="http://schemas.microsoft.com/office/drawing/2010/main" val="0"/>
-              </a:ext>
-            </a:extLst>
-          </a:blip>
-          <a:srcRect/>
-          <a:stretch>
-            <a:fillRect/>
-          </a:stretch>
-        </p:blipFill>
-        <p:spPr bwMode="auto">
-          <a:xfrm>
-            <a:off x="467544" y="1371228"/>
-            <a:ext cx="4828570" cy="2278360"/>
-          </a:xfrm>
-          <a:prstGeom prst="rect">
-            <a:avLst/>
-          </a:prstGeom>
-          <a:noFill/>
-          <a:ln>
-            <a:noFill/>
-          </a:ln>
-          <a:effectLst/>
-          <a:extLst>
-            <a:ext uri="{909E8E84-426E-40DD-AFC4-6F175D3DCCD1}">
-              <a14:hiddenFill xmlns:a14="http://schemas.microsoft.com/office/drawing/2010/main">
-                <a:solidFill>
-                  <a:schemeClr val="accent1"/>
-                </a:solidFill>
-              </a14:hiddenFill>
-            </a:ext>
-            <a:ext uri="{91240B29-F687-4F45-9708-019B960494DF}">
-              <a14:hiddenLine xmlns:a14="http://schemas.microsoft.com/office/drawing/2010/main" w="9525">
-                <a:solidFill>
-                  <a:schemeClr val="tx1"/>
-                </a:solidFill>
-                <a:miter lim="800000"/>
-                <a:headEnd/>
-                <a:tailEnd/>
-              </a14:hiddenLine>
-            </a:ext>
-            <a:ext uri="{AF507438-7753-43E0-B8FC-AC1667EBCBE1}">
-              <a14:hiddenEffects xmlns:a14="http://schemas.microsoft.com/office/drawing/2010/main">
-                <a:effectLst>
-                  <a:outerShdw dist="35921" dir="2700000" algn="ctr" rotWithShape="0">
-                    <a:schemeClr val="bg2"/>
-                  </a:outerShdw>
-                </a:effectLst>
-              </a14:hiddenEffects>
-            </a:ext>
-          </a:extLst>
-        </p:spPr>
-      </p:pic>
-      <p:sp>
-        <p:nvSpPr>
-          <p:cNvPr id="9" name="TextBox 8"/>
-          <p:cNvSpPr txBox="1"/>
-          <p:nvPr/>
-        </p:nvSpPr>
-        <p:spPr>
-          <a:xfrm rot="21231203">
-            <a:off x="4508482" y="4803841"/>
-            <a:ext cx="4556119" cy="403187"/>
-          </a:xfrm>
-          <a:prstGeom prst="rect">
-            <a:avLst/>
-          </a:prstGeom>
-          <a:noFill/>
-        </p:spPr>
-        <p:txBody>
-          <a:bodyPr wrap="none" lIns="109728" tIns="54864" rIns="109728" bIns="54864" rtlCol="0">
-            <a:spAutoFit/>
-          </a:bodyPr>
-          <a:lstStyle/>
-          <a:p>
-            <a:r>
-              <a:rPr lang="sv-SE" sz="1900" dirty="0">
-                <a:latin typeface="Minya Nouvelle" charset="0"/>
-              </a:rPr>
-              <a:t>Lagen om elektronisk kommunikation</a:t>
-            </a:r>
-          </a:p>
-        </p:txBody>
-      </p:sp>
-    </p:spTree>
-    <p:extLst>
-      <p:ext uri="{BB962C8B-B14F-4D97-AF65-F5344CB8AC3E}">
-        <p14:creationId xmlns:p14="http://schemas.microsoft.com/office/powerpoint/2010/main" val="1181114920"/>
-      </p:ext>
-    </p:extLst>
-  </p:cSld>
-  <p:clrMapOvr>
-    <a:masterClrMapping/>
-  </p:clrMapOvr>
-  <p:timing>
-    <p:tnLst>
-      <p:par>
-        <p:cTn id="1" dur="indefinite" restart="never" nodeType="tmRoot">
-          <p:childTnLst>
-            <p:seq concurrent="1" nextAc="seek">
-              <p:cTn id="2" dur="indefinite" nodeType="mainSeq">
-                <p:childTnLst>
-                  <p:par>
-                    <p:cTn id="3" fill="hold">
-                      <p:stCondLst>
-                        <p:cond delay="indefinite"/>
-                      </p:stCondLst>
-                      <p:childTnLst>
-                        <p:par>
-                          <p:cTn id="4" fill="hold">
-                            <p:stCondLst>
-                              <p:cond delay="0"/>
-                            </p:stCondLst>
-                            <p:childTnLst>
-                              <p:par>
-                                <p:cTn id="5" presetID="10" presetClass="entr" presetSubtype="0" fill="hold" grpId="0" nodeType="clickEffect">
-                                  <p:stCondLst>
-                                    <p:cond delay="0"/>
-                                  </p:stCondLst>
-                                  <p:childTnLst>
-                                    <p:set>
-                                      <p:cBhvr>
-                                        <p:cTn id="6" dur="1" fill="hold">
-                                          <p:stCondLst>
-                                            <p:cond delay="0"/>
-                                          </p:stCondLst>
-                                        </p:cTn>
-                                        <p:tgtEl>
-                                          <p:spTgt spid="9"/>
-                                        </p:tgtEl>
-                                        <p:attrNameLst>
-                                          <p:attrName>style.visibility</p:attrName>
-                                        </p:attrNameLst>
-                                      </p:cBhvr>
-                                      <p:to>
-                                        <p:strVal val="visible"/>
-                                      </p:to>
-                                    </p:set>
-                                    <p:animEffect transition="in" filter="fade">
-                                      <p:cBhvr>
-                                        <p:cTn id="7" dur="2000"/>
-                                        <p:tgtEl>
-                                          <p:spTgt spid="9"/>
-                                        </p:tgtEl>
-                                      </p:cBhvr>
-                                    </p:animEffect>
-                                  </p:childTnLst>
-                                </p:cTn>
-                              </p:par>
-                            </p:childTnLst>
-                          </p:cTn>
-                        </p:par>
-                      </p:childTnLst>
-                    </p:cTn>
-                  </p:par>
-                </p:childTnLst>
-              </p:cTn>
-              <p:prevCondLst>
-                <p:cond evt="onPrev" delay="0">
-                  <p:tgtEl>
-                    <p:sldTgt/>
-                  </p:tgtEl>
-                </p:cond>
-              </p:prevCondLst>
-              <p:nextCondLst>
-                <p:cond evt="onNext" delay="0">
-                  <p:tgtEl>
-                    <p:sldTgt/>
-                  </p:tgtEl>
-                </p:cond>
-              </p:nextCondLst>
-            </p:seq>
-          </p:childTnLst>
-        </p:cTn>
-      </p:par>
-    </p:tnLst>
-    <p:bldLst>
-      <p:bldP spid="9" grpId="0"/>
-    </p:bldLst>
   </p:timing>
 </p:sld>
 </file>
@@ -14585,6 +17412,457 @@
           <a:lstStyle/>
           <a:p>
             <a:r>
+              <a:rPr lang="en-US" dirty="0" smtClean="0"/>
+              <a:t>Web Storage</a:t>
+            </a:r>
+            <a:endParaRPr lang="en-US" dirty="0"/>
+          </a:p>
+        </p:txBody>
+      </p:sp>
+      <p:pic>
+        <p:nvPicPr>
+          <p:cNvPr id="4" name="Picture 2" descr="C:\Users\tstjo\AppData\Local\Temp\SNAGHTML9b8e1343.PNG"/>
+          <p:cNvPicPr>
+            <a:picLocks noChangeAspect="1" noChangeArrowheads="1"/>
+          </p:cNvPicPr>
+          <p:nvPr/>
+        </p:nvPicPr>
+        <p:blipFill>
+          <a:blip r:embed="rId2" cstate="print">
+            <a:extLst>
+              <a:ext uri="{28A0092B-C50C-407E-A947-70E740481C1C}">
+                <a14:useLocalDpi xmlns:a14="http://schemas.microsoft.com/office/drawing/2010/main" val="0"/>
+              </a:ext>
+            </a:extLst>
+          </a:blip>
+          <a:srcRect/>
+          <a:stretch>
+            <a:fillRect/>
+          </a:stretch>
+        </p:blipFill>
+        <p:spPr bwMode="auto">
+          <a:xfrm>
+            <a:off x="2627784" y="1417340"/>
+            <a:ext cx="4203597" cy="3816424"/>
+          </a:xfrm>
+          <a:prstGeom prst="rect">
+            <a:avLst/>
+          </a:prstGeom>
+          <a:ln>
+            <a:noFill/>
+          </a:ln>
+          <a:effectLst>
+            <a:outerShdw blurRad="190500" algn="tl" rotWithShape="0">
+              <a:srgbClr val="000000">
+                <a:alpha val="70000"/>
+              </a:srgbClr>
+            </a:outerShdw>
+          </a:effectLst>
+          <a:extLst>
+            <a:ext uri="{909E8E84-426E-40dd-AFC4-6F175D3DCCD1}">
+              <a14:hiddenFill xmlns:a14="http://schemas.microsoft.com/office/drawing/2010/main">
+                <a:solidFill>
+                  <a:srgbClr val="FFFFFF"/>
+                </a:solidFill>
+              </a14:hiddenFill>
+            </a:ext>
+          </a:extLst>
+        </p:spPr>
+      </p:pic>
+      <p:pic>
+        <p:nvPicPr>
+          <p:cNvPr id="5" name="Picture 2" descr="S:\dfm\info\icons\v-collections\v_collections_png\business_finance_data\256x256\shadow\shelf_empty.png"/>
+          <p:cNvPicPr>
+            <a:picLocks noChangeAspect="1" noChangeArrowheads="1"/>
+          </p:cNvPicPr>
+          <p:nvPr/>
+        </p:nvPicPr>
+        <p:blipFill>
+          <a:blip r:embed="rId3">
+            <a:extLst>
+              <a:ext uri="{28A0092B-C50C-407E-A947-70E740481C1C}">
+                <a14:useLocalDpi xmlns:a14="http://schemas.microsoft.com/office/drawing/2010/main" val="0"/>
+              </a:ext>
+            </a:extLst>
+          </a:blip>
+          <a:srcRect/>
+          <a:stretch>
+            <a:fillRect/>
+          </a:stretch>
+        </p:blipFill>
+        <p:spPr bwMode="auto">
+          <a:xfrm>
+            <a:off x="4743149" y="3217540"/>
+            <a:ext cx="1978842" cy="1978842"/>
+          </a:xfrm>
+          <a:prstGeom prst="rect">
+            <a:avLst/>
+          </a:prstGeom>
+          <a:noFill/>
+          <a:extLst>
+            <a:ext uri="{909E8E84-426E-40dd-AFC4-6F175D3DCCD1}">
+              <a14:hiddenFill xmlns:a14="http://schemas.microsoft.com/office/drawing/2010/main">
+                <a:solidFill>
+                  <a:srgbClr val="FFFFFF"/>
+                </a:solidFill>
+              </a14:hiddenFill>
+            </a:ext>
+          </a:extLst>
+        </p:spPr>
+      </p:pic>
+      <p:sp>
+        <p:nvSpPr>
+          <p:cNvPr id="6" name="TextBox 5"/>
+          <p:cNvSpPr txBox="1"/>
+          <p:nvPr/>
+        </p:nvSpPr>
+        <p:spPr>
+          <a:xfrm>
+            <a:off x="4788024" y="2137420"/>
+            <a:ext cx="1723549" cy="923330"/>
+          </a:xfrm>
+          <a:prstGeom prst="rect">
+            <a:avLst/>
+          </a:prstGeom>
+          <a:noFill/>
+        </p:spPr>
+        <p:txBody>
+          <a:bodyPr wrap="none" rtlCol="0">
+            <a:spAutoFit/>
+          </a:bodyPr>
+          <a:lstStyle/>
+          <a:p>
+            <a:pPr algn="ctr"/>
+            <a:r>
+              <a:rPr lang="sv-SE" b="1" dirty="0" err="1" smtClean="0">
+                <a:latin typeface="Times New Roman" pitchFamily="18" charset="0"/>
+                <a:cs typeface="Times New Roman" pitchFamily="18" charset="0"/>
+              </a:rPr>
+              <a:t>Local</a:t>
+            </a:r>
+            <a:r>
+              <a:rPr lang="sv-SE" b="1" dirty="0" smtClean="0">
+                <a:latin typeface="Times New Roman" pitchFamily="18" charset="0"/>
+                <a:cs typeface="Times New Roman" pitchFamily="18" charset="0"/>
+              </a:rPr>
+              <a:t> </a:t>
+            </a:r>
+            <a:r>
+              <a:rPr lang="sv-SE" b="1" dirty="0" err="1" smtClean="0">
+                <a:latin typeface="Times New Roman" pitchFamily="18" charset="0"/>
+                <a:cs typeface="Times New Roman" pitchFamily="18" charset="0"/>
+              </a:rPr>
+              <a:t>Storage</a:t>
+            </a:r>
+            <a:endParaRPr lang="sv-SE" b="1" dirty="0">
+              <a:latin typeface="Times New Roman" pitchFamily="18" charset="0"/>
+              <a:cs typeface="Times New Roman" pitchFamily="18" charset="0"/>
+            </a:endParaRPr>
+          </a:p>
+          <a:p>
+            <a:pPr algn="ctr"/>
+            <a:r>
+              <a:rPr lang="sv-SE" b="1" dirty="0" smtClean="0">
+                <a:latin typeface="Times New Roman" pitchFamily="18" charset="0"/>
+                <a:cs typeface="Times New Roman" pitchFamily="18" charset="0"/>
+              </a:rPr>
+              <a:t>&amp;</a:t>
+            </a:r>
+          </a:p>
+          <a:p>
+            <a:pPr algn="ctr"/>
+            <a:r>
+              <a:rPr lang="sv-SE" b="1" dirty="0" smtClean="0">
+                <a:latin typeface="Times New Roman" pitchFamily="18" charset="0"/>
+                <a:cs typeface="Times New Roman" pitchFamily="18" charset="0"/>
+              </a:rPr>
+              <a:t>Session </a:t>
+            </a:r>
+            <a:r>
+              <a:rPr lang="sv-SE" b="1" dirty="0" err="1" smtClean="0">
+                <a:latin typeface="Times New Roman" pitchFamily="18" charset="0"/>
+                <a:cs typeface="Times New Roman" pitchFamily="18" charset="0"/>
+              </a:rPr>
+              <a:t>Storage</a:t>
+            </a:r>
+            <a:endParaRPr lang="sv-SE" sz="1400" b="1" dirty="0">
+              <a:latin typeface="Times New Roman" pitchFamily="18" charset="0"/>
+              <a:cs typeface="Times New Roman" pitchFamily="18" charset="0"/>
+            </a:endParaRPr>
+          </a:p>
+        </p:txBody>
+      </p:sp>
+    </p:spTree>
+    <p:extLst>
+      <p:ext uri="{BB962C8B-B14F-4D97-AF65-F5344CB8AC3E}">
+        <p14:creationId xmlns:p14="http://schemas.microsoft.com/office/powerpoint/2010/main" val="1545654104"/>
+      </p:ext>
+    </p:extLst>
+  </p:cSld>
+  <p:clrMapOvr>
+    <a:masterClrMapping/>
+  </p:clrMapOvr>
+</p:sld>
+</file>
+
+<file path=ppt/slides/slide5.xml><?xml version="1.0" encoding="utf-8"?>
+<p:sld xmlns:a="http://schemas.openxmlformats.org/drawingml/2006/main" xmlns:r="http://schemas.openxmlformats.org/officeDocument/2006/relationships" xmlns:p="http://schemas.openxmlformats.org/presentationml/2006/main">
+  <p:cSld>
+    <p:spTree>
+      <p:nvGrpSpPr>
+        <p:cNvPr id="1" name=""/>
+        <p:cNvGrpSpPr/>
+        <p:nvPr/>
+      </p:nvGrpSpPr>
+      <p:grpSpPr>
+        <a:xfrm>
+          <a:off x="0" y="0"/>
+          <a:ext cx="0" cy="0"/>
+          <a:chOff x="0" y="0"/>
+          <a:chExt cx="0" cy="0"/>
+        </a:xfrm>
+      </p:grpSpPr>
+      <p:sp>
+        <p:nvSpPr>
+          <p:cNvPr id="7" name="Subtitle 6"/>
+          <p:cNvSpPr>
+            <a:spLocks noGrp="1"/>
+          </p:cNvSpPr>
+          <p:nvPr>
+            <p:ph type="subTitle" idx="1"/>
+          </p:nvPr>
+        </p:nvSpPr>
+        <p:spPr/>
+        <p:txBody>
+          <a:bodyPr/>
+          <a:lstStyle/>
+          <a:p>
+            <a:endParaRPr lang="en-US"/>
+          </a:p>
+        </p:txBody>
+      </p:sp>
+      <p:sp>
+        <p:nvSpPr>
+          <p:cNvPr id="4" name="Rectangle 3"/>
+          <p:cNvSpPr/>
+          <p:nvPr/>
+        </p:nvSpPr>
+        <p:spPr>
+          <a:xfrm>
+            <a:off x="4572000" y="5161756"/>
+            <a:ext cx="4362643" cy="369332"/>
+          </a:xfrm>
+          <a:prstGeom prst="rect">
+            <a:avLst/>
+          </a:prstGeom>
+        </p:spPr>
+        <p:txBody>
+          <a:bodyPr wrap="none">
+            <a:spAutoFit/>
+          </a:bodyPr>
+          <a:lstStyle/>
+          <a:p>
+            <a:r>
+              <a:rPr lang="en-US" dirty="0"/>
+              <a:t>https://</a:t>
+            </a:r>
+            <a:r>
+              <a:rPr lang="en-US" dirty="0" err="1"/>
+              <a:t>github.com</a:t>
+            </a:r>
+            <a:r>
+              <a:rPr lang="en-US" dirty="0"/>
+              <a:t>/</a:t>
+            </a:r>
+            <a:r>
+              <a:rPr lang="en-US" dirty="0" err="1"/>
+              <a:t>mdn</a:t>
+            </a:r>
+            <a:r>
+              <a:rPr lang="en-US" dirty="0"/>
+              <a:t>/web-storage-demo</a:t>
+            </a:r>
+          </a:p>
+        </p:txBody>
+      </p:sp>
+      <p:pic>
+        <p:nvPicPr>
+          <p:cNvPr id="5" name="Picture 4"/>
+          <p:cNvPicPr>
+            <a:picLocks noChangeAspect="1"/>
+          </p:cNvPicPr>
+          <p:nvPr/>
+        </p:nvPicPr>
+        <p:blipFill>
+          <a:blip r:embed="rId2"/>
+          <a:stretch>
+            <a:fillRect/>
+          </a:stretch>
+        </p:blipFill>
+        <p:spPr>
+          <a:xfrm>
+            <a:off x="3203848" y="2857500"/>
+            <a:ext cx="5626100" cy="2349500"/>
+          </a:xfrm>
+          <a:prstGeom prst="rect">
+            <a:avLst/>
+          </a:prstGeom>
+        </p:spPr>
+      </p:pic>
+      <p:pic>
+        <p:nvPicPr>
+          <p:cNvPr id="6" name="Picture 5"/>
+          <p:cNvPicPr>
+            <a:picLocks noChangeAspect="1"/>
+          </p:cNvPicPr>
+          <p:nvPr/>
+        </p:nvPicPr>
+        <p:blipFill>
+          <a:blip r:embed="rId3"/>
+          <a:stretch>
+            <a:fillRect/>
+          </a:stretch>
+        </p:blipFill>
+        <p:spPr>
+          <a:xfrm>
+            <a:off x="251520" y="193204"/>
+            <a:ext cx="6486380" cy="2592288"/>
+          </a:xfrm>
+          <a:prstGeom prst="rect">
+            <a:avLst/>
+          </a:prstGeom>
+        </p:spPr>
+      </p:pic>
+    </p:spTree>
+    <p:extLst>
+      <p:ext uri="{BB962C8B-B14F-4D97-AF65-F5344CB8AC3E}">
+        <p14:creationId xmlns:p14="http://schemas.microsoft.com/office/powerpoint/2010/main" val="2538914523"/>
+      </p:ext>
+    </p:extLst>
+  </p:cSld>
+  <p:clrMapOvr>
+    <a:masterClrMapping/>
+  </p:clrMapOvr>
+</p:sld>
+</file>
+
+<file path=ppt/slides/slide6.xml><?xml version="1.0" encoding="utf-8"?>
+<p:sld xmlns:a="http://schemas.openxmlformats.org/drawingml/2006/main" xmlns:r="http://schemas.openxmlformats.org/officeDocument/2006/relationships" xmlns:p="http://schemas.openxmlformats.org/presentationml/2006/main">
+  <p:cSld>
+    <p:spTree>
+      <p:nvGrpSpPr>
+        <p:cNvPr id="1" name=""/>
+        <p:cNvGrpSpPr/>
+        <p:nvPr/>
+      </p:nvGrpSpPr>
+      <p:grpSpPr>
+        <a:xfrm>
+          <a:off x="0" y="0"/>
+          <a:ext cx="0" cy="0"/>
+          <a:chOff x="0" y="0"/>
+          <a:chExt cx="0" cy="0"/>
+        </a:xfrm>
+      </p:grpSpPr>
+      <p:sp>
+        <p:nvSpPr>
+          <p:cNvPr id="2" name="Title 1"/>
+          <p:cNvSpPr>
+            <a:spLocks noGrp="1"/>
+          </p:cNvSpPr>
+          <p:nvPr>
+            <p:ph type="ctrTitle"/>
+          </p:nvPr>
+        </p:nvSpPr>
+        <p:spPr/>
+        <p:txBody>
+          <a:bodyPr/>
+          <a:lstStyle/>
+          <a:p>
+            <a:r>
+              <a:rPr lang="sv-SE" sz="3600" dirty="0">
+                <a:latin typeface="Minya Nouvelle" charset="0"/>
+              </a:rPr>
+              <a:t>Lagen om elektronisk kommunikation</a:t>
+            </a:r>
+            <a:br>
+              <a:rPr lang="sv-SE" sz="3600" dirty="0">
+                <a:latin typeface="Minya Nouvelle" charset="0"/>
+              </a:rPr>
+            </a:br>
+            <a:endParaRPr lang="en-US" sz="3600" dirty="0"/>
+          </a:p>
+        </p:txBody>
+      </p:sp>
+      <p:pic>
+        <p:nvPicPr>
+          <p:cNvPr id="5" name="Picture 4"/>
+          <p:cNvPicPr>
+            <a:picLocks noChangeAspect="1"/>
+          </p:cNvPicPr>
+          <p:nvPr/>
+        </p:nvPicPr>
+        <p:blipFill>
+          <a:blip r:embed="rId2"/>
+          <a:stretch>
+            <a:fillRect/>
+          </a:stretch>
+        </p:blipFill>
+        <p:spPr>
+          <a:xfrm>
+            <a:off x="1331640" y="1057300"/>
+            <a:ext cx="6361124" cy="4462884"/>
+          </a:xfrm>
+          <a:prstGeom prst="rect">
+            <a:avLst/>
+          </a:prstGeom>
+        </p:spPr>
+      </p:pic>
+    </p:spTree>
+    <p:extLst>
+      <p:ext uri="{BB962C8B-B14F-4D97-AF65-F5344CB8AC3E}">
+        <p14:creationId xmlns:p14="http://schemas.microsoft.com/office/powerpoint/2010/main" val="3613216789"/>
+      </p:ext>
+    </p:extLst>
+  </p:cSld>
+  <p:clrMapOvr>
+    <a:masterClrMapping/>
+  </p:clrMapOvr>
+</p:sld>
+</file>
+
+<file path=ppt/slides/slide7.xml><?xml version="1.0" encoding="utf-8"?>
+<p:sld xmlns:a="http://schemas.openxmlformats.org/drawingml/2006/main" xmlns:r="http://schemas.openxmlformats.org/officeDocument/2006/relationships" xmlns:p="http://schemas.openxmlformats.org/presentationml/2006/main">
+  <p:cSld>
+    <p:spTree>
+      <p:nvGrpSpPr>
+        <p:cNvPr id="1" name=""/>
+        <p:cNvGrpSpPr/>
+        <p:nvPr/>
+      </p:nvGrpSpPr>
+      <p:grpSpPr>
+        <a:xfrm>
+          <a:off x="0" y="0"/>
+          <a:ext cx="0" cy="0"/>
+          <a:chOff x="0" y="0"/>
+          <a:chExt cx="0" cy="0"/>
+        </a:xfrm>
+      </p:grpSpPr>
+      <p:sp>
+        <p:nvSpPr>
+          <p:cNvPr id="2" name="Title 1"/>
+          <p:cNvSpPr>
+            <a:spLocks noGrp="1"/>
+          </p:cNvSpPr>
+          <p:nvPr>
+            <p:ph type="ctrTitle"/>
+          </p:nvPr>
+        </p:nvSpPr>
+        <p:spPr/>
+        <p:txBody>
+          <a:bodyPr/>
+          <a:lstStyle/>
+          <a:p>
+            <a:r>
               <a:rPr lang="sv-SE" dirty="0" err="1" smtClean="0"/>
               <a:t>Context</a:t>
             </a:r>
@@ -14932,7 +18210,27 @@
                 <a:latin typeface="Courier New" pitchFamily="49" charset="0"/>
                 <a:cs typeface="Courier New" pitchFamily="49" charset="0"/>
               </a:rPr>
-              <a:t>      alert(</a:t>
+              <a:t>      </a:t>
+            </a:r>
+            <a:r>
+              <a:rPr lang="sv-SE" sz="1400" b="1" dirty="0" err="1" smtClean="0">
+                <a:solidFill>
+                  <a:schemeClr val="tx1"/>
+                </a:solidFill>
+                <a:latin typeface="Courier New" pitchFamily="49" charset="0"/>
+                <a:cs typeface="Courier New" pitchFamily="49" charset="0"/>
+              </a:rPr>
+              <a:t>console.log</a:t>
+            </a:r>
+            <a:r>
+              <a:rPr lang="sv-SE" sz="1400" b="1" dirty="0" smtClean="0">
+                <a:solidFill>
+                  <a:schemeClr val="tx1"/>
+                </a:solidFill>
+                <a:latin typeface="Courier New" pitchFamily="49" charset="0"/>
+                <a:cs typeface="Courier New" pitchFamily="49" charset="0"/>
+              </a:rPr>
+              <a:t>(</a:t>
             </a:r>
             <a:r>
               <a:rPr lang="sv-SE" sz="1400" b="1" dirty="0" err="1" smtClean="0">
@@ -15369,7 +18667,7 @@
           </a:prstGeom>
           <a:noFill/>
           <a:extLst>
-            <a:ext uri="{909E8E84-426E-40DD-AFC4-6F175D3DCCD1}">
+            <a:ext uri="{909E8E84-426E-40dd-AFC4-6F175D3DCCD1}">
               <a14:hiddenFill xmlns:a14="http://schemas.microsoft.com/office/drawing/2010/main">
                 <a:solidFill>
                   <a:srgbClr val="FFFFFF"/>
@@ -15392,7 +18690,7 @@
   <p:timing>
     <p:tnLst>
       <p:par>
-        <p:cTn id="1" dur="indefinite" restart="never" nodeType="tmRoot">
+        <p:cTn xmlns:p14="http://schemas.microsoft.com/office/powerpoint/2010/main" id="1" dur="indefinite" restart="never" nodeType="tmRoot">
           <p:childTnLst>
             <p:seq concurrent="1" nextAc="seek">
               <p:cTn id="2" dur="indefinite" nodeType="mainSeq">
@@ -15532,7 +18830,7 @@
 </p:sld>
 </file>
 
-<file path=ppt/slides/slide5.xml><?xml version="1.0" encoding="utf-8"?>
+<file path=ppt/slides/slide8.xml><?xml version="1.0" encoding="utf-8"?>
 <p:sld xmlns:a="http://schemas.openxmlformats.org/drawingml/2006/main" xmlns:r="http://schemas.openxmlformats.org/officeDocument/2006/relationships" xmlns:p="http://schemas.openxmlformats.org/presentationml/2006/main">
   <p:cSld>
     <p:spTree>
@@ -16110,7 +19408,7 @@
           </a:prstGeom>
           <a:noFill/>
           <a:extLst>
-            <a:ext uri="{909E8E84-426E-40DD-AFC4-6F175D3DCCD1}">
+            <a:ext uri="{909E8E84-426E-40dd-AFC4-6F175D3DCCD1}">
               <a14:hiddenFill xmlns:a14="http://schemas.microsoft.com/office/drawing/2010/main">
                 <a:solidFill>
                   <a:srgbClr val="FFFFFF"/>
@@ -16133,7 +19431,7 @@
   <p:timing>
     <p:tnLst>
       <p:par>
-        <p:cTn id="1" dur="indefinite" restart="never" nodeType="tmRoot">
+        <p:cTn xmlns:p14="http://schemas.microsoft.com/office/powerpoint/2010/main" id="1" dur="indefinite" restart="never" nodeType="tmRoot">
           <p:childTnLst>
             <p:seq concurrent="1" nextAc="seek">
               <p:cTn id="2" dur="indefinite" nodeType="mainSeq">
@@ -16255,7 +19553,7 @@
 </p:sld>
 </file>
 
-<file path=ppt/slides/slide6.xml><?xml version="1.0" encoding="utf-8"?>
+<file path=ppt/slides/slide9.xml><?xml version="1.0" encoding="utf-8"?>
 <p:sld xmlns:a="http://schemas.openxmlformats.org/drawingml/2006/main" xmlns:r="http://schemas.openxmlformats.org/officeDocument/2006/relationships" xmlns:p="http://schemas.openxmlformats.org/presentationml/2006/main">
   <p:cSld>
     <p:spTree>
@@ -16893,7 +20191,7 @@
           </a:prstGeom>
           <a:noFill/>
           <a:extLst>
-            <a:ext uri="{909E8E84-426E-40DD-AFC4-6F175D3DCCD1}">
+            <a:ext uri="{909E8E84-426E-40dd-AFC4-6F175D3DCCD1}">
               <a14:hiddenFill xmlns:a14="http://schemas.microsoft.com/office/drawing/2010/main">
                 <a:solidFill>
                   <a:srgbClr val="FFFFFF"/>
@@ -16916,1158 +20214,7 @@
   <p:timing>
     <p:tnLst>
       <p:par>
-        <p:cTn id="1" dur="indefinite" restart="never" nodeType="tmRoot"/>
-      </p:par>
-    </p:tnLst>
-  </p:timing>
-</p:sld>
-</file>
-
-<file path=ppt/slides/slide7.xml><?xml version="1.0" encoding="utf-8"?>
-<p:sld xmlns:a="http://schemas.openxmlformats.org/drawingml/2006/main" xmlns:r="http://schemas.openxmlformats.org/officeDocument/2006/relationships" xmlns:p="http://schemas.openxmlformats.org/presentationml/2006/main">
-  <p:cSld>
-    <p:spTree>
-      <p:nvGrpSpPr>
-        <p:cNvPr id="1" name=""/>
-        <p:cNvGrpSpPr/>
-        <p:nvPr/>
-      </p:nvGrpSpPr>
-      <p:grpSpPr>
-        <a:xfrm>
-          <a:off x="0" y="0"/>
-          <a:ext cx="0" cy="0"/>
-          <a:chOff x="0" y="0"/>
-          <a:chExt cx="0" cy="0"/>
-        </a:xfrm>
-      </p:grpSpPr>
-      <p:sp>
-        <p:nvSpPr>
-          <p:cNvPr id="2" name="Title 1"/>
-          <p:cNvSpPr>
-            <a:spLocks noGrp="1"/>
-          </p:cNvSpPr>
-          <p:nvPr>
-            <p:ph type="ctrTitle"/>
-          </p:nvPr>
-        </p:nvSpPr>
-        <p:spPr/>
-        <p:txBody>
-          <a:bodyPr/>
-          <a:lstStyle/>
-          <a:p>
-            <a:r>
-              <a:rPr lang="sv-SE" dirty="0" err="1" smtClean="0"/>
-              <a:t>Augmentation</a:t>
-            </a:r>
-            <a:endParaRPr lang="sv-SE" dirty="0"/>
-          </a:p>
-        </p:txBody>
-      </p:sp>
-      <p:sp>
-        <p:nvSpPr>
-          <p:cNvPr id="3" name="Subtitle 2"/>
-          <p:cNvSpPr>
-            <a:spLocks noGrp="1"/>
-          </p:cNvSpPr>
-          <p:nvPr>
-            <p:ph type="subTitle" idx="1"/>
-          </p:nvPr>
-        </p:nvSpPr>
-        <p:spPr>
-          <a:xfrm>
-            <a:off x="395536" y="1273324"/>
-            <a:ext cx="7344816" cy="3888432"/>
-          </a:xfrm>
-        </p:spPr>
-        <p:txBody>
-          <a:bodyPr/>
-          <a:lstStyle/>
-          <a:p>
-            <a:r>
-              <a:rPr lang="sv-SE" dirty="0"/>
-              <a:t>Vi kan till och med </a:t>
-            </a:r>
-            <a:r>
-              <a:rPr lang="sv-SE" dirty="0" smtClean="0"/>
-              <a:t>förstärka, bygga ut </a:t>
-            </a:r>
-            <a:r>
-              <a:rPr lang="sv-SE" dirty="0"/>
-              <a:t>alla inbyggda </a:t>
-            </a:r>
-            <a:r>
-              <a:rPr lang="sv-SE" dirty="0" smtClean="0"/>
-              <a:t>objekt!</a:t>
-            </a:r>
-            <a:endParaRPr lang="sv-SE" dirty="0"/>
-          </a:p>
-          <a:p>
-            <a:endParaRPr lang="sv-SE" dirty="0"/>
-          </a:p>
-          <a:p>
-            <a:r>
-              <a:rPr lang="sv-SE" dirty="0"/>
-              <a:t>Till exempel skulle vi kunna skapa en egen </a:t>
-            </a:r>
-            <a:r>
-              <a:rPr lang="sv-SE" b="1" dirty="0" err="1" smtClean="0"/>
-              <a:t>getElementsByClassName</a:t>
-            </a:r>
-            <a:r>
-              <a:rPr lang="sv-SE" dirty="0" smtClean="0"/>
-              <a:t> </a:t>
-            </a:r>
-            <a:r>
-              <a:rPr lang="sv-SE" dirty="0"/>
-              <a:t>på </a:t>
-            </a:r>
-            <a:r>
-              <a:rPr lang="sv-SE" dirty="0" err="1" smtClean="0"/>
-              <a:t>document</a:t>
-            </a:r>
-            <a:r>
-              <a:rPr lang="sv-SE" dirty="0" smtClean="0"/>
-              <a:t>-objektet för de webbläsare som ej stödjer denna funktion.</a:t>
-            </a:r>
-          </a:p>
-          <a:p>
-            <a:endParaRPr lang="sv-SE" dirty="0"/>
-          </a:p>
-          <a:p>
-            <a:r>
-              <a:rPr lang="sv-SE" dirty="0" smtClean="0"/>
-              <a:t>Var dock väldigt försiktig med att lägga till funktionalitet på de inbyggda objekten. </a:t>
-            </a:r>
-            <a:endParaRPr lang="sv-SE" dirty="0"/>
-          </a:p>
-          <a:p>
-            <a:endParaRPr lang="sv-SE" dirty="0"/>
-          </a:p>
-        </p:txBody>
-      </p:sp>
-      <p:pic>
-        <p:nvPicPr>
-          <p:cNvPr id="4" name="Picture 3" descr="P:\Icons\48x48\shadow\cube_yellow_add.png"/>
-          <p:cNvPicPr>
-            <a:picLocks noChangeAspect="1" noChangeArrowheads="1"/>
-          </p:cNvPicPr>
-          <p:nvPr/>
-        </p:nvPicPr>
-        <p:blipFill>
-          <a:blip r:embed="rId3">
-            <a:extLst>
-              <a:ext uri="{28A0092B-C50C-407E-A947-70E740481C1C}">
-                <a14:useLocalDpi xmlns:a14="http://schemas.microsoft.com/office/drawing/2010/main" val="0"/>
-              </a:ext>
-            </a:extLst>
-          </a:blip>
-          <a:srcRect/>
-          <a:stretch>
-            <a:fillRect/>
-          </a:stretch>
-        </p:blipFill>
-        <p:spPr bwMode="auto">
-          <a:xfrm>
-            <a:off x="8272544" y="267610"/>
-            <a:ext cx="617537" cy="617538"/>
-          </a:xfrm>
-          <a:prstGeom prst="rect">
-            <a:avLst/>
-          </a:prstGeom>
-          <a:noFill/>
-          <a:extLst>
-            <a:ext uri="{909E8E84-426E-40DD-AFC4-6F175D3DCCD1}">
-              <a14:hiddenFill xmlns:a14="http://schemas.microsoft.com/office/drawing/2010/main">
-                <a:solidFill>
-                  <a:srgbClr val="FFFFFF"/>
-                </a:solidFill>
-              </a14:hiddenFill>
-            </a:ext>
-          </a:extLst>
-        </p:spPr>
-      </p:pic>
-    </p:spTree>
-    <p:extLst>
-      <p:ext uri="{BB962C8B-B14F-4D97-AF65-F5344CB8AC3E}">
-        <p14:creationId xmlns:p14="http://schemas.microsoft.com/office/powerpoint/2010/main" val="1767731382"/>
-      </p:ext>
-    </p:extLst>
-  </p:cSld>
-  <p:clrMapOvr>
-    <a:masterClrMapping/>
-  </p:clrMapOvr>
-  <p:timing>
-    <p:tnLst>
-      <p:par>
-        <p:cTn id="1" dur="indefinite" restart="never" nodeType="tmRoot"/>
-      </p:par>
-    </p:tnLst>
-  </p:timing>
-</p:sld>
-</file>
-
-<file path=ppt/slides/slide8.xml><?xml version="1.0" encoding="utf-8"?>
-<p:sld xmlns:a="http://schemas.openxmlformats.org/drawingml/2006/main" xmlns:r="http://schemas.openxmlformats.org/officeDocument/2006/relationships" xmlns:p="http://schemas.openxmlformats.org/presentationml/2006/main">
-  <p:cSld>
-    <p:spTree>
-      <p:nvGrpSpPr>
-        <p:cNvPr id="1" name=""/>
-        <p:cNvGrpSpPr/>
-        <p:nvPr/>
-      </p:nvGrpSpPr>
-      <p:grpSpPr>
-        <a:xfrm>
-          <a:off x="0" y="0"/>
-          <a:ext cx="0" cy="0"/>
-          <a:chOff x="0" y="0"/>
-          <a:chExt cx="0" cy="0"/>
-        </a:xfrm>
-      </p:grpSpPr>
-      <p:sp>
-        <p:nvSpPr>
-          <p:cNvPr id="2" name="Title 1"/>
-          <p:cNvSpPr>
-            <a:spLocks noGrp="1"/>
-          </p:cNvSpPr>
-          <p:nvPr>
-            <p:ph type="ctrTitle"/>
-          </p:nvPr>
-        </p:nvSpPr>
-        <p:spPr/>
-        <p:txBody>
-          <a:bodyPr/>
-          <a:lstStyle/>
-          <a:p>
-            <a:r>
-              <a:rPr lang="sv-SE" b="1" dirty="0" smtClean="0"/>
-              <a:t>Klass</a:t>
-            </a:r>
-            <a:r>
-              <a:rPr lang="sv-SE" dirty="0" smtClean="0"/>
-              <a:t>iskt arv</a:t>
-            </a:r>
-            <a:endParaRPr lang="sv-SE" dirty="0"/>
-          </a:p>
-        </p:txBody>
-      </p:sp>
-      <p:pic>
-        <p:nvPicPr>
-          <p:cNvPr id="4" name="Picture 3" descr="PPT41E.png"/>
-          <p:cNvPicPr>
-            <a:picLocks noChangeAspect="1"/>
-          </p:cNvPicPr>
-          <p:nvPr/>
-        </p:nvPicPr>
-        <p:blipFill>
-          <a:blip r:embed="rId2" cstate="print"/>
-          <a:stretch>
-            <a:fillRect/>
-          </a:stretch>
-        </p:blipFill>
-        <p:spPr>
-          <a:xfrm>
-            <a:off x="6334944" y="3683124"/>
-            <a:ext cx="1063376" cy="1292333"/>
-          </a:xfrm>
-          <a:prstGeom prst="rect">
-            <a:avLst/>
-          </a:prstGeom>
-        </p:spPr>
-      </p:pic>
-      <p:pic>
-        <p:nvPicPr>
-          <p:cNvPr id="5" name="Picture 4" descr="PPT875D.png"/>
-          <p:cNvPicPr>
-            <a:picLocks noChangeAspect="1"/>
-          </p:cNvPicPr>
-          <p:nvPr/>
-        </p:nvPicPr>
-        <p:blipFill>
-          <a:blip r:embed="rId3" cstate="print"/>
-          <a:stretch>
-            <a:fillRect/>
-          </a:stretch>
-        </p:blipFill>
-        <p:spPr>
-          <a:xfrm>
-            <a:off x="467544" y="3073524"/>
-            <a:ext cx="1853862" cy="1429562"/>
-          </a:xfrm>
-          <a:prstGeom prst="rect">
-            <a:avLst/>
-          </a:prstGeom>
-        </p:spPr>
-      </p:pic>
-      <p:pic>
-        <p:nvPicPr>
-          <p:cNvPr id="6" name="Picture 5" descr="PPTAC8A.png"/>
-          <p:cNvPicPr>
-            <a:picLocks noChangeAspect="1"/>
-          </p:cNvPicPr>
-          <p:nvPr/>
-        </p:nvPicPr>
-        <p:blipFill>
-          <a:blip r:embed="rId4" cstate="print"/>
-          <a:stretch>
-            <a:fillRect/>
-          </a:stretch>
-        </p:blipFill>
-        <p:spPr>
-          <a:xfrm>
-            <a:off x="2601144" y="3454524"/>
-            <a:ext cx="2029106" cy="1206219"/>
-          </a:xfrm>
-          <a:prstGeom prst="rect">
-            <a:avLst/>
-          </a:prstGeom>
-        </p:spPr>
-      </p:pic>
-      <p:pic>
-        <p:nvPicPr>
-          <p:cNvPr id="7" name="Picture 6" descr="PPT80F9.png"/>
-          <p:cNvPicPr>
-            <a:picLocks noChangeAspect="1"/>
-          </p:cNvPicPr>
-          <p:nvPr/>
-        </p:nvPicPr>
-        <p:blipFill>
-          <a:blip r:embed="rId5" cstate="print"/>
-          <a:stretch>
-            <a:fillRect/>
-          </a:stretch>
-        </p:blipFill>
-        <p:spPr>
-          <a:xfrm>
-            <a:off x="4658544" y="3378324"/>
-            <a:ext cx="671838" cy="787010"/>
-          </a:xfrm>
-          <a:prstGeom prst="rect">
-            <a:avLst/>
-          </a:prstGeom>
-        </p:spPr>
-      </p:pic>
-      <p:pic>
-        <p:nvPicPr>
-          <p:cNvPr id="8" name="Picture 7" descr="PPT3D94.png"/>
-          <p:cNvPicPr>
-            <a:picLocks noChangeAspect="1"/>
-          </p:cNvPicPr>
-          <p:nvPr/>
-        </p:nvPicPr>
-        <p:blipFill>
-          <a:blip r:embed="rId6" cstate="print"/>
-          <a:stretch>
-            <a:fillRect/>
-          </a:stretch>
-        </p:blipFill>
-        <p:spPr>
-          <a:xfrm>
-            <a:off x="5649144" y="3302124"/>
-            <a:ext cx="1021448" cy="720457"/>
-          </a:xfrm>
-          <a:prstGeom prst="rect">
-            <a:avLst/>
-          </a:prstGeom>
-        </p:spPr>
-      </p:pic>
-      <p:pic>
-        <p:nvPicPr>
-          <p:cNvPr id="9" name="Picture 8" descr="PPTD4E5.png"/>
-          <p:cNvPicPr>
-            <a:picLocks noChangeAspect="1"/>
-          </p:cNvPicPr>
-          <p:nvPr/>
-        </p:nvPicPr>
-        <p:blipFill>
-          <a:blip r:embed="rId7" cstate="print"/>
-          <a:stretch>
-            <a:fillRect/>
-          </a:stretch>
-        </p:blipFill>
-        <p:spPr>
-          <a:xfrm>
-            <a:off x="7630344" y="3606924"/>
-            <a:ext cx="969788" cy="844286"/>
-          </a:xfrm>
-          <a:prstGeom prst="rect">
-            <a:avLst/>
-          </a:prstGeom>
-        </p:spPr>
-      </p:pic>
-      <p:sp>
-        <p:nvSpPr>
-          <p:cNvPr id="10" name="TextBox 9"/>
-          <p:cNvSpPr txBox="1"/>
-          <p:nvPr/>
-        </p:nvSpPr>
-        <p:spPr>
-          <a:xfrm>
-            <a:off x="3419872" y="1201316"/>
-            <a:ext cx="1728192" cy="923330"/>
-          </a:xfrm>
-          <a:prstGeom prst="rect">
-            <a:avLst/>
-          </a:prstGeom>
-        </p:spPr>
-        <p:style>
-          <a:lnRef idx="2">
-            <a:schemeClr val="dk1"/>
-          </a:lnRef>
-          <a:fillRef idx="1">
-            <a:schemeClr val="lt1"/>
-          </a:fillRef>
-          <a:effectRef idx="0">
-            <a:schemeClr val="dk1"/>
-          </a:effectRef>
-          <a:fontRef idx="minor">
-            <a:schemeClr val="dk1"/>
-          </a:fontRef>
-        </p:style>
-        <p:txBody>
-          <a:bodyPr wrap="square" rtlCol="0">
-            <a:spAutoFit/>
-          </a:bodyPr>
-          <a:lstStyle/>
-          <a:p>
-            <a:endParaRPr lang="sv-SE" dirty="0" smtClean="0">
-              <a:latin typeface="Minya Nouvelle" pitchFamily="2" charset="0"/>
-            </a:endParaRPr>
-          </a:p>
-          <a:p>
-            <a:pPr algn="ctr"/>
-            <a:r>
-              <a:rPr lang="sv-SE" dirty="0" smtClean="0">
-                <a:latin typeface="Minya Nouvelle" pitchFamily="2" charset="0"/>
-              </a:rPr>
-              <a:t>Djur</a:t>
-            </a:r>
-          </a:p>
-          <a:p>
-            <a:endParaRPr lang="sv-SE" dirty="0">
-              <a:latin typeface="Minya Nouvelle" pitchFamily="2" charset="0"/>
-            </a:endParaRPr>
-          </a:p>
-        </p:txBody>
-      </p:sp>
-      <p:cxnSp>
-        <p:nvCxnSpPr>
-          <p:cNvPr id="12" name="Straight Connector 11"/>
-          <p:cNvCxnSpPr/>
-          <p:nvPr/>
-        </p:nvCxnSpPr>
-        <p:spPr>
-          <a:xfrm flipV="1">
-            <a:off x="1259632" y="2124646"/>
-            <a:ext cx="2356065" cy="948878"/>
-          </a:xfrm>
-          <a:prstGeom prst="line">
-            <a:avLst/>
-          </a:prstGeom>
-          <a:ln w="19050">
-            <a:solidFill>
-              <a:schemeClr val="tx1"/>
-            </a:solidFill>
-            <a:tailEnd type="arrow"/>
-          </a:ln>
-        </p:spPr>
-        <p:style>
-          <a:lnRef idx="1">
-            <a:schemeClr val="accent1"/>
-          </a:lnRef>
-          <a:fillRef idx="0">
-            <a:schemeClr val="accent1"/>
-          </a:fillRef>
-          <a:effectRef idx="0">
-            <a:schemeClr val="accent1"/>
-          </a:effectRef>
-          <a:fontRef idx="minor">
-            <a:schemeClr val="tx1"/>
-          </a:fontRef>
-        </p:style>
-      </p:cxnSp>
-      <p:cxnSp>
-        <p:nvCxnSpPr>
-          <p:cNvPr id="14" name="Straight Connector 13"/>
-          <p:cNvCxnSpPr>
-            <a:stCxn id="6" idx="0"/>
-          </p:cNvCxnSpPr>
-          <p:nvPr/>
-        </p:nvCxnSpPr>
-        <p:spPr>
-          <a:xfrm flipV="1">
-            <a:off x="3615697" y="2124646"/>
-            <a:ext cx="164215" cy="1329878"/>
-          </a:xfrm>
-          <a:prstGeom prst="line">
-            <a:avLst/>
-          </a:prstGeom>
-          <a:ln w="19050">
-            <a:solidFill>
-              <a:schemeClr val="tx1"/>
-            </a:solidFill>
-            <a:tailEnd type="arrow"/>
-          </a:ln>
-        </p:spPr>
-        <p:style>
-          <a:lnRef idx="1">
-            <a:schemeClr val="accent1"/>
-          </a:lnRef>
-          <a:fillRef idx="0">
-            <a:schemeClr val="accent1"/>
-          </a:fillRef>
-          <a:effectRef idx="0">
-            <a:schemeClr val="accent1"/>
-          </a:effectRef>
-          <a:fontRef idx="minor">
-            <a:schemeClr val="tx1"/>
-          </a:fontRef>
-        </p:style>
-      </p:cxnSp>
-      <p:cxnSp>
-        <p:nvCxnSpPr>
-          <p:cNvPr id="16" name="Straight Connector 15"/>
-          <p:cNvCxnSpPr>
-            <a:stCxn id="7" idx="0"/>
-          </p:cNvCxnSpPr>
-          <p:nvPr/>
-        </p:nvCxnSpPr>
-        <p:spPr>
-          <a:xfrm flipH="1" flipV="1">
-            <a:off x="4139952" y="2124646"/>
-            <a:ext cx="854511" cy="1253678"/>
-          </a:xfrm>
-          <a:prstGeom prst="line">
-            <a:avLst/>
-          </a:prstGeom>
-          <a:ln w="19050">
-            <a:solidFill>
-              <a:schemeClr val="tx1"/>
-            </a:solidFill>
-            <a:tailEnd type="arrow"/>
-          </a:ln>
-        </p:spPr>
-        <p:style>
-          <a:lnRef idx="1">
-            <a:schemeClr val="accent1"/>
-          </a:lnRef>
-          <a:fillRef idx="0">
-            <a:schemeClr val="accent1"/>
-          </a:fillRef>
-          <a:effectRef idx="0">
-            <a:schemeClr val="accent1"/>
-          </a:effectRef>
-          <a:fontRef idx="minor">
-            <a:schemeClr val="tx1"/>
-          </a:fontRef>
-        </p:style>
-      </p:cxnSp>
-      <p:cxnSp>
-        <p:nvCxnSpPr>
-          <p:cNvPr id="18" name="Straight Connector 17"/>
-          <p:cNvCxnSpPr>
-            <a:stCxn id="8" idx="0"/>
-          </p:cNvCxnSpPr>
-          <p:nvPr/>
-        </p:nvCxnSpPr>
-        <p:spPr>
-          <a:xfrm flipH="1" flipV="1">
-            <a:off x="4499992" y="2124646"/>
-            <a:ext cx="1659876" cy="1177478"/>
-          </a:xfrm>
-          <a:prstGeom prst="line">
-            <a:avLst/>
-          </a:prstGeom>
-          <a:ln w="19050">
-            <a:solidFill>
-              <a:schemeClr val="tx1"/>
-            </a:solidFill>
-            <a:tailEnd type="arrow"/>
-          </a:ln>
-        </p:spPr>
-        <p:style>
-          <a:lnRef idx="1">
-            <a:schemeClr val="accent1"/>
-          </a:lnRef>
-          <a:fillRef idx="0">
-            <a:schemeClr val="accent1"/>
-          </a:fillRef>
-          <a:effectRef idx="0">
-            <a:schemeClr val="accent1"/>
-          </a:effectRef>
-          <a:fontRef idx="minor">
-            <a:schemeClr val="tx1"/>
-          </a:fontRef>
-        </p:style>
-      </p:cxnSp>
-      <p:cxnSp>
-        <p:nvCxnSpPr>
-          <p:cNvPr id="20" name="Straight Connector 19"/>
-          <p:cNvCxnSpPr/>
-          <p:nvPr/>
-        </p:nvCxnSpPr>
-        <p:spPr>
-          <a:xfrm flipH="1" flipV="1">
-            <a:off x="4994463" y="2124646"/>
-            <a:ext cx="2241833" cy="1558478"/>
-          </a:xfrm>
-          <a:prstGeom prst="line">
-            <a:avLst/>
-          </a:prstGeom>
-          <a:ln w="19050">
-            <a:solidFill>
-              <a:schemeClr val="tx1"/>
-            </a:solidFill>
-            <a:tailEnd type="arrow"/>
-          </a:ln>
-        </p:spPr>
-        <p:style>
-          <a:lnRef idx="1">
-            <a:schemeClr val="accent1"/>
-          </a:lnRef>
-          <a:fillRef idx="0">
-            <a:schemeClr val="accent1"/>
-          </a:fillRef>
-          <a:effectRef idx="0">
-            <a:schemeClr val="accent1"/>
-          </a:effectRef>
-          <a:fontRef idx="minor">
-            <a:schemeClr val="tx1"/>
-          </a:fontRef>
-        </p:style>
-      </p:cxnSp>
-      <p:cxnSp>
-        <p:nvCxnSpPr>
-          <p:cNvPr id="22" name="Straight Connector 21"/>
-          <p:cNvCxnSpPr>
-            <a:stCxn id="9" idx="0"/>
-          </p:cNvCxnSpPr>
-          <p:nvPr/>
-        </p:nvCxnSpPr>
-        <p:spPr>
-          <a:xfrm flipH="1" flipV="1">
-            <a:off x="5148064" y="2124646"/>
-            <a:ext cx="2967174" cy="1482278"/>
-          </a:xfrm>
-          <a:prstGeom prst="line">
-            <a:avLst/>
-          </a:prstGeom>
-          <a:ln w="19050">
-            <a:solidFill>
-              <a:schemeClr val="tx1"/>
-            </a:solidFill>
-            <a:tailEnd type="arrow"/>
-          </a:ln>
-        </p:spPr>
-        <p:style>
-          <a:lnRef idx="1">
-            <a:schemeClr val="accent1"/>
-          </a:lnRef>
-          <a:fillRef idx="0">
-            <a:schemeClr val="accent1"/>
-          </a:fillRef>
-          <a:effectRef idx="0">
-            <a:schemeClr val="accent1"/>
-          </a:effectRef>
-          <a:fontRef idx="minor">
-            <a:schemeClr val="tx1"/>
-          </a:fontRef>
-        </p:style>
-      </p:cxnSp>
-      <p:pic>
-        <p:nvPicPr>
-          <p:cNvPr id="23" name="Picture 3" descr="P:\Icons\48x48\shadow\graph_edge_directed.png"/>
-          <p:cNvPicPr>
-            <a:picLocks noChangeAspect="1" noChangeArrowheads="1"/>
-          </p:cNvPicPr>
-          <p:nvPr/>
-        </p:nvPicPr>
-        <p:blipFill>
-          <a:blip r:embed="rId8">
-            <a:extLst>
-              <a:ext uri="{28A0092B-C50C-407E-A947-70E740481C1C}">
-                <a14:useLocalDpi xmlns:a14="http://schemas.microsoft.com/office/drawing/2010/main" val="0"/>
-              </a:ext>
-            </a:extLst>
-          </a:blip>
-          <a:srcRect/>
-          <a:stretch>
-            <a:fillRect/>
-          </a:stretch>
-        </p:blipFill>
-        <p:spPr bwMode="auto">
-          <a:xfrm>
-            <a:off x="8244408" y="260163"/>
-            <a:ext cx="617538" cy="617538"/>
-          </a:xfrm>
-          <a:prstGeom prst="rect">
-            <a:avLst/>
-          </a:prstGeom>
-          <a:noFill/>
-          <a:extLst>
-            <a:ext uri="{909E8E84-426E-40DD-AFC4-6F175D3DCCD1}">
-              <a14:hiddenFill xmlns:a14="http://schemas.microsoft.com/office/drawing/2010/main">
-                <a:solidFill>
-                  <a:srgbClr val="FFFFFF"/>
-                </a:solidFill>
-              </a14:hiddenFill>
-            </a:ext>
-          </a:extLst>
-        </p:spPr>
-      </p:pic>
-    </p:spTree>
-    <p:extLst>
-      <p:ext uri="{BB962C8B-B14F-4D97-AF65-F5344CB8AC3E}">
-        <p14:creationId xmlns:p14="http://schemas.microsoft.com/office/powerpoint/2010/main" val="1422692460"/>
-      </p:ext>
-    </p:extLst>
-  </p:cSld>
-  <p:clrMapOvr>
-    <a:masterClrMapping/>
-  </p:clrMapOvr>
-  <p:timing>
-    <p:tnLst>
-      <p:par>
-        <p:cTn id="1" dur="indefinite" restart="never" nodeType="tmRoot"/>
-      </p:par>
-    </p:tnLst>
-  </p:timing>
-</p:sld>
-</file>
-
-<file path=ppt/slides/slide9.xml><?xml version="1.0" encoding="utf-8"?>
-<p:sld xmlns:a="http://schemas.openxmlformats.org/drawingml/2006/main" xmlns:r="http://schemas.openxmlformats.org/officeDocument/2006/relationships" xmlns:p="http://schemas.openxmlformats.org/presentationml/2006/main">
-  <p:cSld>
-    <p:spTree>
-      <p:nvGrpSpPr>
-        <p:cNvPr id="1" name=""/>
-        <p:cNvGrpSpPr/>
-        <p:nvPr/>
-      </p:nvGrpSpPr>
-      <p:grpSpPr>
-        <a:xfrm>
-          <a:off x="0" y="0"/>
-          <a:ext cx="0" cy="0"/>
-          <a:chOff x="0" y="0"/>
-          <a:chExt cx="0" cy="0"/>
-        </a:xfrm>
-      </p:grpSpPr>
-      <p:sp>
-        <p:nvSpPr>
-          <p:cNvPr id="2" name="Title 1"/>
-          <p:cNvSpPr>
-            <a:spLocks noGrp="1"/>
-          </p:cNvSpPr>
-          <p:nvPr>
-            <p:ph type="ctrTitle"/>
-          </p:nvPr>
-        </p:nvSpPr>
-        <p:spPr/>
-        <p:txBody>
-          <a:bodyPr/>
-          <a:lstStyle/>
-          <a:p>
-            <a:r>
-              <a:rPr lang="sv-SE" dirty="0" smtClean="0"/>
-              <a:t>”Superklassen”</a:t>
-            </a:r>
-            <a:endParaRPr lang="sv-SE" dirty="0"/>
-          </a:p>
-        </p:txBody>
-      </p:sp>
-      <p:sp>
-        <p:nvSpPr>
-          <p:cNvPr id="4" name="Rectangle 3"/>
-          <p:cNvSpPr/>
-          <p:nvPr/>
-        </p:nvSpPr>
-        <p:spPr>
-          <a:xfrm>
-            <a:off x="228600" y="1254135"/>
-            <a:ext cx="8458200" cy="3043525"/>
-          </a:xfrm>
-          <a:prstGeom prst="rect">
-            <a:avLst/>
-          </a:prstGeom>
-        </p:spPr>
-        <p:style>
-          <a:lnRef idx="1">
-            <a:schemeClr val="accent2"/>
-          </a:lnRef>
-          <a:fillRef idx="2">
-            <a:schemeClr val="accent2"/>
-          </a:fillRef>
-          <a:effectRef idx="1">
-            <a:schemeClr val="accent2"/>
-          </a:effectRef>
-          <a:fontRef idx="minor">
-            <a:schemeClr val="dk1"/>
-          </a:fontRef>
-        </p:style>
-        <p:txBody>
-          <a:bodyPr/>
-          <a:lstStyle/>
-          <a:p>
-            <a:pPr>
-              <a:defRPr/>
-            </a:pPr>
-            <a:r>
-              <a:rPr lang="sv-SE" sz="1600" b="1" dirty="0" smtClean="0">
-                <a:solidFill>
-                  <a:schemeClr val="tx1"/>
-                </a:solidFill>
-                <a:latin typeface="Courier New" pitchFamily="49" charset="0"/>
-                <a:cs typeface="Courier New" pitchFamily="49" charset="0"/>
-              </a:rPr>
-              <a:t>function Animal(</a:t>
-            </a:r>
-            <a:r>
-              <a:rPr lang="sv-SE" sz="1600" b="1" dirty="0" err="1" smtClean="0">
-                <a:solidFill>
-                  <a:schemeClr val="tx1"/>
-                </a:solidFill>
-                <a:latin typeface="Courier New" pitchFamily="49" charset="0"/>
-                <a:cs typeface="Courier New" pitchFamily="49" charset="0"/>
-              </a:rPr>
-              <a:t>name</a:t>
-            </a:r>
-            <a:r>
-              <a:rPr lang="sv-SE" sz="1600" b="1" dirty="0" smtClean="0">
-                <a:solidFill>
-                  <a:schemeClr val="tx1"/>
-                </a:solidFill>
-                <a:latin typeface="Courier New" pitchFamily="49" charset="0"/>
-                <a:cs typeface="Courier New" pitchFamily="49" charset="0"/>
-              </a:rPr>
-              <a:t>){</a:t>
-            </a:r>
-          </a:p>
-          <a:p>
-            <a:pPr>
-              <a:defRPr/>
-            </a:pPr>
-            <a:r>
-              <a:rPr lang="sv-SE" sz="1600" b="1" dirty="0" smtClean="0">
-                <a:solidFill>
-                  <a:schemeClr val="tx1"/>
-                </a:solidFill>
-                <a:latin typeface="Courier New" pitchFamily="49" charset="0"/>
-                <a:cs typeface="Courier New" pitchFamily="49" charset="0"/>
-              </a:rPr>
-              <a:t>	</a:t>
-            </a:r>
-            <a:r>
-              <a:rPr lang="sv-SE" sz="1600" b="1" dirty="0" err="1" smtClean="0">
-                <a:solidFill>
-                  <a:schemeClr val="tx1"/>
-                </a:solidFill>
-                <a:latin typeface="Courier New" pitchFamily="49" charset="0"/>
-                <a:cs typeface="Courier New" pitchFamily="49" charset="0"/>
-              </a:rPr>
-              <a:t>this.name</a:t>
-            </a:r>
-            <a:r>
-              <a:rPr lang="sv-SE" sz="1600" b="1" dirty="0" smtClean="0">
-                <a:solidFill>
-                  <a:schemeClr val="tx1"/>
-                </a:solidFill>
-                <a:latin typeface="Courier New" pitchFamily="49" charset="0"/>
-                <a:cs typeface="Courier New" pitchFamily="49" charset="0"/>
-              </a:rPr>
-              <a:t> = </a:t>
-            </a:r>
-            <a:r>
-              <a:rPr lang="sv-SE" sz="1600" b="1" dirty="0" err="1" smtClean="0">
-                <a:solidFill>
-                  <a:schemeClr val="tx1"/>
-                </a:solidFill>
-                <a:latin typeface="Courier New" pitchFamily="49" charset="0"/>
-                <a:cs typeface="Courier New" pitchFamily="49" charset="0"/>
-              </a:rPr>
-              <a:t>name</a:t>
-            </a:r>
-            <a:r>
-              <a:rPr lang="sv-SE" sz="1600" b="1" dirty="0" smtClean="0">
-                <a:solidFill>
-                  <a:schemeClr val="tx1"/>
-                </a:solidFill>
-                <a:latin typeface="Courier New" pitchFamily="49" charset="0"/>
-                <a:cs typeface="Courier New" pitchFamily="49" charset="0"/>
-              </a:rPr>
-              <a:t>;	</a:t>
-            </a:r>
-          </a:p>
-          <a:p>
-            <a:pPr>
-              <a:defRPr/>
-            </a:pPr>
-            <a:r>
-              <a:rPr lang="sv-SE" sz="1600" b="1" dirty="0" smtClean="0">
-                <a:solidFill>
-                  <a:schemeClr val="tx1"/>
-                </a:solidFill>
-                <a:latin typeface="Courier New" pitchFamily="49" charset="0"/>
-                <a:cs typeface="Courier New" pitchFamily="49" charset="0"/>
-              </a:rPr>
-              <a:t>}</a:t>
-            </a:r>
-          </a:p>
-          <a:p>
-            <a:pPr>
-              <a:defRPr/>
-            </a:pPr>
-            <a:endParaRPr lang="sv-SE" sz="1600" b="1" dirty="0" smtClean="0">
-              <a:solidFill>
-                <a:schemeClr val="tx1"/>
-              </a:solidFill>
-              <a:latin typeface="Courier New" pitchFamily="49" charset="0"/>
-              <a:cs typeface="Courier New" pitchFamily="49" charset="0"/>
-            </a:endParaRPr>
-          </a:p>
-          <a:p>
-            <a:pPr>
-              <a:defRPr/>
-            </a:pPr>
-            <a:r>
-              <a:rPr lang="sv-SE" sz="1600" b="1" dirty="0" err="1" smtClean="0">
-                <a:solidFill>
-                  <a:schemeClr val="tx1"/>
-                </a:solidFill>
-                <a:latin typeface="Courier New" pitchFamily="49" charset="0"/>
-                <a:cs typeface="Courier New" pitchFamily="49" charset="0"/>
-              </a:rPr>
-              <a:t>Animal.prototype.scream</a:t>
-            </a:r>
-            <a:r>
-              <a:rPr lang="sv-SE" sz="1600" b="1" dirty="0" smtClean="0">
-                <a:solidFill>
-                  <a:schemeClr val="tx1"/>
-                </a:solidFill>
-                <a:latin typeface="Courier New" pitchFamily="49" charset="0"/>
-                <a:cs typeface="Courier New" pitchFamily="49" charset="0"/>
-              </a:rPr>
-              <a:t> = function(){</a:t>
-            </a:r>
-          </a:p>
-          <a:p>
-            <a:pPr>
-              <a:defRPr/>
-            </a:pPr>
-            <a:r>
-              <a:rPr lang="sv-SE" sz="1600" b="1" dirty="0" smtClean="0">
-                <a:solidFill>
-                  <a:schemeClr val="tx1"/>
-                </a:solidFill>
-                <a:latin typeface="Courier New" pitchFamily="49" charset="0"/>
-                <a:cs typeface="Courier New" pitchFamily="49" charset="0"/>
-              </a:rPr>
-              <a:t>	console.log("</a:t>
-            </a:r>
-            <a:r>
-              <a:rPr lang="sv-SE" sz="1600" b="1" dirty="0" err="1" smtClean="0">
-                <a:solidFill>
-                  <a:schemeClr val="tx1"/>
-                </a:solidFill>
-                <a:latin typeface="Courier New" pitchFamily="49" charset="0"/>
-                <a:cs typeface="Courier New" pitchFamily="49" charset="0"/>
-              </a:rPr>
-              <a:t>Wooooaaaa</a:t>
-            </a:r>
-            <a:r>
-              <a:rPr lang="sv-SE" sz="1600" b="1" dirty="0" smtClean="0">
-                <a:solidFill>
-                  <a:schemeClr val="tx1"/>
-                </a:solidFill>
-                <a:latin typeface="Courier New" pitchFamily="49" charset="0"/>
-                <a:cs typeface="Courier New" pitchFamily="49" charset="0"/>
-              </a:rPr>
-              <a:t> säger "+this.name);</a:t>
-            </a:r>
-          </a:p>
-          <a:p>
-            <a:pPr>
-              <a:defRPr/>
-            </a:pPr>
-            <a:r>
-              <a:rPr lang="sv-SE" sz="1600" b="1" dirty="0" smtClean="0">
-                <a:solidFill>
-                  <a:schemeClr val="tx1"/>
-                </a:solidFill>
-                <a:latin typeface="Courier New" pitchFamily="49" charset="0"/>
-                <a:cs typeface="Courier New" pitchFamily="49" charset="0"/>
-              </a:rPr>
-              <a:t>};</a:t>
-            </a:r>
-          </a:p>
-          <a:p>
-            <a:pPr>
-              <a:defRPr/>
-            </a:pPr>
-            <a:endParaRPr lang="sv-SE" sz="1600" b="1" dirty="0" smtClean="0">
-              <a:solidFill>
-                <a:schemeClr val="tx1"/>
-              </a:solidFill>
-              <a:latin typeface="Courier New" pitchFamily="49" charset="0"/>
-              <a:cs typeface="Courier New" pitchFamily="49" charset="0"/>
-            </a:endParaRPr>
-          </a:p>
-          <a:p>
-            <a:pPr>
-              <a:defRPr/>
-            </a:pPr>
-            <a:r>
-              <a:rPr lang="sv-SE" sz="1600" b="1" dirty="0" err="1" smtClean="0">
-                <a:solidFill>
-                  <a:schemeClr val="tx1"/>
-                </a:solidFill>
-                <a:latin typeface="Courier New" pitchFamily="49" charset="0"/>
-                <a:cs typeface="Courier New" pitchFamily="49" charset="0"/>
-              </a:rPr>
-              <a:t>Animal.prototype.getName</a:t>
-            </a:r>
-            <a:r>
-              <a:rPr lang="sv-SE" sz="1600" b="1" dirty="0" smtClean="0">
-                <a:solidFill>
-                  <a:schemeClr val="tx1"/>
-                </a:solidFill>
-                <a:latin typeface="Courier New" pitchFamily="49" charset="0"/>
-                <a:cs typeface="Courier New" pitchFamily="49" charset="0"/>
-              </a:rPr>
-              <a:t> = function(){</a:t>
-            </a:r>
-          </a:p>
-          <a:p>
-            <a:pPr>
-              <a:defRPr/>
-            </a:pPr>
-            <a:r>
-              <a:rPr lang="sv-SE" sz="1600" b="1" dirty="0" smtClean="0">
-                <a:solidFill>
-                  <a:schemeClr val="tx1"/>
-                </a:solidFill>
-                <a:latin typeface="Courier New" pitchFamily="49" charset="0"/>
-                <a:cs typeface="Courier New" pitchFamily="49" charset="0"/>
-              </a:rPr>
-              <a:t>	</a:t>
-            </a:r>
-            <a:r>
-              <a:rPr lang="sv-SE" sz="1600" b="1" dirty="0" err="1" smtClean="0">
-                <a:solidFill>
-                  <a:schemeClr val="tx1"/>
-                </a:solidFill>
-                <a:latin typeface="Courier New" pitchFamily="49" charset="0"/>
-                <a:cs typeface="Courier New" pitchFamily="49" charset="0"/>
-              </a:rPr>
-              <a:t>return</a:t>
-            </a:r>
-            <a:r>
-              <a:rPr lang="sv-SE" sz="1600" b="1" dirty="0" smtClean="0">
-                <a:solidFill>
-                  <a:schemeClr val="tx1"/>
-                </a:solidFill>
-                <a:latin typeface="Courier New" pitchFamily="49" charset="0"/>
-                <a:cs typeface="Courier New" pitchFamily="49" charset="0"/>
-              </a:rPr>
-              <a:t> this.name;	</a:t>
-            </a:r>
-          </a:p>
-          <a:p>
-            <a:pPr>
-              <a:defRPr/>
-            </a:pPr>
-            <a:r>
-              <a:rPr lang="sv-SE" sz="1600" b="1" dirty="0" smtClean="0">
-                <a:solidFill>
-                  <a:schemeClr val="tx1"/>
-                </a:solidFill>
-                <a:latin typeface="Courier New" pitchFamily="49" charset="0"/>
-                <a:cs typeface="Courier New" pitchFamily="49" charset="0"/>
-              </a:rPr>
-              <a:t>};</a:t>
-            </a:r>
-          </a:p>
-        </p:txBody>
-      </p:sp>
-      <p:pic>
-        <p:nvPicPr>
-          <p:cNvPr id="5" name="Picture 5" descr="C:\temp\471aa5c9.png"/>
-          <p:cNvPicPr>
-            <a:picLocks noChangeAspect="1" noChangeArrowheads="1"/>
-          </p:cNvPicPr>
-          <p:nvPr/>
-        </p:nvPicPr>
-        <p:blipFill>
-          <a:blip r:embed="rId3" cstate="print"/>
-          <a:srcRect/>
-          <a:stretch>
-            <a:fillRect/>
-          </a:stretch>
-        </p:blipFill>
-        <p:spPr bwMode="auto">
-          <a:xfrm>
-            <a:off x="7164288" y="1057300"/>
-            <a:ext cx="1704975" cy="2409825"/>
-          </a:xfrm>
-          <a:prstGeom prst="rect">
-            <a:avLst/>
-          </a:prstGeom>
-          <a:noFill/>
-        </p:spPr>
-      </p:pic>
-      <p:pic>
-        <p:nvPicPr>
-          <p:cNvPr id="6" name="Picture 3" descr="P:\Icons\48x48\shadow\graph_edge_directed.png"/>
-          <p:cNvPicPr>
-            <a:picLocks noChangeAspect="1" noChangeArrowheads="1"/>
-          </p:cNvPicPr>
-          <p:nvPr/>
-        </p:nvPicPr>
-        <p:blipFill>
-          <a:blip r:embed="rId4">
-            <a:extLst>
-              <a:ext uri="{28A0092B-C50C-407E-A947-70E740481C1C}">
-                <a14:useLocalDpi xmlns:a14="http://schemas.microsoft.com/office/drawing/2010/main" val="0"/>
-              </a:ext>
-            </a:extLst>
-          </a:blip>
-          <a:srcRect/>
-          <a:stretch>
-            <a:fillRect/>
-          </a:stretch>
-        </p:blipFill>
-        <p:spPr bwMode="auto">
-          <a:xfrm>
-            <a:off x="8244408" y="260163"/>
-            <a:ext cx="617538" cy="617538"/>
-          </a:xfrm>
-          <a:prstGeom prst="rect">
-            <a:avLst/>
-          </a:prstGeom>
-          <a:noFill/>
-          <a:extLst>
-            <a:ext uri="{909E8E84-426E-40DD-AFC4-6F175D3DCCD1}">
-              <a14:hiddenFill xmlns:a14="http://schemas.microsoft.com/office/drawing/2010/main">
-                <a:solidFill>
-                  <a:srgbClr val="FFFFFF"/>
-                </a:solidFill>
-              </a14:hiddenFill>
-            </a:ext>
-          </a:extLst>
-        </p:spPr>
-      </p:pic>
-    </p:spTree>
-    <p:extLst>
-      <p:ext uri="{BB962C8B-B14F-4D97-AF65-F5344CB8AC3E}">
-        <p14:creationId xmlns:p14="http://schemas.microsoft.com/office/powerpoint/2010/main" val="3975458989"/>
-      </p:ext>
-    </p:extLst>
-  </p:cSld>
-  <p:clrMapOvr>
-    <a:masterClrMapping/>
-  </p:clrMapOvr>
-  <p:timing>
-    <p:tnLst>
-      <p:par>
-        <p:cTn id="1" dur="indefinite" restart="never" nodeType="tmRoot"/>
+        <p:cTn xmlns:p14="http://schemas.microsoft.com/office/powerpoint/2010/main" id="1" dur="indefinite" restart="never" nodeType="tmRoot"/>
       </p:par>
     </p:tnLst>
   </p:timing>
